--- a/Part 1 Relation Tree.pptx
+++ b/Part 1 Relation Tree.pptx
@@ -104,7 +104,342 @@
       </a:defRPr>
     </a:lvl9pPr>
   </p:defaultTextStyle>
+  <p:extLst>
+    <p:ext uri="{EFAFB233-063F-42B5-8137-9DF3F51BA10A}">
+      <p15:sldGuideLst xmlns:p15="http://schemas.microsoft.com/office/powerpoint/2012/main"/>
+    </p:ext>
+  </p:extLst>
 </p:presentation>
+</file>
+
+<file path=ppt/revisionInfo.xml><?xml version="1.0" encoding="utf-8"?>
+<p1510:revInfo xmlns:a="http://schemas.openxmlformats.org/drawingml/2006/main" xmlns:r="http://schemas.openxmlformats.org/officeDocument/2006/relationships" xmlns:p1510="http://schemas.microsoft.com/office/powerpoint/2015/10/main">
+  <p1510:revLst>
+    <p1510:client id="{E89ED30A-293D-4D1B-B9D8-CE9957DE36BA}" v="152" dt="2023-12-27T05:02:33.319"/>
+  </p1510:revLst>
+</p1510:revInfo>
+</file>
+
+<file path=ppt/changesInfos/changesInfo1.xml><?xml version="1.0" encoding="utf-8"?>
+<pc:chgInfo xmlns:a="http://schemas.openxmlformats.org/drawingml/2006/main" xmlns:r="http://schemas.openxmlformats.org/officeDocument/2006/relationships" xmlns:ac="http://schemas.microsoft.com/office/drawing/2013/main/command" xmlns:pc="http://schemas.microsoft.com/office/powerpoint/2013/main/command">
+  <pc:docChgLst>
+    <pc:chgData name="Brandon" userId="0aa49d0b-5f88-4f13-b15b-c83af812f96f" providerId="ADAL" clId="{E89ED30A-293D-4D1B-B9D8-CE9957DE36BA}"/>
+    <pc:docChg chg="undo redo custSel addSld delSld modSld">
+      <pc:chgData name="Brandon" userId="0aa49d0b-5f88-4f13-b15b-c83af812f96f" providerId="ADAL" clId="{E89ED30A-293D-4D1B-B9D8-CE9957DE36BA}" dt="2023-12-27T05:02:33.319" v="445" actId="12100"/>
+      <pc:docMkLst>
+        <pc:docMk/>
+      </pc:docMkLst>
+      <pc:sldChg chg="addSp delSp modSp new mod">
+        <pc:chgData name="Brandon" userId="0aa49d0b-5f88-4f13-b15b-c83af812f96f" providerId="ADAL" clId="{E89ED30A-293D-4D1B-B9D8-CE9957DE36BA}" dt="2023-12-27T05:02:33.319" v="445" actId="12100"/>
+        <pc:sldMkLst>
+          <pc:docMk/>
+          <pc:sldMk cId="3011655601" sldId="256"/>
+        </pc:sldMkLst>
+        <pc:spChg chg="del">
+          <ac:chgData name="Brandon" userId="0aa49d0b-5f88-4f13-b15b-c83af812f96f" providerId="ADAL" clId="{E89ED30A-293D-4D1B-B9D8-CE9957DE36BA}" dt="2023-12-27T05:01:48.451" v="443" actId="478"/>
+          <ac:spMkLst>
+            <pc:docMk/>
+            <pc:sldMk cId="3011655601" sldId="256"/>
+            <ac:spMk id="2" creationId="{BE9D3E3D-08D6-418E-0ED9-2C16B753CAC6}"/>
+          </ac:spMkLst>
+        </pc:spChg>
+        <pc:spChg chg="del">
+          <ac:chgData name="Brandon" userId="0aa49d0b-5f88-4f13-b15b-c83af812f96f" providerId="ADAL" clId="{E89ED30A-293D-4D1B-B9D8-CE9957DE36BA}" dt="2023-12-27T05:01:48.451" v="443" actId="478"/>
+          <ac:spMkLst>
+            <pc:docMk/>
+            <pc:sldMk cId="3011655601" sldId="256"/>
+            <ac:spMk id="3" creationId="{CD59FD5B-58CD-B711-5F44-E165BABCB2CB}"/>
+          </ac:spMkLst>
+        </pc:spChg>
+        <pc:graphicFrameChg chg="add mod modGraphic">
+          <ac:chgData name="Brandon" userId="0aa49d0b-5f88-4f13-b15b-c83af812f96f" providerId="ADAL" clId="{E89ED30A-293D-4D1B-B9D8-CE9957DE36BA}" dt="2023-12-27T05:02:33.319" v="445" actId="12100"/>
+          <ac:graphicFrameMkLst>
+            <pc:docMk/>
+            <pc:sldMk cId="3011655601" sldId="256"/>
+            <ac:graphicFrameMk id="4" creationId="{F2D54A51-B5FD-C2D6-C378-BE71A1E98C28}"/>
+          </ac:graphicFrameMkLst>
+        </pc:graphicFrameChg>
+      </pc:sldChg>
+      <pc:sldChg chg="add del">
+        <pc:chgData name="Brandon" userId="0aa49d0b-5f88-4f13-b15b-c83af812f96f" providerId="ADAL" clId="{E89ED30A-293D-4D1B-B9D8-CE9957DE36BA}" dt="2023-12-27T05:01:45.717" v="441" actId="47"/>
+        <pc:sldMkLst>
+          <pc:docMk/>
+          <pc:sldMk cId="3105581600" sldId="256"/>
+        </pc:sldMkLst>
+      </pc:sldChg>
+      <pc:sldChg chg="addSp delSp modSp add del mod">
+        <pc:chgData name="Brandon" userId="0aa49d0b-5f88-4f13-b15b-c83af812f96f" providerId="ADAL" clId="{E89ED30A-293D-4D1B-B9D8-CE9957DE36BA}" dt="2023-12-27T04:58:08.356" v="440" actId="47"/>
+        <pc:sldMkLst>
+          <pc:docMk/>
+          <pc:sldMk cId="2608131355" sldId="257"/>
+        </pc:sldMkLst>
+        <pc:spChg chg="add del mod">
+          <ac:chgData name="Brandon" userId="0aa49d0b-5f88-4f13-b15b-c83af812f96f" providerId="ADAL" clId="{E89ED30A-293D-4D1B-B9D8-CE9957DE36BA}" dt="2023-12-27T04:31:07.159" v="22" actId="11529"/>
+          <ac:spMkLst>
+            <pc:docMk/>
+            <pc:sldMk cId="2608131355" sldId="257"/>
+            <ac:spMk id="2" creationId="{28CDBBE8-5845-FADC-542D-272D39D32D4C}"/>
+          </ac:spMkLst>
+        </pc:spChg>
+        <pc:spChg chg="add del mod">
+          <ac:chgData name="Brandon" userId="0aa49d0b-5f88-4f13-b15b-c83af812f96f" providerId="ADAL" clId="{E89ED30A-293D-4D1B-B9D8-CE9957DE36BA}" dt="2023-12-27T04:33:46.822" v="109" actId="21"/>
+          <ac:spMkLst>
+            <pc:docMk/>
+            <pc:sldMk cId="2608131355" sldId="257"/>
+            <ac:spMk id="3" creationId="{47741830-AF5A-0640-F13C-AA2E58DEFB86}"/>
+          </ac:spMkLst>
+        </pc:spChg>
+        <pc:spChg chg="del">
+          <ac:chgData name="Brandon" userId="0aa49d0b-5f88-4f13-b15b-c83af812f96f" providerId="ADAL" clId="{E89ED30A-293D-4D1B-B9D8-CE9957DE36BA}" dt="2023-12-27T04:33:48.176" v="110" actId="478"/>
+          <ac:spMkLst>
+            <pc:docMk/>
+            <pc:sldMk cId="2608131355" sldId="257"/>
+            <ac:spMk id="5" creationId="{F58D4D91-2D3A-BF09-4733-80E282FFD144}"/>
+          </ac:spMkLst>
+        </pc:spChg>
+        <pc:spChg chg="del">
+          <ac:chgData name="Brandon" userId="0aa49d0b-5f88-4f13-b15b-c83af812f96f" providerId="ADAL" clId="{E89ED30A-293D-4D1B-B9D8-CE9957DE36BA}" dt="2023-12-27T04:33:39.226" v="105" actId="478"/>
+          <ac:spMkLst>
+            <pc:docMk/>
+            <pc:sldMk cId="2608131355" sldId="257"/>
+            <ac:spMk id="6" creationId="{97999A20-9499-7CDC-A54F-185ABE510DCC}"/>
+          </ac:spMkLst>
+        </pc:spChg>
+        <pc:spChg chg="del mod">
+          <ac:chgData name="Brandon" userId="0aa49d0b-5f88-4f13-b15b-c83af812f96f" providerId="ADAL" clId="{E89ED30A-293D-4D1B-B9D8-CE9957DE36BA}" dt="2023-12-27T04:54:45.458" v="439" actId="478"/>
+          <ac:spMkLst>
+            <pc:docMk/>
+            <pc:sldMk cId="2608131355" sldId="257"/>
+            <ac:spMk id="7" creationId="{7401AE9B-7188-A21B-EB96-9E85AA8274EB}"/>
+          </ac:spMkLst>
+        </pc:spChg>
+        <pc:spChg chg="del">
+          <ac:chgData name="Brandon" userId="0aa49d0b-5f88-4f13-b15b-c83af812f96f" providerId="ADAL" clId="{E89ED30A-293D-4D1B-B9D8-CE9957DE36BA}" dt="2023-12-27T04:33:41.581" v="107" actId="478"/>
+          <ac:spMkLst>
+            <pc:docMk/>
+            <pc:sldMk cId="2608131355" sldId="257"/>
+            <ac:spMk id="8" creationId="{EF8308FB-61BE-16CD-E3BA-FFEA62C966EB}"/>
+          </ac:spMkLst>
+        </pc:spChg>
+        <pc:spChg chg="del">
+          <ac:chgData name="Brandon" userId="0aa49d0b-5f88-4f13-b15b-c83af812f96f" providerId="ADAL" clId="{E89ED30A-293D-4D1B-B9D8-CE9957DE36BA}" dt="2023-12-27T04:33:42.756" v="108" actId="478"/>
+          <ac:spMkLst>
+            <pc:docMk/>
+            <pc:sldMk cId="2608131355" sldId="257"/>
+            <ac:spMk id="9" creationId="{45D7D2D7-98F4-6007-749F-F6C5328058F8}"/>
+          </ac:spMkLst>
+        </pc:spChg>
+        <pc:spChg chg="add del mod">
+          <ac:chgData name="Brandon" userId="0aa49d0b-5f88-4f13-b15b-c83af812f96f" providerId="ADAL" clId="{E89ED30A-293D-4D1B-B9D8-CE9957DE36BA}" dt="2023-12-27T04:54:45.458" v="439" actId="478"/>
+          <ac:spMkLst>
+            <pc:docMk/>
+            <pc:sldMk cId="2608131355" sldId="257"/>
+            <ac:spMk id="10" creationId="{D200CCB5-DABA-C921-43B0-063BBC46CACB}"/>
+          </ac:spMkLst>
+        </pc:spChg>
+        <pc:spChg chg="add del mod">
+          <ac:chgData name="Brandon" userId="0aa49d0b-5f88-4f13-b15b-c83af812f96f" providerId="ADAL" clId="{E89ED30A-293D-4D1B-B9D8-CE9957DE36BA}" dt="2023-12-27T04:54:45.458" v="439" actId="478"/>
+          <ac:spMkLst>
+            <pc:docMk/>
+            <pc:sldMk cId="2608131355" sldId="257"/>
+            <ac:spMk id="11" creationId="{B2DBB11B-3D18-9C9B-07CC-65654F573924}"/>
+          </ac:spMkLst>
+        </pc:spChg>
+        <pc:spChg chg="add del mod">
+          <ac:chgData name="Brandon" userId="0aa49d0b-5f88-4f13-b15b-c83af812f96f" providerId="ADAL" clId="{E89ED30A-293D-4D1B-B9D8-CE9957DE36BA}" dt="2023-12-27T04:54:45.458" v="439" actId="478"/>
+          <ac:spMkLst>
+            <pc:docMk/>
+            <pc:sldMk cId="2608131355" sldId="257"/>
+            <ac:spMk id="12" creationId="{EE0E987B-35D0-3848-A8D2-188BA3EC93DF}"/>
+          </ac:spMkLst>
+        </pc:spChg>
+        <pc:spChg chg="add del mod">
+          <ac:chgData name="Brandon" userId="0aa49d0b-5f88-4f13-b15b-c83af812f96f" providerId="ADAL" clId="{E89ED30A-293D-4D1B-B9D8-CE9957DE36BA}" dt="2023-12-27T04:36:52.616" v="212" actId="478"/>
+          <ac:spMkLst>
+            <pc:docMk/>
+            <pc:sldMk cId="2608131355" sldId="257"/>
+            <ac:spMk id="13" creationId="{11BC32D6-A12A-7D8B-14D1-B8A046F49A78}"/>
+          </ac:spMkLst>
+        </pc:spChg>
+        <pc:spChg chg="add del mod">
+          <ac:chgData name="Brandon" userId="0aa49d0b-5f88-4f13-b15b-c83af812f96f" providerId="ADAL" clId="{E89ED30A-293D-4D1B-B9D8-CE9957DE36BA}" dt="2023-12-27T04:54:45.458" v="439" actId="478"/>
+          <ac:spMkLst>
+            <pc:docMk/>
+            <pc:sldMk cId="2608131355" sldId="257"/>
+            <ac:spMk id="14" creationId="{3F332A8C-72CD-4322-7D4D-5CEF23C10FC6}"/>
+          </ac:spMkLst>
+        </pc:spChg>
+        <pc:spChg chg="add del mod">
+          <ac:chgData name="Brandon" userId="0aa49d0b-5f88-4f13-b15b-c83af812f96f" providerId="ADAL" clId="{E89ED30A-293D-4D1B-B9D8-CE9957DE36BA}" dt="2023-12-27T04:54:45.458" v="439" actId="478"/>
+          <ac:spMkLst>
+            <pc:docMk/>
+            <pc:sldMk cId="2608131355" sldId="257"/>
+            <ac:spMk id="15" creationId="{1E695881-D0B9-6E36-3FA7-930DB255D2BA}"/>
+          </ac:spMkLst>
+        </pc:spChg>
+        <pc:spChg chg="add del mod">
+          <ac:chgData name="Brandon" userId="0aa49d0b-5f88-4f13-b15b-c83af812f96f" providerId="ADAL" clId="{E89ED30A-293D-4D1B-B9D8-CE9957DE36BA}" dt="2023-12-27T04:54:45.458" v="439" actId="478"/>
+          <ac:spMkLst>
+            <pc:docMk/>
+            <pc:sldMk cId="2608131355" sldId="257"/>
+            <ac:spMk id="16" creationId="{93A67FFA-092D-6075-4F80-190F9F62C4E0}"/>
+          </ac:spMkLst>
+        </pc:spChg>
+        <pc:spChg chg="add del mod">
+          <ac:chgData name="Brandon" userId="0aa49d0b-5f88-4f13-b15b-c83af812f96f" providerId="ADAL" clId="{E89ED30A-293D-4D1B-B9D8-CE9957DE36BA}" dt="2023-12-27T04:54:45.458" v="439" actId="478"/>
+          <ac:spMkLst>
+            <pc:docMk/>
+            <pc:sldMk cId="2608131355" sldId="257"/>
+            <ac:spMk id="17" creationId="{E83C99B0-036A-9422-C1B7-E34E434D244A}"/>
+          </ac:spMkLst>
+        </pc:spChg>
+        <pc:spChg chg="add del mod">
+          <ac:chgData name="Brandon" userId="0aa49d0b-5f88-4f13-b15b-c83af812f96f" providerId="ADAL" clId="{E89ED30A-293D-4D1B-B9D8-CE9957DE36BA}" dt="2023-12-27T04:54:45.458" v="439" actId="478"/>
+          <ac:spMkLst>
+            <pc:docMk/>
+            <pc:sldMk cId="2608131355" sldId="257"/>
+            <ac:spMk id="18" creationId="{169E3D55-6DAE-516D-9FF2-165E63AF0E04}"/>
+          </ac:spMkLst>
+        </pc:spChg>
+        <pc:spChg chg="add del mod">
+          <ac:chgData name="Brandon" userId="0aa49d0b-5f88-4f13-b15b-c83af812f96f" providerId="ADAL" clId="{E89ED30A-293D-4D1B-B9D8-CE9957DE36BA}" dt="2023-12-27T04:54:45.458" v="439" actId="478"/>
+          <ac:spMkLst>
+            <pc:docMk/>
+            <pc:sldMk cId="2608131355" sldId="257"/>
+            <ac:spMk id="19" creationId="{A6BB2644-BAC6-A344-F4B2-9A2FE534FB3E}"/>
+          </ac:spMkLst>
+        </pc:spChg>
+        <pc:spChg chg="add del mod">
+          <ac:chgData name="Brandon" userId="0aa49d0b-5f88-4f13-b15b-c83af812f96f" providerId="ADAL" clId="{E89ED30A-293D-4D1B-B9D8-CE9957DE36BA}" dt="2023-12-27T04:45:20.875" v="295" actId="478"/>
+          <ac:spMkLst>
+            <pc:docMk/>
+            <pc:sldMk cId="2608131355" sldId="257"/>
+            <ac:spMk id="22" creationId="{7823185D-98B6-7756-5C89-CEBE29131FC2}"/>
+          </ac:spMkLst>
+        </pc:spChg>
+        <pc:spChg chg="add del mod">
+          <ac:chgData name="Brandon" userId="0aa49d0b-5f88-4f13-b15b-c83af812f96f" providerId="ADAL" clId="{E89ED30A-293D-4D1B-B9D8-CE9957DE36BA}" dt="2023-12-27T04:46:09.473" v="302" actId="11529"/>
+          <ac:spMkLst>
+            <pc:docMk/>
+            <pc:sldMk cId="2608131355" sldId="257"/>
+            <ac:spMk id="24" creationId="{8A750B33-FEE2-0C50-D261-5C231DD2B27B}"/>
+          </ac:spMkLst>
+        </pc:spChg>
+        <pc:spChg chg="add del">
+          <ac:chgData name="Brandon" userId="0aa49d0b-5f88-4f13-b15b-c83af812f96f" providerId="ADAL" clId="{E89ED30A-293D-4D1B-B9D8-CE9957DE36BA}" dt="2023-12-27T04:46:44.231" v="313" actId="21"/>
+          <ac:spMkLst>
+            <pc:docMk/>
+            <pc:sldMk cId="2608131355" sldId="257"/>
+            <ac:spMk id="26" creationId="{2713795C-D2CC-32F9-AB9B-B1372ED94E94}"/>
+          </ac:spMkLst>
+        </pc:spChg>
+        <pc:spChg chg="add del mod">
+          <ac:chgData name="Brandon" userId="0aa49d0b-5f88-4f13-b15b-c83af812f96f" providerId="ADAL" clId="{E89ED30A-293D-4D1B-B9D8-CE9957DE36BA}" dt="2023-12-27T04:46:49.452" v="315" actId="478"/>
+          <ac:spMkLst>
+            <pc:docMk/>
+            <pc:sldMk cId="2608131355" sldId="257"/>
+            <ac:spMk id="28" creationId="{1CFE9611-B665-85E4-F92C-B8B4FB4EAB33}"/>
+          </ac:spMkLst>
+        </pc:spChg>
+        <pc:spChg chg="add del mod">
+          <ac:chgData name="Brandon" userId="0aa49d0b-5f88-4f13-b15b-c83af812f96f" providerId="ADAL" clId="{E89ED30A-293D-4D1B-B9D8-CE9957DE36BA}" dt="2023-12-27T04:49:45.847" v="434" actId="478"/>
+          <ac:spMkLst>
+            <pc:docMk/>
+            <pc:sldMk cId="2608131355" sldId="257"/>
+            <ac:spMk id="29" creationId="{67F5035E-E04B-DF14-9F8C-EE58D01C25A0}"/>
+          </ac:spMkLst>
+        </pc:spChg>
+        <pc:graphicFrameChg chg="add del">
+          <ac:chgData name="Brandon" userId="0aa49d0b-5f88-4f13-b15b-c83af812f96f" providerId="ADAL" clId="{E89ED30A-293D-4D1B-B9D8-CE9957DE36BA}" dt="2023-12-27T04:31:31.551" v="23" actId="11529"/>
+          <ac:graphicFrameMkLst>
+            <pc:docMk/>
+            <pc:sldMk cId="2608131355" sldId="257"/>
+            <ac:graphicFrameMk id="4" creationId="{365690F5-A4CA-6851-F3AA-B6F800545411}"/>
+          </ac:graphicFrameMkLst>
+        </pc:graphicFrameChg>
+        <pc:graphicFrameChg chg="add del mod modGraphic">
+          <ac:chgData name="Brandon" userId="0aa49d0b-5f88-4f13-b15b-c83af812f96f" providerId="ADAL" clId="{E89ED30A-293D-4D1B-B9D8-CE9957DE36BA}" dt="2023-12-27T04:45:12.661" v="288" actId="1032"/>
+          <ac:graphicFrameMkLst>
+            <pc:docMk/>
+            <pc:sldMk cId="2608131355" sldId="257"/>
+            <ac:graphicFrameMk id="20" creationId="{6A1F0BAC-2D88-8E81-D045-2669CE60B03A}"/>
+          </ac:graphicFrameMkLst>
+        </pc:graphicFrameChg>
+        <pc:graphicFrameChg chg="add del mod modGraphic">
+          <ac:chgData name="Brandon" userId="0aa49d0b-5f88-4f13-b15b-c83af812f96f" providerId="ADAL" clId="{E89ED30A-293D-4D1B-B9D8-CE9957DE36BA}" dt="2023-12-27T04:46:27.604" v="309" actId="478"/>
+          <ac:graphicFrameMkLst>
+            <pc:docMk/>
+            <pc:sldMk cId="2608131355" sldId="257"/>
+            <ac:graphicFrameMk id="23" creationId="{63D14A3A-2F51-B0D0-024B-7082B6976694}"/>
+          </ac:graphicFrameMkLst>
+        </pc:graphicFrameChg>
+        <pc:graphicFrameChg chg="add del mod">
+          <ac:chgData name="Brandon" userId="0aa49d0b-5f88-4f13-b15b-c83af812f96f" providerId="ADAL" clId="{E89ED30A-293D-4D1B-B9D8-CE9957DE36BA}" dt="2023-12-27T04:54:45.458" v="439" actId="478"/>
+          <ac:graphicFrameMkLst>
+            <pc:docMk/>
+            <pc:sldMk cId="2608131355" sldId="257"/>
+            <ac:graphicFrameMk id="27" creationId="{06DC14DA-EAC5-2977-796F-7149EDEA405E}"/>
+          </ac:graphicFrameMkLst>
+        </pc:graphicFrameChg>
+      </pc:sldChg>
+      <pc:sldChg chg="addSp delSp modSp new add del mod">
+        <pc:chgData name="Brandon" userId="0aa49d0b-5f88-4f13-b15b-c83af812f96f" providerId="ADAL" clId="{E89ED30A-293D-4D1B-B9D8-CE9957DE36BA}" dt="2023-12-27T04:30:49.646" v="19" actId="47"/>
+        <pc:sldMkLst>
+          <pc:docMk/>
+          <pc:sldMk cId="2711547821" sldId="257"/>
+        </pc:sldMkLst>
+        <pc:spChg chg="del">
+          <ac:chgData name="Brandon" userId="0aa49d0b-5f88-4f13-b15b-c83af812f96f" providerId="ADAL" clId="{E89ED30A-293D-4D1B-B9D8-CE9957DE36BA}" dt="2023-12-27T04:29:05.532" v="3" actId="478"/>
+          <ac:spMkLst>
+            <pc:docMk/>
+            <pc:sldMk cId="2711547821" sldId="257"/>
+            <ac:spMk id="2" creationId="{0439F48B-512D-EFAE-CCCA-25583445C531}"/>
+          </ac:spMkLst>
+        </pc:spChg>
+        <pc:spChg chg="del">
+          <ac:chgData name="Brandon" userId="0aa49d0b-5f88-4f13-b15b-c83af812f96f" providerId="ADAL" clId="{E89ED30A-293D-4D1B-B9D8-CE9957DE36BA}" dt="2023-12-27T04:29:05.532" v="3" actId="478"/>
+          <ac:spMkLst>
+            <pc:docMk/>
+            <pc:sldMk cId="2711547821" sldId="257"/>
+            <ac:spMk id="3" creationId="{52BDB228-16CF-E4DF-F346-548EFFAAAA13}"/>
+          </ac:spMkLst>
+        </pc:spChg>
+        <pc:spChg chg="add del">
+          <ac:chgData name="Brandon" userId="0aa49d0b-5f88-4f13-b15b-c83af812f96f" providerId="ADAL" clId="{E89ED30A-293D-4D1B-B9D8-CE9957DE36BA}" dt="2023-12-27T04:29:19.155" v="5" actId="11529"/>
+          <ac:spMkLst>
+            <pc:docMk/>
+            <pc:sldMk cId="2711547821" sldId="257"/>
+            <ac:spMk id="4" creationId="{0C45CB03-367C-84B4-151E-6EC6DC6B29CC}"/>
+          </ac:spMkLst>
+        </pc:spChg>
+        <pc:spChg chg="add del mod">
+          <ac:chgData name="Brandon" userId="0aa49d0b-5f88-4f13-b15b-c83af812f96f" providerId="ADAL" clId="{E89ED30A-293D-4D1B-B9D8-CE9957DE36BA}" dt="2023-12-27T04:29:24.160" v="7" actId="767"/>
+          <ac:spMkLst>
+            <pc:docMk/>
+            <pc:sldMk cId="2711547821" sldId="257"/>
+            <ac:spMk id="5" creationId="{33A64809-C1C4-27F3-D8E4-C11B3D38C469}"/>
+          </ac:spMkLst>
+        </pc:spChg>
+        <pc:spChg chg="add del mod">
+          <ac:chgData name="Brandon" userId="0aa49d0b-5f88-4f13-b15b-c83af812f96f" providerId="ADAL" clId="{E89ED30A-293D-4D1B-B9D8-CE9957DE36BA}" dt="2023-12-27T04:30:00.450" v="16" actId="478"/>
+          <ac:spMkLst>
+            <pc:docMk/>
+            <pc:sldMk cId="2711547821" sldId="257"/>
+            <ac:spMk id="6" creationId="{38E2C069-BB46-781A-84B1-12CD5635E052}"/>
+          </ac:spMkLst>
+        </pc:spChg>
+        <pc:graphicFrameChg chg="add del modGraphic">
+          <ac:chgData name="Brandon" userId="0aa49d0b-5f88-4f13-b15b-c83af812f96f" providerId="ADAL" clId="{E89ED30A-293D-4D1B-B9D8-CE9957DE36BA}" dt="2023-12-27T04:30:42.558" v="18" actId="1032"/>
+          <ac:graphicFrameMkLst>
+            <pc:docMk/>
+            <pc:sldMk cId="2711547821" sldId="257"/>
+            <ac:graphicFrameMk id="7" creationId="{728849D3-2FAC-2EF8-9F40-3177F166D240}"/>
+          </ac:graphicFrameMkLst>
+        </pc:graphicFrameChg>
+      </pc:sldChg>
+    </pc:docChg>
+  </pc:docChgLst>
+</pc:chgInfo>
 </file>
 
 <file path=ppt/diagrams/colors1.xml><?xml version="1.0" encoding="utf-8"?>
@@ -917,8 +1252,8 @@
 <file path=ppt/diagrams/data1.xml><?xml version="1.0" encoding="utf-8"?>
 <dgm:dataModel xmlns:dgm="http://schemas.openxmlformats.org/drawingml/2006/diagram" xmlns:a="http://schemas.openxmlformats.org/drawingml/2006/main">
   <dgm:ptLst>
-    <dgm:pt modelId="{8F482CDB-BCBE-4D03-A625-C0200179B910}" type="doc">
-      <dgm:prSet loTypeId="urn:microsoft.com/office/officeart/2005/8/layout/hierarchy6" loCatId="hierarchy" qsTypeId="urn:microsoft.com/office/officeart/2005/8/quickstyle/simple2" qsCatId="simple" csTypeId="urn:microsoft.com/office/officeart/2005/8/colors/accent0_1" csCatId="mainScheme" phldr="1"/>
+    <dgm:pt modelId="{F4FF3E3D-68DC-4931-9F32-AD91E4E8C6AB}" type="doc">
+      <dgm:prSet loTypeId="urn:microsoft.com/office/officeart/2005/8/layout/orgChart1" loCatId="hierarchy" qsTypeId="urn:microsoft.com/office/officeart/2005/8/quickstyle/simple1" qsCatId="simple" csTypeId="urn:microsoft.com/office/officeart/2005/8/colors/accent0_1" csCatId="mainScheme" phldr="0"/>
       <dgm:spPr/>
       <dgm:t>
         <a:bodyPr/>
@@ -928,694 +1263,416 @@
         </a:p>
       </dgm:t>
     </dgm:pt>
-    <dgm:pt modelId="{DD70E850-B98B-487B-BBB7-B424B0D43189}">
-      <dgm:prSet phldrT="[Text]"/>
+    <dgm:pt modelId="{0ACF549D-7855-4842-9FC3-3E923D7051BC}">
+      <dgm:prSet phldrT="[Text]" phldr="1"/>
       <dgm:spPr/>
       <dgm:t>
         <a:bodyPr/>
         <a:lstStyle/>
         <a:p>
-          <a:r>
-            <a:rPr lang="en-MY" dirty="0" err="1">
-              <a:latin typeface="Times New Roman" panose="02020603050405020304" pitchFamily="18" charset="0"/>
-              <a:cs typeface="Times New Roman" panose="02020603050405020304" pitchFamily="18" charset="0"/>
-            </a:rPr>
-            <a:t>UserInterface</a:t>
-          </a:r>
-          <a:r>
-            <a:rPr lang="en-MY" dirty="0">
-              <a:latin typeface="Times New Roman" panose="02020603050405020304" pitchFamily="18" charset="0"/>
-              <a:cs typeface="Times New Roman" panose="02020603050405020304" pitchFamily="18" charset="0"/>
-            </a:rPr>
-            <a:t> (Concrete)</a:t>
-          </a:r>
+          <a:endParaRPr lang="en-MY"/>
         </a:p>
       </dgm:t>
     </dgm:pt>
-    <dgm:pt modelId="{7DB5A764-0D95-4D07-90DC-204C0A54F530}" type="parTrans" cxnId="{FF965DDC-6CFB-45A9-A123-D38117CC6C8E}">
+    <dgm:pt modelId="{7588F74E-01A1-4588-839F-A050614396B4}" type="parTrans" cxnId="{4D1E5B34-50A5-4776-A57F-BCC29392D66F}">
       <dgm:prSet/>
       <dgm:spPr/>
       <dgm:t>
         <a:bodyPr/>
         <a:lstStyle/>
         <a:p>
-          <a:endParaRPr lang="en-MY">
-            <a:latin typeface="Times New Roman" panose="02020603050405020304" pitchFamily="18" charset="0"/>
-            <a:cs typeface="Times New Roman" panose="02020603050405020304" pitchFamily="18" charset="0"/>
-          </a:endParaRPr>
+          <a:endParaRPr lang="en-MY"/>
         </a:p>
       </dgm:t>
     </dgm:pt>
-    <dgm:pt modelId="{7BC12250-83DF-46DC-AA21-7E9014D489C9}" type="sibTrans" cxnId="{FF965DDC-6CFB-45A9-A123-D38117CC6C8E}">
+    <dgm:pt modelId="{4FC1AB4F-B9BF-4E70-B963-FFD62C0A8BCF}" type="sibTrans" cxnId="{4D1E5B34-50A5-4776-A57F-BCC29392D66F}">
       <dgm:prSet/>
       <dgm:spPr/>
       <dgm:t>
         <a:bodyPr/>
         <a:lstStyle/>
         <a:p>
-          <a:endParaRPr lang="en-MY">
-            <a:latin typeface="Times New Roman" panose="02020603050405020304" pitchFamily="18" charset="0"/>
-            <a:cs typeface="Times New Roman" panose="02020603050405020304" pitchFamily="18" charset="0"/>
-          </a:endParaRPr>
+          <a:endParaRPr lang="en-MY"/>
         </a:p>
       </dgm:t>
     </dgm:pt>
-    <dgm:pt modelId="{8FE10CAA-592F-46CA-9A00-234035FB7525}">
-      <dgm:prSet phldrT="[Text]"/>
+    <dgm:pt modelId="{4474774C-516A-4EDC-B8E0-595319D72968}" type="asst">
+      <dgm:prSet phldrT="[Text]" phldr="1"/>
       <dgm:spPr/>
       <dgm:t>
         <a:bodyPr/>
         <a:lstStyle/>
         <a:p>
-          <a:r>
-            <a:rPr lang="en-MY" dirty="0">
-              <a:latin typeface="Times New Roman" panose="02020603050405020304" pitchFamily="18" charset="0"/>
-              <a:cs typeface="Times New Roman" panose="02020603050405020304" pitchFamily="18" charset="0"/>
-            </a:rPr>
-            <a:t>Order (Concrete)</a:t>
-          </a:r>
+          <a:endParaRPr lang="en-MY"/>
         </a:p>
       </dgm:t>
     </dgm:pt>
-    <dgm:pt modelId="{7CE579D4-3821-41DC-8DD1-7F7ED0D12D1D}" type="parTrans" cxnId="{80E4E95F-8B00-4D53-9751-084DEE825063}">
+    <dgm:pt modelId="{6CECF64F-A66B-40D3-A946-1F6C1CB2F471}" type="parTrans" cxnId="{130DABEA-9E14-43C3-9EED-1388366AD03A}">
       <dgm:prSet/>
       <dgm:spPr/>
       <dgm:t>
         <a:bodyPr/>
         <a:lstStyle/>
         <a:p>
-          <a:endParaRPr lang="en-MY">
-            <a:latin typeface="Times New Roman" panose="02020603050405020304" pitchFamily="18" charset="0"/>
-            <a:cs typeface="Times New Roman" panose="02020603050405020304" pitchFamily="18" charset="0"/>
-          </a:endParaRPr>
+          <a:endParaRPr lang="en-MY"/>
         </a:p>
       </dgm:t>
     </dgm:pt>
-    <dgm:pt modelId="{97554453-21EF-488A-B1BA-F12D495DA812}" type="sibTrans" cxnId="{80E4E95F-8B00-4D53-9751-084DEE825063}">
+    <dgm:pt modelId="{87FBF0A8-A091-4FD5-817A-6D3270CEC862}" type="sibTrans" cxnId="{130DABEA-9E14-43C3-9EED-1388366AD03A}">
       <dgm:prSet/>
       <dgm:spPr/>
       <dgm:t>
         <a:bodyPr/>
         <a:lstStyle/>
         <a:p>
-          <a:endParaRPr lang="en-MY">
-            <a:latin typeface="Times New Roman" panose="02020603050405020304" pitchFamily="18" charset="0"/>
-            <a:cs typeface="Times New Roman" panose="02020603050405020304" pitchFamily="18" charset="0"/>
-          </a:endParaRPr>
+          <a:endParaRPr lang="en-MY"/>
         </a:p>
       </dgm:t>
     </dgm:pt>
-    <dgm:pt modelId="{C55D904E-6E2B-4D7C-8B4F-584FD53D6D24}">
-      <dgm:prSet phldrT="[Text]"/>
+    <dgm:pt modelId="{D7F64451-006C-4CFA-9F83-9829612082CC}">
+      <dgm:prSet phldrT="[Text]" phldr="1"/>
       <dgm:spPr/>
       <dgm:t>
         <a:bodyPr/>
         <a:lstStyle/>
         <a:p>
-          <a:r>
-            <a:rPr lang="en-MY" dirty="0" err="1">
-              <a:latin typeface="Times New Roman" panose="02020603050405020304" pitchFamily="18" charset="0"/>
-              <a:cs typeface="Times New Roman" panose="02020603050405020304" pitchFamily="18" charset="0"/>
-            </a:rPr>
-            <a:t>FoodOrderSystem</a:t>
-          </a:r>
-          <a:r>
-            <a:rPr lang="en-MY" dirty="0">
-              <a:latin typeface="Times New Roman" panose="02020603050405020304" pitchFamily="18" charset="0"/>
-              <a:cs typeface="Times New Roman" panose="02020603050405020304" pitchFamily="18" charset="0"/>
-            </a:rPr>
-            <a:t> (interface)</a:t>
-          </a:r>
+          <a:endParaRPr lang="en-MY"/>
         </a:p>
       </dgm:t>
     </dgm:pt>
-    <dgm:pt modelId="{7AA26524-C395-4946-96A2-B7AC74D2CF29}" type="parTrans" cxnId="{25E6739A-BD33-4FD6-9202-7DE8907FEA7A}">
+    <dgm:pt modelId="{AB42D967-1373-4F56-BCED-C3D9C82D8242}" type="parTrans" cxnId="{73144200-6196-4FEA-8AE2-F35AD73F9E8E}">
       <dgm:prSet/>
       <dgm:spPr/>
       <dgm:t>
         <a:bodyPr/>
         <a:lstStyle/>
         <a:p>
-          <a:endParaRPr lang="en-MY">
-            <a:latin typeface="Times New Roman" panose="02020603050405020304" pitchFamily="18" charset="0"/>
-            <a:cs typeface="Times New Roman" panose="02020603050405020304" pitchFamily="18" charset="0"/>
-          </a:endParaRPr>
+          <a:endParaRPr lang="en-MY"/>
         </a:p>
       </dgm:t>
     </dgm:pt>
-    <dgm:pt modelId="{8A6E27C3-3491-467C-8EEC-9045E4443397}" type="sibTrans" cxnId="{25E6739A-BD33-4FD6-9202-7DE8907FEA7A}">
+    <dgm:pt modelId="{D7A7E362-91FC-440D-B00E-77BCB64AA72E}" type="sibTrans" cxnId="{73144200-6196-4FEA-8AE2-F35AD73F9E8E}">
       <dgm:prSet/>
       <dgm:spPr/>
       <dgm:t>
         <a:bodyPr/>
         <a:lstStyle/>
         <a:p>
-          <a:endParaRPr lang="en-MY">
-            <a:latin typeface="Times New Roman" panose="02020603050405020304" pitchFamily="18" charset="0"/>
-            <a:cs typeface="Times New Roman" panose="02020603050405020304" pitchFamily="18" charset="0"/>
-          </a:endParaRPr>
+          <a:endParaRPr lang="en-MY"/>
         </a:p>
       </dgm:t>
     </dgm:pt>
-    <dgm:pt modelId="{913C9E9B-C5D1-409D-8F1B-970E4DB63D12}">
-      <dgm:prSet phldrT="[Text]"/>
+    <dgm:pt modelId="{389C1901-EF85-4F89-AE80-D74B6CDCC668}">
+      <dgm:prSet phldrT="[Text]" phldr="1"/>
       <dgm:spPr/>
       <dgm:t>
         <a:bodyPr/>
         <a:lstStyle/>
         <a:p>
-          <a:r>
-            <a:rPr lang="en-MY" dirty="0">
-              <a:latin typeface="Times New Roman" panose="02020603050405020304" pitchFamily="18" charset="0"/>
-              <a:cs typeface="Times New Roman" panose="02020603050405020304" pitchFamily="18" charset="0"/>
-            </a:rPr>
-            <a:t>Restaurant (Concrete)</a:t>
-          </a:r>
+          <a:endParaRPr lang="en-MY"/>
         </a:p>
       </dgm:t>
     </dgm:pt>
-    <dgm:pt modelId="{08CE3EBF-4A2D-4991-A5E7-481C759A776F}" type="parTrans" cxnId="{DF840E04-B2FE-4485-BD13-43AEDD20D968}">
+    <dgm:pt modelId="{9D37D836-366D-4AE4-B8B8-DEA5C9CB763E}" type="parTrans" cxnId="{F6333125-F33F-49A6-BD30-3E99145CB804}">
       <dgm:prSet/>
       <dgm:spPr/>
       <dgm:t>
         <a:bodyPr/>
         <a:lstStyle/>
         <a:p>
-          <a:endParaRPr lang="en-MY">
-            <a:latin typeface="Times New Roman" panose="02020603050405020304" pitchFamily="18" charset="0"/>
-            <a:cs typeface="Times New Roman" panose="02020603050405020304" pitchFamily="18" charset="0"/>
-          </a:endParaRPr>
+          <a:endParaRPr lang="en-MY"/>
         </a:p>
       </dgm:t>
     </dgm:pt>
-    <dgm:pt modelId="{67F684B2-BBDD-481F-B258-E5C3C2782D0C}" type="sibTrans" cxnId="{DF840E04-B2FE-4485-BD13-43AEDD20D968}">
+    <dgm:pt modelId="{B1734566-431E-459C-862C-C78A669C3D7F}" type="sibTrans" cxnId="{F6333125-F33F-49A6-BD30-3E99145CB804}">
       <dgm:prSet/>
       <dgm:spPr/>
       <dgm:t>
         <a:bodyPr/>
         <a:lstStyle/>
         <a:p>
-          <a:endParaRPr lang="en-MY">
-            <a:latin typeface="Times New Roman" panose="02020603050405020304" pitchFamily="18" charset="0"/>
-            <a:cs typeface="Times New Roman" panose="02020603050405020304" pitchFamily="18" charset="0"/>
-          </a:endParaRPr>
+          <a:endParaRPr lang="en-MY"/>
         </a:p>
       </dgm:t>
     </dgm:pt>
-    <dgm:pt modelId="{BCF1E07A-8E07-4F3D-86BC-D4B07B327137}">
-      <dgm:prSet phldrT="[Text]"/>
+    <dgm:pt modelId="{2B46D245-9AB9-446E-9E46-B68D4E570667}">
+      <dgm:prSet phldrT="[Text]" phldr="1"/>
       <dgm:spPr/>
       <dgm:t>
         <a:bodyPr/>
         <a:lstStyle/>
         <a:p>
-          <a:r>
-            <a:rPr lang="en-MY" dirty="0">
-              <a:latin typeface="Times New Roman" panose="02020603050405020304" pitchFamily="18" charset="0"/>
-              <a:cs typeface="Times New Roman" panose="02020603050405020304" pitchFamily="18" charset="0"/>
-            </a:rPr>
-            <a:t>Cart (Concrete)</a:t>
-          </a:r>
+          <a:endParaRPr lang="en-MY"/>
         </a:p>
       </dgm:t>
     </dgm:pt>
-    <dgm:pt modelId="{5BA664FE-FE28-424A-A66A-00E9C2723A02}" type="parTrans" cxnId="{040B4284-30E9-43FF-8BE9-AF41BA593CF7}">
+    <dgm:pt modelId="{907ED562-60C0-4426-84F9-755E5649AEAE}" type="parTrans" cxnId="{3377AA9B-D9CD-4674-867E-82AC567FFFCA}">
       <dgm:prSet/>
       <dgm:spPr/>
       <dgm:t>
         <a:bodyPr/>
         <a:lstStyle/>
         <a:p>
-          <a:endParaRPr lang="en-MY">
-            <a:latin typeface="Times New Roman" panose="02020603050405020304" pitchFamily="18" charset="0"/>
-            <a:cs typeface="Times New Roman" panose="02020603050405020304" pitchFamily="18" charset="0"/>
-          </a:endParaRPr>
+          <a:endParaRPr lang="en-MY"/>
         </a:p>
       </dgm:t>
     </dgm:pt>
-    <dgm:pt modelId="{4D7F2CD5-5055-4C73-A5CD-FE2DE8C74DA1}" type="sibTrans" cxnId="{040B4284-30E9-43FF-8BE9-AF41BA593CF7}">
+    <dgm:pt modelId="{14CA88D7-407D-4BC8-9B66-DA3E01B159D9}" type="sibTrans" cxnId="{3377AA9B-D9CD-4674-867E-82AC567FFFCA}">
       <dgm:prSet/>
       <dgm:spPr/>
       <dgm:t>
         <a:bodyPr/>
         <a:lstStyle/>
         <a:p>
-          <a:endParaRPr lang="en-MY">
-            <a:latin typeface="Times New Roman" panose="02020603050405020304" pitchFamily="18" charset="0"/>
-            <a:cs typeface="Times New Roman" panose="02020603050405020304" pitchFamily="18" charset="0"/>
-          </a:endParaRPr>
+          <a:endParaRPr lang="en-MY"/>
         </a:p>
       </dgm:t>
     </dgm:pt>
-    <dgm:pt modelId="{5FB88D95-DD75-4DDC-8DD6-269E2166423D}">
-      <dgm:prSet phldrT="[Text]"/>
-      <dgm:spPr/>
-      <dgm:t>
-        <a:bodyPr/>
-        <a:lstStyle/>
-        <a:p>
-          <a:r>
-            <a:rPr lang="en-MY" dirty="0" err="1">
-              <a:latin typeface="Times New Roman" panose="02020603050405020304" pitchFamily="18" charset="0"/>
-              <a:cs typeface="Times New Roman" panose="02020603050405020304" pitchFamily="18" charset="0"/>
-            </a:rPr>
-            <a:t>CartItem</a:t>
-          </a:r>
-          <a:r>
-            <a:rPr lang="en-MY" dirty="0">
-              <a:latin typeface="Times New Roman" panose="02020603050405020304" pitchFamily="18" charset="0"/>
-              <a:cs typeface="Times New Roman" panose="02020603050405020304" pitchFamily="18" charset="0"/>
-            </a:rPr>
-            <a:t> (Concrete) </a:t>
-          </a:r>
-        </a:p>
-      </dgm:t>
-    </dgm:pt>
-    <dgm:pt modelId="{0DF638FF-5CF9-4B48-83BC-6EC72CC724CA}" type="parTrans" cxnId="{243619EC-82D4-4559-A44C-7FB71AB3969A}">
-      <dgm:prSet/>
-      <dgm:spPr/>
-      <dgm:t>
-        <a:bodyPr/>
-        <a:lstStyle/>
-        <a:p>
-          <a:endParaRPr lang="en-MY">
-            <a:latin typeface="Times New Roman" panose="02020603050405020304" pitchFamily="18" charset="0"/>
-            <a:cs typeface="Times New Roman" panose="02020603050405020304" pitchFamily="18" charset="0"/>
-          </a:endParaRPr>
-        </a:p>
-      </dgm:t>
-    </dgm:pt>
-    <dgm:pt modelId="{485396FE-842C-4B25-9FAF-33F1A0AADE32}" type="sibTrans" cxnId="{243619EC-82D4-4559-A44C-7FB71AB3969A}">
-      <dgm:prSet/>
-      <dgm:spPr/>
-      <dgm:t>
-        <a:bodyPr/>
-        <a:lstStyle/>
-        <a:p>
-          <a:endParaRPr lang="en-MY">
-            <a:latin typeface="Times New Roman" panose="02020603050405020304" pitchFamily="18" charset="0"/>
-            <a:cs typeface="Times New Roman" panose="02020603050405020304" pitchFamily="18" charset="0"/>
-          </a:endParaRPr>
-        </a:p>
-      </dgm:t>
-    </dgm:pt>
-    <dgm:pt modelId="{4FDF10E5-EA9C-47AD-920C-F1FA8458CDE9}">
-      <dgm:prSet phldrT="[Text]"/>
-      <dgm:spPr/>
-      <dgm:t>
-        <a:bodyPr/>
-        <a:lstStyle/>
-        <a:p>
-          <a:r>
-            <a:rPr lang="en-MY" dirty="0" err="1">
-              <a:latin typeface="Times New Roman" panose="02020603050405020304" pitchFamily="18" charset="0"/>
-              <a:cs typeface="Times New Roman" panose="02020603050405020304" pitchFamily="18" charset="0"/>
-            </a:rPr>
-            <a:t>MenuItem</a:t>
-          </a:r>
-          <a:r>
-            <a:rPr lang="en-MY" dirty="0">
-              <a:latin typeface="Times New Roman" panose="02020603050405020304" pitchFamily="18" charset="0"/>
-              <a:cs typeface="Times New Roman" panose="02020603050405020304" pitchFamily="18" charset="0"/>
-            </a:rPr>
-            <a:t> (Abstract)</a:t>
-          </a:r>
-        </a:p>
-      </dgm:t>
-    </dgm:pt>
-    <dgm:pt modelId="{D03519CF-8285-4492-9C26-9D19CC858F64}" type="parTrans" cxnId="{7666F786-EF49-4326-B6FE-5B95D91F3726}">
-      <dgm:prSet/>
-      <dgm:spPr/>
-      <dgm:t>
-        <a:bodyPr/>
-        <a:lstStyle/>
-        <a:p>
-          <a:endParaRPr lang="en-MY">
-            <a:latin typeface="Times New Roman" panose="02020603050405020304" pitchFamily="18" charset="0"/>
-            <a:cs typeface="Times New Roman" panose="02020603050405020304" pitchFamily="18" charset="0"/>
-          </a:endParaRPr>
-        </a:p>
-      </dgm:t>
-    </dgm:pt>
-    <dgm:pt modelId="{44E13EAC-6760-4868-A2C7-CDE7D3B331C3}" type="sibTrans" cxnId="{7666F786-EF49-4326-B6FE-5B95D91F3726}">
-      <dgm:prSet/>
-      <dgm:spPr/>
-      <dgm:t>
-        <a:bodyPr/>
-        <a:lstStyle/>
-        <a:p>
-          <a:endParaRPr lang="en-MY">
-            <a:latin typeface="Times New Roman" panose="02020603050405020304" pitchFamily="18" charset="0"/>
-            <a:cs typeface="Times New Roman" panose="02020603050405020304" pitchFamily="18" charset="0"/>
-          </a:endParaRPr>
-        </a:p>
-      </dgm:t>
-    </dgm:pt>
-    <dgm:pt modelId="{A16EFFCE-9476-46B3-851C-496A227EB42E}">
-      <dgm:prSet phldrT="[Text]"/>
-      <dgm:spPr/>
-      <dgm:t>
-        <a:bodyPr/>
-        <a:lstStyle/>
-        <a:p>
-          <a:r>
-            <a:rPr lang="en-MY" dirty="0" err="1">
-              <a:latin typeface="Times New Roman" panose="02020603050405020304" pitchFamily="18" charset="0"/>
-              <a:cs typeface="Times New Roman" panose="02020603050405020304" pitchFamily="18" charset="0"/>
-            </a:rPr>
-            <a:t>FoodItem</a:t>
-          </a:r>
-          <a:r>
-            <a:rPr lang="en-MY" dirty="0">
-              <a:latin typeface="Times New Roman" panose="02020603050405020304" pitchFamily="18" charset="0"/>
-              <a:cs typeface="Times New Roman" panose="02020603050405020304" pitchFamily="18" charset="0"/>
-            </a:rPr>
-            <a:t> (Concrete)</a:t>
-          </a:r>
-        </a:p>
-      </dgm:t>
-    </dgm:pt>
-    <dgm:pt modelId="{7EEFD287-CFBE-4872-AA92-55D9B0A134F3}" type="parTrans" cxnId="{5239A25E-1A5D-401B-88CD-2E686884B1C9}">
-      <dgm:prSet/>
-      <dgm:spPr/>
-      <dgm:t>
-        <a:bodyPr/>
-        <a:lstStyle/>
-        <a:p>
-          <a:endParaRPr lang="en-MY">
-            <a:latin typeface="Times New Roman" panose="02020603050405020304" pitchFamily="18" charset="0"/>
-            <a:cs typeface="Times New Roman" panose="02020603050405020304" pitchFamily="18" charset="0"/>
-          </a:endParaRPr>
-        </a:p>
-      </dgm:t>
-    </dgm:pt>
-    <dgm:pt modelId="{C10CB359-6D2B-4DB1-BAAC-390B4D3B2719}" type="sibTrans" cxnId="{5239A25E-1A5D-401B-88CD-2E686884B1C9}">
-      <dgm:prSet/>
-      <dgm:spPr/>
-      <dgm:t>
-        <a:bodyPr/>
-        <a:lstStyle/>
-        <a:p>
-          <a:endParaRPr lang="en-MY">
-            <a:latin typeface="Times New Roman" panose="02020603050405020304" pitchFamily="18" charset="0"/>
-            <a:cs typeface="Times New Roman" panose="02020603050405020304" pitchFamily="18" charset="0"/>
-          </a:endParaRPr>
-        </a:p>
-      </dgm:t>
-    </dgm:pt>
-    <dgm:pt modelId="{A89FBD52-8439-40C3-9613-9B2D67E3CF1A}">
-      <dgm:prSet phldrT="[Text]"/>
-      <dgm:spPr/>
-      <dgm:t>
-        <a:bodyPr/>
-        <a:lstStyle/>
-        <a:p>
-          <a:r>
-            <a:rPr lang="en-MY" dirty="0" err="1">
-              <a:latin typeface="Times New Roman" panose="02020603050405020304" pitchFamily="18" charset="0"/>
-              <a:cs typeface="Times New Roman" panose="02020603050405020304" pitchFamily="18" charset="0"/>
-            </a:rPr>
-            <a:t>DrinkItem</a:t>
-          </a:r>
-          <a:r>
-            <a:rPr lang="en-MY" dirty="0">
-              <a:latin typeface="Times New Roman" panose="02020603050405020304" pitchFamily="18" charset="0"/>
-              <a:cs typeface="Times New Roman" panose="02020603050405020304" pitchFamily="18" charset="0"/>
-            </a:rPr>
-            <a:t> (Concrete)</a:t>
-          </a:r>
-        </a:p>
-      </dgm:t>
-    </dgm:pt>
-    <dgm:pt modelId="{BD387997-7746-44D3-97FE-FF3C0A4534A2}" type="parTrans" cxnId="{D44C2F78-C82A-425A-AB5D-BBDC9ED91EEA}">
-      <dgm:prSet/>
-      <dgm:spPr/>
-      <dgm:t>
-        <a:bodyPr/>
-        <a:lstStyle/>
-        <a:p>
-          <a:endParaRPr lang="en-MY">
-            <a:latin typeface="Times New Roman" panose="02020603050405020304" pitchFamily="18" charset="0"/>
-            <a:cs typeface="Times New Roman" panose="02020603050405020304" pitchFamily="18" charset="0"/>
-          </a:endParaRPr>
-        </a:p>
-      </dgm:t>
-    </dgm:pt>
-    <dgm:pt modelId="{1FF23952-0803-41EB-B4F3-D79CB2548BCB}" type="sibTrans" cxnId="{D44C2F78-C82A-425A-AB5D-BBDC9ED91EEA}">
-      <dgm:prSet/>
-      <dgm:spPr/>
-      <dgm:t>
-        <a:bodyPr/>
-        <a:lstStyle/>
-        <a:p>
-          <a:endParaRPr lang="en-MY">
-            <a:latin typeface="Times New Roman" panose="02020603050405020304" pitchFamily="18" charset="0"/>
-            <a:cs typeface="Times New Roman" panose="02020603050405020304" pitchFamily="18" charset="0"/>
-          </a:endParaRPr>
-        </a:p>
-      </dgm:t>
-    </dgm:pt>
-    <dgm:pt modelId="{50AC98BD-9675-42CF-945E-691D854B7AAC}" type="pres">
-      <dgm:prSet presAssocID="{8F482CDB-BCBE-4D03-A625-C0200179B910}" presName="mainComposite" presStyleCnt="0">
+    <dgm:pt modelId="{38E4C93F-B39F-494D-B054-E82CAE257B59}" type="pres">
+      <dgm:prSet presAssocID="{F4FF3E3D-68DC-4931-9F32-AD91E4E8C6AB}" presName="hierChild1" presStyleCnt="0">
         <dgm:presLayoutVars>
+          <dgm:orgChart val="1"/>
           <dgm:chPref val="1"/>
           <dgm:dir/>
           <dgm:animOne val="branch"/>
           <dgm:animLvl val="lvl"/>
-          <dgm:resizeHandles val="exact"/>
+          <dgm:resizeHandles/>
         </dgm:presLayoutVars>
       </dgm:prSet>
       <dgm:spPr/>
     </dgm:pt>
-    <dgm:pt modelId="{2FE3E874-C7F2-4A40-8BCF-1BC9650BED4D}" type="pres">
-      <dgm:prSet presAssocID="{8F482CDB-BCBE-4D03-A625-C0200179B910}" presName="hierFlow" presStyleCnt="0"/>
-      <dgm:spPr/>
-    </dgm:pt>
-    <dgm:pt modelId="{00070C38-2FFE-455E-A019-A08C32B885E4}" type="pres">
-      <dgm:prSet presAssocID="{8F482CDB-BCBE-4D03-A625-C0200179B910}" presName="hierChild1" presStyleCnt="0">
+    <dgm:pt modelId="{1304227D-54F0-48EB-8511-EE0FCE076DF7}" type="pres">
+      <dgm:prSet presAssocID="{0ACF549D-7855-4842-9FC3-3E923D7051BC}" presName="hierRoot1" presStyleCnt="0">
         <dgm:presLayoutVars>
-          <dgm:chPref val="1"/>
-          <dgm:animOne val="branch"/>
-          <dgm:animLvl val="lvl"/>
+          <dgm:hierBranch val="init"/>
         </dgm:presLayoutVars>
       </dgm:prSet>
       <dgm:spPr/>
     </dgm:pt>
-    <dgm:pt modelId="{A254BFCE-6101-482F-956C-0D7112611C7B}" type="pres">
-      <dgm:prSet presAssocID="{DD70E850-B98B-487B-BBB7-B424B0D43189}" presName="Name14" presStyleCnt="0"/>
+    <dgm:pt modelId="{082039D1-43CC-4BDA-B543-A54BC5161B4C}" type="pres">
+      <dgm:prSet presAssocID="{0ACF549D-7855-4842-9FC3-3E923D7051BC}" presName="rootComposite1" presStyleCnt="0"/>
       <dgm:spPr/>
     </dgm:pt>
-    <dgm:pt modelId="{6F75A410-9FAD-47A4-97B5-3B3263D6D4DF}" type="pres">
-      <dgm:prSet presAssocID="{DD70E850-B98B-487B-BBB7-B424B0D43189}" presName="level1Shape" presStyleLbl="node0" presStyleIdx="0" presStyleCnt="1">
+    <dgm:pt modelId="{D169C719-7532-4B56-A08A-AFF2E416D8CF}" type="pres">
+      <dgm:prSet presAssocID="{0ACF549D-7855-4842-9FC3-3E923D7051BC}" presName="rootText1" presStyleLbl="node0" presStyleIdx="0" presStyleCnt="1">
         <dgm:presLayoutVars>
           <dgm:chPref val="3"/>
         </dgm:presLayoutVars>
       </dgm:prSet>
       <dgm:spPr/>
     </dgm:pt>
-    <dgm:pt modelId="{8CE4A6A8-2A3E-4EE7-9DFB-C110645F90FE}" type="pres">
-      <dgm:prSet presAssocID="{DD70E850-B98B-487B-BBB7-B424B0D43189}" presName="hierChild2" presStyleCnt="0"/>
+    <dgm:pt modelId="{960FDBB4-B32F-4811-8BB5-4441A399B14E}" type="pres">
+      <dgm:prSet presAssocID="{0ACF549D-7855-4842-9FC3-3E923D7051BC}" presName="rootConnector1" presStyleLbl="node1" presStyleIdx="0" presStyleCnt="0"/>
       <dgm:spPr/>
     </dgm:pt>
-    <dgm:pt modelId="{BDC6CE74-FEA0-4216-881D-54D1D8D5918A}" type="pres">
-      <dgm:prSet presAssocID="{7CE579D4-3821-41DC-8DD1-7F7ED0D12D1D}" presName="Name19" presStyleLbl="parChTrans1D2" presStyleIdx="0" presStyleCnt="3"/>
+    <dgm:pt modelId="{88299E26-35F4-4B6E-AAC9-B4516C8EED60}" type="pres">
+      <dgm:prSet presAssocID="{0ACF549D-7855-4842-9FC3-3E923D7051BC}" presName="hierChild2" presStyleCnt="0"/>
       <dgm:spPr/>
     </dgm:pt>
-    <dgm:pt modelId="{D53A42AC-3D92-45CB-B977-B8FC2A0193AB}" type="pres">
-      <dgm:prSet presAssocID="{8FE10CAA-592F-46CA-9A00-234035FB7525}" presName="Name21" presStyleCnt="0"/>
+    <dgm:pt modelId="{68A4D1E3-F4B1-420E-BAFE-B29BD253EE1F}" type="pres">
+      <dgm:prSet presAssocID="{AB42D967-1373-4F56-BCED-C3D9C82D8242}" presName="Name37" presStyleLbl="parChTrans1D2" presStyleIdx="0" presStyleCnt="4"/>
       <dgm:spPr/>
     </dgm:pt>
-    <dgm:pt modelId="{5A387BA4-A73A-4D5D-8E74-B2DB8A4AEFFF}" type="pres">
-      <dgm:prSet presAssocID="{8FE10CAA-592F-46CA-9A00-234035FB7525}" presName="level2Shape" presStyleLbl="node2" presStyleIdx="0" presStyleCnt="3"/>
+    <dgm:pt modelId="{0B6D3C0B-72FA-4EE0-9646-ADB5BB38322E}" type="pres">
+      <dgm:prSet presAssocID="{D7F64451-006C-4CFA-9F83-9829612082CC}" presName="hierRoot2" presStyleCnt="0">
+        <dgm:presLayoutVars>
+          <dgm:hierBranch val="init"/>
+        </dgm:presLayoutVars>
+      </dgm:prSet>
       <dgm:spPr/>
     </dgm:pt>
-    <dgm:pt modelId="{DCCD17F3-B790-42A1-8473-462318BEB326}" type="pres">
-      <dgm:prSet presAssocID="{8FE10CAA-592F-46CA-9A00-234035FB7525}" presName="hierChild3" presStyleCnt="0"/>
+    <dgm:pt modelId="{8C4A0063-F628-4316-97A0-E9BEDFDDB4C7}" type="pres">
+      <dgm:prSet presAssocID="{D7F64451-006C-4CFA-9F83-9829612082CC}" presName="rootComposite" presStyleCnt="0"/>
       <dgm:spPr/>
     </dgm:pt>
-    <dgm:pt modelId="{90658F7B-D057-4BB3-8CC5-079953D991F0}" type="pres">
-      <dgm:prSet presAssocID="{7AA26524-C395-4946-96A2-B7AC74D2CF29}" presName="Name19" presStyleLbl="parChTrans1D3" presStyleIdx="0" presStyleCnt="3"/>
+    <dgm:pt modelId="{EF84E8AF-2C01-46BE-9346-FDFE6D3B5326}" type="pres">
+      <dgm:prSet presAssocID="{D7F64451-006C-4CFA-9F83-9829612082CC}" presName="rootText" presStyleLbl="node2" presStyleIdx="0" presStyleCnt="3">
+        <dgm:presLayoutVars>
+          <dgm:chPref val="3"/>
+        </dgm:presLayoutVars>
+      </dgm:prSet>
       <dgm:spPr/>
     </dgm:pt>
-    <dgm:pt modelId="{74802A49-1090-4FC6-A60D-00E7E1A67975}" type="pres">
-      <dgm:prSet presAssocID="{C55D904E-6E2B-4D7C-8B4F-584FD53D6D24}" presName="Name21" presStyleCnt="0"/>
+    <dgm:pt modelId="{6BF637F2-9FCF-4081-B328-B273FA1C2DA2}" type="pres">
+      <dgm:prSet presAssocID="{D7F64451-006C-4CFA-9F83-9829612082CC}" presName="rootConnector" presStyleLbl="node2" presStyleIdx="0" presStyleCnt="3"/>
       <dgm:spPr/>
     </dgm:pt>
-    <dgm:pt modelId="{3ECEDD5B-B98D-43E0-B55A-008B6423E457}" type="pres">
-      <dgm:prSet presAssocID="{C55D904E-6E2B-4D7C-8B4F-584FD53D6D24}" presName="level2Shape" presStyleLbl="node3" presStyleIdx="0" presStyleCnt="3"/>
+    <dgm:pt modelId="{BF38C34F-D191-4DBA-A5C0-FEEF431366CC}" type="pres">
+      <dgm:prSet presAssocID="{D7F64451-006C-4CFA-9F83-9829612082CC}" presName="hierChild4" presStyleCnt="0"/>
       <dgm:spPr/>
     </dgm:pt>
-    <dgm:pt modelId="{6D5BFC48-795B-4852-B78D-82A7DE4BE92B}" type="pres">
-      <dgm:prSet presAssocID="{C55D904E-6E2B-4D7C-8B4F-584FD53D6D24}" presName="hierChild3" presStyleCnt="0"/>
+    <dgm:pt modelId="{E1A00404-0215-4EE2-9EAC-11095D2B126E}" type="pres">
+      <dgm:prSet presAssocID="{D7F64451-006C-4CFA-9F83-9829612082CC}" presName="hierChild5" presStyleCnt="0"/>
       <dgm:spPr/>
     </dgm:pt>
-    <dgm:pt modelId="{9384E6FE-D4C7-4A81-AACB-03542F865C8C}" type="pres">
-      <dgm:prSet presAssocID="{08CE3EBF-4A2D-4991-A5E7-481C759A776F}" presName="Name19" presStyleLbl="parChTrans1D2" presStyleIdx="1" presStyleCnt="3"/>
+    <dgm:pt modelId="{E45FE163-EF26-4921-ADD3-E9482ABB2843}" type="pres">
+      <dgm:prSet presAssocID="{9D37D836-366D-4AE4-B8B8-DEA5C9CB763E}" presName="Name37" presStyleLbl="parChTrans1D2" presStyleIdx="1" presStyleCnt="4"/>
       <dgm:spPr/>
     </dgm:pt>
-    <dgm:pt modelId="{5FCB09FC-2E91-4312-BABB-DA35D206AA84}" type="pres">
-      <dgm:prSet presAssocID="{913C9E9B-C5D1-409D-8F1B-970E4DB63D12}" presName="Name21" presStyleCnt="0"/>
+    <dgm:pt modelId="{C5FC0112-5F92-4592-A8A4-EA0FD0A004E6}" type="pres">
+      <dgm:prSet presAssocID="{389C1901-EF85-4F89-AE80-D74B6CDCC668}" presName="hierRoot2" presStyleCnt="0">
+        <dgm:presLayoutVars>
+          <dgm:hierBranch val="init"/>
+        </dgm:presLayoutVars>
+      </dgm:prSet>
       <dgm:spPr/>
     </dgm:pt>
-    <dgm:pt modelId="{75035FCB-2C28-4712-A9EC-44E939862606}" type="pres">
-      <dgm:prSet presAssocID="{913C9E9B-C5D1-409D-8F1B-970E4DB63D12}" presName="level2Shape" presStyleLbl="node2" presStyleIdx="1" presStyleCnt="3"/>
+    <dgm:pt modelId="{40BA4288-FC06-451B-A730-7E615E8FC8B1}" type="pres">
+      <dgm:prSet presAssocID="{389C1901-EF85-4F89-AE80-D74B6CDCC668}" presName="rootComposite" presStyleCnt="0"/>
       <dgm:spPr/>
     </dgm:pt>
-    <dgm:pt modelId="{E14625CE-44E8-4D2E-8CEC-02ABB300E68E}" type="pres">
-      <dgm:prSet presAssocID="{913C9E9B-C5D1-409D-8F1B-970E4DB63D12}" presName="hierChild3" presStyleCnt="0"/>
+    <dgm:pt modelId="{C7D9D3EA-C461-45F1-B272-104D32D62E7D}" type="pres">
+      <dgm:prSet presAssocID="{389C1901-EF85-4F89-AE80-D74B6CDCC668}" presName="rootText" presStyleLbl="node2" presStyleIdx="1" presStyleCnt="3">
+        <dgm:presLayoutVars>
+          <dgm:chPref val="3"/>
+        </dgm:presLayoutVars>
+      </dgm:prSet>
       <dgm:spPr/>
     </dgm:pt>
-    <dgm:pt modelId="{3165380E-24F6-4320-BC51-4070F5721293}" type="pres">
-      <dgm:prSet presAssocID="{D03519CF-8285-4492-9C26-9D19CC858F64}" presName="Name19" presStyleLbl="parChTrans1D3" presStyleIdx="1" presStyleCnt="3"/>
+    <dgm:pt modelId="{2D7D6855-4AF2-4B4F-A471-C144FD55985A}" type="pres">
+      <dgm:prSet presAssocID="{389C1901-EF85-4F89-AE80-D74B6CDCC668}" presName="rootConnector" presStyleLbl="node2" presStyleIdx="1" presStyleCnt="3"/>
       <dgm:spPr/>
     </dgm:pt>
-    <dgm:pt modelId="{32E70EAD-CA38-4BB1-B6B3-C0AC38EDE29C}" type="pres">
-      <dgm:prSet presAssocID="{4FDF10E5-EA9C-47AD-920C-F1FA8458CDE9}" presName="Name21" presStyleCnt="0"/>
+    <dgm:pt modelId="{D5A3AFF5-6014-46B5-9D5A-CEF49CB8359C}" type="pres">
+      <dgm:prSet presAssocID="{389C1901-EF85-4F89-AE80-D74B6CDCC668}" presName="hierChild4" presStyleCnt="0"/>
       <dgm:spPr/>
     </dgm:pt>
-    <dgm:pt modelId="{59C2AEFA-F3D3-4577-B739-96327D3CC6C4}" type="pres">
-      <dgm:prSet presAssocID="{4FDF10E5-EA9C-47AD-920C-F1FA8458CDE9}" presName="level2Shape" presStyleLbl="node3" presStyleIdx="1" presStyleCnt="3"/>
+    <dgm:pt modelId="{630DA10B-47D4-43D7-BBAE-54212322C467}" type="pres">
+      <dgm:prSet presAssocID="{389C1901-EF85-4F89-AE80-D74B6CDCC668}" presName="hierChild5" presStyleCnt="0"/>
       <dgm:spPr/>
     </dgm:pt>
-    <dgm:pt modelId="{A6FD15EF-0758-4C54-AE2B-14B90B98654E}" type="pres">
-      <dgm:prSet presAssocID="{4FDF10E5-EA9C-47AD-920C-F1FA8458CDE9}" presName="hierChild3" presStyleCnt="0"/>
+    <dgm:pt modelId="{5247579D-D881-4597-B571-08864B05BAC2}" type="pres">
+      <dgm:prSet presAssocID="{907ED562-60C0-4426-84F9-755E5649AEAE}" presName="Name37" presStyleLbl="parChTrans1D2" presStyleIdx="2" presStyleCnt="4"/>
       <dgm:spPr/>
     </dgm:pt>
-    <dgm:pt modelId="{A5886A94-DCC9-4637-AAE2-CC597588D8E4}" type="pres">
-      <dgm:prSet presAssocID="{7EEFD287-CFBE-4872-AA92-55D9B0A134F3}" presName="Name19" presStyleLbl="parChTrans1D4" presStyleIdx="0" presStyleCnt="2"/>
+    <dgm:pt modelId="{65A42D3F-AD9D-4724-9739-750F78F3C71A}" type="pres">
+      <dgm:prSet presAssocID="{2B46D245-9AB9-446E-9E46-B68D4E570667}" presName="hierRoot2" presStyleCnt="0">
+        <dgm:presLayoutVars>
+          <dgm:hierBranch val="init"/>
+        </dgm:presLayoutVars>
+      </dgm:prSet>
       <dgm:spPr/>
     </dgm:pt>
-    <dgm:pt modelId="{D097365A-457E-4D85-A704-B22B22464D63}" type="pres">
-      <dgm:prSet presAssocID="{A16EFFCE-9476-46B3-851C-496A227EB42E}" presName="Name21" presStyleCnt="0"/>
+    <dgm:pt modelId="{36D906C3-680A-4735-A48D-03F8D1ECF6D8}" type="pres">
+      <dgm:prSet presAssocID="{2B46D245-9AB9-446E-9E46-B68D4E570667}" presName="rootComposite" presStyleCnt="0"/>
       <dgm:spPr/>
     </dgm:pt>
-    <dgm:pt modelId="{8A7F5C3D-DE6F-4E62-B7E8-C110989B4EE6}" type="pres">
-      <dgm:prSet presAssocID="{A16EFFCE-9476-46B3-851C-496A227EB42E}" presName="level2Shape" presStyleLbl="node4" presStyleIdx="0" presStyleCnt="2"/>
+    <dgm:pt modelId="{8E85BE05-91FC-430B-86CA-952B212026C7}" type="pres">
+      <dgm:prSet presAssocID="{2B46D245-9AB9-446E-9E46-B68D4E570667}" presName="rootText" presStyleLbl="node2" presStyleIdx="2" presStyleCnt="3">
+        <dgm:presLayoutVars>
+          <dgm:chPref val="3"/>
+        </dgm:presLayoutVars>
+      </dgm:prSet>
       <dgm:spPr/>
     </dgm:pt>
-    <dgm:pt modelId="{5D99C351-9461-45EC-8063-288641150164}" type="pres">
-      <dgm:prSet presAssocID="{A16EFFCE-9476-46B3-851C-496A227EB42E}" presName="hierChild3" presStyleCnt="0"/>
+    <dgm:pt modelId="{DB9EE177-271D-45CD-9EFC-73F5236C96F2}" type="pres">
+      <dgm:prSet presAssocID="{2B46D245-9AB9-446E-9E46-B68D4E570667}" presName="rootConnector" presStyleLbl="node2" presStyleIdx="2" presStyleCnt="3"/>
       <dgm:spPr/>
     </dgm:pt>
-    <dgm:pt modelId="{44BB13CF-EEDE-4703-88AD-0A047DA8C4A5}" type="pres">
-      <dgm:prSet presAssocID="{BD387997-7746-44D3-97FE-FF3C0A4534A2}" presName="Name19" presStyleLbl="parChTrans1D4" presStyleIdx="1" presStyleCnt="2"/>
+    <dgm:pt modelId="{21AE0AE3-0070-4B5B-B884-602F67560557}" type="pres">
+      <dgm:prSet presAssocID="{2B46D245-9AB9-446E-9E46-B68D4E570667}" presName="hierChild4" presStyleCnt="0"/>
       <dgm:spPr/>
     </dgm:pt>
-    <dgm:pt modelId="{7391D430-9019-4F2A-A85E-2734676E508F}" type="pres">
-      <dgm:prSet presAssocID="{A89FBD52-8439-40C3-9613-9B2D67E3CF1A}" presName="Name21" presStyleCnt="0"/>
+    <dgm:pt modelId="{920E7D5C-BEB0-4D53-88F0-63CD4CBBA28F}" type="pres">
+      <dgm:prSet presAssocID="{2B46D245-9AB9-446E-9E46-B68D4E570667}" presName="hierChild5" presStyleCnt="0"/>
       <dgm:spPr/>
     </dgm:pt>
-    <dgm:pt modelId="{0FEB98A7-8A33-4B3C-BD1E-B7DA5F68BCC4}" type="pres">
-      <dgm:prSet presAssocID="{A89FBD52-8439-40C3-9613-9B2D67E3CF1A}" presName="level2Shape" presStyleLbl="node4" presStyleIdx="1" presStyleCnt="2"/>
+    <dgm:pt modelId="{C3CF7D71-E12B-4A71-93C3-6FC4DED224A3}" type="pres">
+      <dgm:prSet presAssocID="{0ACF549D-7855-4842-9FC3-3E923D7051BC}" presName="hierChild3" presStyleCnt="0"/>
       <dgm:spPr/>
     </dgm:pt>
-    <dgm:pt modelId="{CD646FFA-29AF-42CC-8B8E-7DEDDBD03CC6}" type="pres">
-      <dgm:prSet presAssocID="{A89FBD52-8439-40C3-9613-9B2D67E3CF1A}" presName="hierChild3" presStyleCnt="0"/>
+    <dgm:pt modelId="{12A1121F-736A-4A66-AB52-313912C84EC6}" type="pres">
+      <dgm:prSet presAssocID="{6CECF64F-A66B-40D3-A946-1F6C1CB2F471}" presName="Name111" presStyleLbl="parChTrans1D2" presStyleIdx="3" presStyleCnt="4"/>
       <dgm:spPr/>
     </dgm:pt>
-    <dgm:pt modelId="{C91F5CF1-4D3B-4234-857D-3406F9B5F817}" type="pres">
-      <dgm:prSet presAssocID="{5BA664FE-FE28-424A-A66A-00E9C2723A02}" presName="Name19" presStyleLbl="parChTrans1D2" presStyleIdx="2" presStyleCnt="3"/>
+    <dgm:pt modelId="{A393B6CD-E08B-479F-BCB8-A5DAD278E6F6}" type="pres">
+      <dgm:prSet presAssocID="{4474774C-516A-4EDC-B8E0-595319D72968}" presName="hierRoot3" presStyleCnt="0">
+        <dgm:presLayoutVars>
+          <dgm:hierBranch val="init"/>
+        </dgm:presLayoutVars>
+      </dgm:prSet>
       <dgm:spPr/>
     </dgm:pt>
-    <dgm:pt modelId="{D1CF32EB-3EE6-4680-BA13-5AE0A6A89183}" type="pres">
-      <dgm:prSet presAssocID="{BCF1E07A-8E07-4F3D-86BC-D4B07B327137}" presName="Name21" presStyleCnt="0"/>
+    <dgm:pt modelId="{9F870F6A-5FFB-450C-A80A-19EEDC7298CA}" type="pres">
+      <dgm:prSet presAssocID="{4474774C-516A-4EDC-B8E0-595319D72968}" presName="rootComposite3" presStyleCnt="0"/>
       <dgm:spPr/>
     </dgm:pt>
-    <dgm:pt modelId="{7BABA9C4-1971-4E1F-A7B8-05F6991041D4}" type="pres">
-      <dgm:prSet presAssocID="{BCF1E07A-8E07-4F3D-86BC-D4B07B327137}" presName="level2Shape" presStyleLbl="node2" presStyleIdx="2" presStyleCnt="3"/>
+    <dgm:pt modelId="{40E9178B-7B83-442E-8D5D-82C4C598043F}" type="pres">
+      <dgm:prSet presAssocID="{4474774C-516A-4EDC-B8E0-595319D72968}" presName="rootText3" presStyleLbl="asst1" presStyleIdx="0" presStyleCnt="1">
+        <dgm:presLayoutVars>
+          <dgm:chPref val="3"/>
+        </dgm:presLayoutVars>
+      </dgm:prSet>
       <dgm:spPr/>
     </dgm:pt>
-    <dgm:pt modelId="{A31C084C-6442-4B5C-AD8D-B2A48E02FFA9}" type="pres">
-      <dgm:prSet presAssocID="{BCF1E07A-8E07-4F3D-86BC-D4B07B327137}" presName="hierChild3" presStyleCnt="0"/>
+    <dgm:pt modelId="{CE03A3E3-3977-4212-80DA-B6BB06277CA2}" type="pres">
+      <dgm:prSet presAssocID="{4474774C-516A-4EDC-B8E0-595319D72968}" presName="rootConnector3" presStyleLbl="asst1" presStyleIdx="0" presStyleCnt="1"/>
       <dgm:spPr/>
     </dgm:pt>
-    <dgm:pt modelId="{51C24B39-11A7-4F13-BDDB-C52CBDEADE22}" type="pres">
-      <dgm:prSet presAssocID="{0DF638FF-5CF9-4B48-83BC-6EC72CC724CA}" presName="Name19" presStyleLbl="parChTrans1D3" presStyleIdx="2" presStyleCnt="3"/>
+    <dgm:pt modelId="{BF3EEF55-8917-4965-A14E-C613750BD545}" type="pres">
+      <dgm:prSet presAssocID="{4474774C-516A-4EDC-B8E0-595319D72968}" presName="hierChild6" presStyleCnt="0"/>
       <dgm:spPr/>
     </dgm:pt>
-    <dgm:pt modelId="{89534A96-0ADB-447C-86F4-594356110B44}" type="pres">
-      <dgm:prSet presAssocID="{5FB88D95-DD75-4DDC-8DD6-269E2166423D}" presName="Name21" presStyleCnt="0"/>
-      <dgm:spPr/>
-    </dgm:pt>
-    <dgm:pt modelId="{53FB07A7-C54F-4525-A696-9D4A9815A289}" type="pres">
-      <dgm:prSet presAssocID="{5FB88D95-DD75-4DDC-8DD6-269E2166423D}" presName="level2Shape" presStyleLbl="node3" presStyleIdx="2" presStyleCnt="3"/>
-      <dgm:spPr/>
-    </dgm:pt>
-    <dgm:pt modelId="{18F148CE-D3CF-4A66-AFB2-C3795438D39F}" type="pres">
-      <dgm:prSet presAssocID="{5FB88D95-DD75-4DDC-8DD6-269E2166423D}" presName="hierChild3" presStyleCnt="0"/>
-      <dgm:spPr/>
-    </dgm:pt>
-    <dgm:pt modelId="{C2E41955-FE0E-485D-A198-80141EC5169A}" type="pres">
-      <dgm:prSet presAssocID="{8F482CDB-BCBE-4D03-A625-C0200179B910}" presName="bgShapesFlow" presStyleCnt="0"/>
+    <dgm:pt modelId="{21CCCDD9-798E-4A39-B205-A1503E6F58B8}" type="pres">
+      <dgm:prSet presAssocID="{4474774C-516A-4EDC-B8E0-595319D72968}" presName="hierChild7" presStyleCnt="0"/>
       <dgm:spPr/>
     </dgm:pt>
   </dgm:ptLst>
   <dgm:cxnLst>
-    <dgm:cxn modelId="{DF840E04-B2FE-4485-BD13-43AEDD20D968}" srcId="{DD70E850-B98B-487B-BBB7-B424B0D43189}" destId="{913C9E9B-C5D1-409D-8F1B-970E4DB63D12}" srcOrd="1" destOrd="0" parTransId="{08CE3EBF-4A2D-4991-A5E7-481C759A776F}" sibTransId="{67F684B2-BBDD-481F-B258-E5C3C2782D0C}"/>
-    <dgm:cxn modelId="{0ECCF908-882C-4E94-A8FD-0D4BB45A9516}" type="presOf" srcId="{08CE3EBF-4A2D-4991-A5E7-481C759A776F}" destId="{9384E6FE-D4C7-4A81-AACB-03542F865C8C}" srcOrd="0" destOrd="0" presId="urn:microsoft.com/office/officeart/2005/8/layout/hierarchy6"/>
-    <dgm:cxn modelId="{AABAF70D-9845-4A0D-A9C8-9C87BC35F82F}" type="presOf" srcId="{A89FBD52-8439-40C3-9613-9B2D67E3CF1A}" destId="{0FEB98A7-8A33-4B3C-BD1E-B7DA5F68BCC4}" srcOrd="0" destOrd="0" presId="urn:microsoft.com/office/officeart/2005/8/layout/hierarchy6"/>
-    <dgm:cxn modelId="{01B9451D-F6E7-491F-950F-D65EC1D67261}" type="presOf" srcId="{8FE10CAA-592F-46CA-9A00-234035FB7525}" destId="{5A387BA4-A73A-4D5D-8E74-B2DB8A4AEFFF}" srcOrd="0" destOrd="0" presId="urn:microsoft.com/office/officeart/2005/8/layout/hierarchy6"/>
-    <dgm:cxn modelId="{F3DBA02E-BF14-4F9C-BF4A-9FD8A1797FC5}" type="presOf" srcId="{7AA26524-C395-4946-96A2-B7AC74D2CF29}" destId="{90658F7B-D057-4BB3-8CC5-079953D991F0}" srcOrd="0" destOrd="0" presId="urn:microsoft.com/office/officeart/2005/8/layout/hierarchy6"/>
-    <dgm:cxn modelId="{86E3B631-E84B-44BA-841D-2F1ED9701FC6}" type="presOf" srcId="{8F482CDB-BCBE-4D03-A625-C0200179B910}" destId="{50AC98BD-9675-42CF-945E-691D854B7AAC}" srcOrd="0" destOrd="0" presId="urn:microsoft.com/office/officeart/2005/8/layout/hierarchy6"/>
-    <dgm:cxn modelId="{5239A25E-1A5D-401B-88CD-2E686884B1C9}" srcId="{4FDF10E5-EA9C-47AD-920C-F1FA8458CDE9}" destId="{A16EFFCE-9476-46B3-851C-496A227EB42E}" srcOrd="0" destOrd="0" parTransId="{7EEFD287-CFBE-4872-AA92-55D9B0A134F3}" sibTransId="{C10CB359-6D2B-4DB1-BAAC-390B4D3B2719}"/>
-    <dgm:cxn modelId="{80E4E95F-8B00-4D53-9751-084DEE825063}" srcId="{DD70E850-B98B-487B-BBB7-B424B0D43189}" destId="{8FE10CAA-592F-46CA-9A00-234035FB7525}" srcOrd="0" destOrd="0" parTransId="{7CE579D4-3821-41DC-8DD1-7F7ED0D12D1D}" sibTransId="{97554453-21EF-488A-B1BA-F12D495DA812}"/>
-    <dgm:cxn modelId="{FF72F248-801A-46B6-BFDC-80091E35A4F8}" type="presOf" srcId="{DD70E850-B98B-487B-BBB7-B424B0D43189}" destId="{6F75A410-9FAD-47A4-97B5-3B3263D6D4DF}" srcOrd="0" destOrd="0" presId="urn:microsoft.com/office/officeart/2005/8/layout/hierarchy6"/>
-    <dgm:cxn modelId="{2D62A44C-3C27-4480-B245-2FC43BE11ED7}" type="presOf" srcId="{BD387997-7746-44D3-97FE-FF3C0A4534A2}" destId="{44BB13CF-EEDE-4703-88AD-0A047DA8C4A5}" srcOrd="0" destOrd="0" presId="urn:microsoft.com/office/officeart/2005/8/layout/hierarchy6"/>
-    <dgm:cxn modelId="{DD81404D-AF22-4220-BEBF-7857001C21F5}" type="presOf" srcId="{4FDF10E5-EA9C-47AD-920C-F1FA8458CDE9}" destId="{59C2AEFA-F3D3-4577-B739-96327D3CC6C4}" srcOrd="0" destOrd="0" presId="urn:microsoft.com/office/officeart/2005/8/layout/hierarchy6"/>
-    <dgm:cxn modelId="{0F73E152-937E-4501-BBC9-DE92492810E8}" type="presOf" srcId="{0DF638FF-5CF9-4B48-83BC-6EC72CC724CA}" destId="{51C24B39-11A7-4F13-BDDB-C52CBDEADE22}" srcOrd="0" destOrd="0" presId="urn:microsoft.com/office/officeart/2005/8/layout/hierarchy6"/>
-    <dgm:cxn modelId="{D44C2F78-C82A-425A-AB5D-BBDC9ED91EEA}" srcId="{4FDF10E5-EA9C-47AD-920C-F1FA8458CDE9}" destId="{A89FBD52-8439-40C3-9613-9B2D67E3CF1A}" srcOrd="1" destOrd="0" parTransId="{BD387997-7746-44D3-97FE-FF3C0A4534A2}" sibTransId="{1FF23952-0803-41EB-B4F3-D79CB2548BCB}"/>
-    <dgm:cxn modelId="{C0E65E7C-1CA6-4F91-92E8-C706FD86A51A}" type="presOf" srcId="{913C9E9B-C5D1-409D-8F1B-970E4DB63D12}" destId="{75035FCB-2C28-4712-A9EC-44E939862606}" srcOrd="0" destOrd="0" presId="urn:microsoft.com/office/officeart/2005/8/layout/hierarchy6"/>
-    <dgm:cxn modelId="{B322807C-AAF9-4DA1-9AAF-00955B32FAD5}" type="presOf" srcId="{C55D904E-6E2B-4D7C-8B4F-584FD53D6D24}" destId="{3ECEDD5B-B98D-43E0-B55A-008B6423E457}" srcOrd="0" destOrd="0" presId="urn:microsoft.com/office/officeart/2005/8/layout/hierarchy6"/>
-    <dgm:cxn modelId="{C9710F7D-26AB-4901-A5D1-6996ADFFE50B}" type="presOf" srcId="{A16EFFCE-9476-46B3-851C-496A227EB42E}" destId="{8A7F5C3D-DE6F-4E62-B7E8-C110989B4EE6}" srcOrd="0" destOrd="0" presId="urn:microsoft.com/office/officeart/2005/8/layout/hierarchy6"/>
-    <dgm:cxn modelId="{040B4284-30E9-43FF-8BE9-AF41BA593CF7}" srcId="{DD70E850-B98B-487B-BBB7-B424B0D43189}" destId="{BCF1E07A-8E07-4F3D-86BC-D4B07B327137}" srcOrd="2" destOrd="0" parTransId="{5BA664FE-FE28-424A-A66A-00E9C2723A02}" sibTransId="{4D7F2CD5-5055-4C73-A5CD-FE2DE8C74DA1}"/>
-    <dgm:cxn modelId="{7666F786-EF49-4326-B6FE-5B95D91F3726}" srcId="{913C9E9B-C5D1-409D-8F1B-970E4DB63D12}" destId="{4FDF10E5-EA9C-47AD-920C-F1FA8458CDE9}" srcOrd="0" destOrd="0" parTransId="{D03519CF-8285-4492-9C26-9D19CC858F64}" sibTransId="{44E13EAC-6760-4868-A2C7-CDE7D3B331C3}"/>
-    <dgm:cxn modelId="{01B85188-585F-47EB-B87D-3CC08D2295B5}" type="presOf" srcId="{D03519CF-8285-4492-9C26-9D19CC858F64}" destId="{3165380E-24F6-4320-BC51-4070F5721293}" srcOrd="0" destOrd="0" presId="urn:microsoft.com/office/officeart/2005/8/layout/hierarchy6"/>
-    <dgm:cxn modelId="{25E6739A-BD33-4FD6-9202-7DE8907FEA7A}" srcId="{8FE10CAA-592F-46CA-9A00-234035FB7525}" destId="{C55D904E-6E2B-4D7C-8B4F-584FD53D6D24}" srcOrd="0" destOrd="0" parTransId="{7AA26524-C395-4946-96A2-B7AC74D2CF29}" sibTransId="{8A6E27C3-3491-467C-8EEC-9045E4443397}"/>
-    <dgm:cxn modelId="{52E15CA9-8CCA-4214-A53D-9975A3843738}" type="presOf" srcId="{7CE579D4-3821-41DC-8DD1-7F7ED0D12D1D}" destId="{BDC6CE74-FEA0-4216-881D-54D1D8D5918A}" srcOrd="0" destOrd="0" presId="urn:microsoft.com/office/officeart/2005/8/layout/hierarchy6"/>
-    <dgm:cxn modelId="{FF965DDC-6CFB-45A9-A123-D38117CC6C8E}" srcId="{8F482CDB-BCBE-4D03-A625-C0200179B910}" destId="{DD70E850-B98B-487B-BBB7-B424B0D43189}" srcOrd="0" destOrd="0" parTransId="{7DB5A764-0D95-4D07-90DC-204C0A54F530}" sibTransId="{7BC12250-83DF-46DC-AA21-7E9014D489C9}"/>
-    <dgm:cxn modelId="{454B76DF-7741-432A-AC4E-433AE8658A3E}" type="presOf" srcId="{5BA664FE-FE28-424A-A66A-00E9C2723A02}" destId="{C91F5CF1-4D3B-4234-857D-3406F9B5F817}" srcOrd="0" destOrd="0" presId="urn:microsoft.com/office/officeart/2005/8/layout/hierarchy6"/>
-    <dgm:cxn modelId="{DBF35DE0-985E-498D-B459-46884FBB466C}" type="presOf" srcId="{7EEFD287-CFBE-4872-AA92-55D9B0A134F3}" destId="{A5886A94-DCC9-4637-AAE2-CC597588D8E4}" srcOrd="0" destOrd="0" presId="urn:microsoft.com/office/officeart/2005/8/layout/hierarchy6"/>
-    <dgm:cxn modelId="{7A5820E4-B859-4C55-8AB2-FF94F469C2D9}" type="presOf" srcId="{BCF1E07A-8E07-4F3D-86BC-D4B07B327137}" destId="{7BABA9C4-1971-4E1F-A7B8-05F6991041D4}" srcOrd="0" destOrd="0" presId="urn:microsoft.com/office/officeart/2005/8/layout/hierarchy6"/>
-    <dgm:cxn modelId="{243619EC-82D4-4559-A44C-7FB71AB3969A}" srcId="{BCF1E07A-8E07-4F3D-86BC-D4B07B327137}" destId="{5FB88D95-DD75-4DDC-8DD6-269E2166423D}" srcOrd="0" destOrd="0" parTransId="{0DF638FF-5CF9-4B48-83BC-6EC72CC724CA}" sibTransId="{485396FE-842C-4B25-9FAF-33F1A0AADE32}"/>
-    <dgm:cxn modelId="{BDE3A2F7-8396-4735-8B3E-03C415977C59}" type="presOf" srcId="{5FB88D95-DD75-4DDC-8DD6-269E2166423D}" destId="{53FB07A7-C54F-4525-A696-9D4A9815A289}" srcOrd="0" destOrd="0" presId="urn:microsoft.com/office/officeart/2005/8/layout/hierarchy6"/>
-    <dgm:cxn modelId="{B8FAA5C0-1AD1-466C-8CE2-91ACD607A622}" type="presParOf" srcId="{50AC98BD-9675-42CF-945E-691D854B7AAC}" destId="{2FE3E874-C7F2-4A40-8BCF-1BC9650BED4D}" srcOrd="0" destOrd="0" presId="urn:microsoft.com/office/officeart/2005/8/layout/hierarchy6"/>
-    <dgm:cxn modelId="{A41BD075-1D54-4AF7-ABF2-D889FC64A854}" type="presParOf" srcId="{2FE3E874-C7F2-4A40-8BCF-1BC9650BED4D}" destId="{00070C38-2FFE-455E-A019-A08C32B885E4}" srcOrd="0" destOrd="0" presId="urn:microsoft.com/office/officeart/2005/8/layout/hierarchy6"/>
-    <dgm:cxn modelId="{42492434-929A-4BCA-A222-075B98E94682}" type="presParOf" srcId="{00070C38-2FFE-455E-A019-A08C32B885E4}" destId="{A254BFCE-6101-482F-956C-0D7112611C7B}" srcOrd="0" destOrd="0" presId="urn:microsoft.com/office/officeart/2005/8/layout/hierarchy6"/>
-    <dgm:cxn modelId="{2DD89125-D8D1-4E20-A02D-BDADC002DB1D}" type="presParOf" srcId="{A254BFCE-6101-482F-956C-0D7112611C7B}" destId="{6F75A410-9FAD-47A4-97B5-3B3263D6D4DF}" srcOrd="0" destOrd="0" presId="urn:microsoft.com/office/officeart/2005/8/layout/hierarchy6"/>
-    <dgm:cxn modelId="{E2FF125D-CA6E-411B-9D0F-8407255AE042}" type="presParOf" srcId="{A254BFCE-6101-482F-956C-0D7112611C7B}" destId="{8CE4A6A8-2A3E-4EE7-9DFB-C110645F90FE}" srcOrd="1" destOrd="0" presId="urn:microsoft.com/office/officeart/2005/8/layout/hierarchy6"/>
-    <dgm:cxn modelId="{154F8272-C0AD-4A67-A3C2-D2277106F54B}" type="presParOf" srcId="{8CE4A6A8-2A3E-4EE7-9DFB-C110645F90FE}" destId="{BDC6CE74-FEA0-4216-881D-54D1D8D5918A}" srcOrd="0" destOrd="0" presId="urn:microsoft.com/office/officeart/2005/8/layout/hierarchy6"/>
-    <dgm:cxn modelId="{F1544577-D7FC-448C-BFB6-DB7A30DFE252}" type="presParOf" srcId="{8CE4A6A8-2A3E-4EE7-9DFB-C110645F90FE}" destId="{D53A42AC-3D92-45CB-B977-B8FC2A0193AB}" srcOrd="1" destOrd="0" presId="urn:microsoft.com/office/officeart/2005/8/layout/hierarchy6"/>
-    <dgm:cxn modelId="{987027C7-827B-4FE0-B353-7350B1AA848F}" type="presParOf" srcId="{D53A42AC-3D92-45CB-B977-B8FC2A0193AB}" destId="{5A387BA4-A73A-4D5D-8E74-B2DB8A4AEFFF}" srcOrd="0" destOrd="0" presId="urn:microsoft.com/office/officeart/2005/8/layout/hierarchy6"/>
-    <dgm:cxn modelId="{73046198-A575-4320-8CFE-1A3F263A69E8}" type="presParOf" srcId="{D53A42AC-3D92-45CB-B977-B8FC2A0193AB}" destId="{DCCD17F3-B790-42A1-8473-462318BEB326}" srcOrd="1" destOrd="0" presId="urn:microsoft.com/office/officeart/2005/8/layout/hierarchy6"/>
-    <dgm:cxn modelId="{8925D70B-0137-4ED6-98FB-9116DE1924FF}" type="presParOf" srcId="{DCCD17F3-B790-42A1-8473-462318BEB326}" destId="{90658F7B-D057-4BB3-8CC5-079953D991F0}" srcOrd="0" destOrd="0" presId="urn:microsoft.com/office/officeart/2005/8/layout/hierarchy6"/>
-    <dgm:cxn modelId="{C06798D6-1999-4467-B9D1-4C5F7A90BFDA}" type="presParOf" srcId="{DCCD17F3-B790-42A1-8473-462318BEB326}" destId="{74802A49-1090-4FC6-A60D-00E7E1A67975}" srcOrd="1" destOrd="0" presId="urn:microsoft.com/office/officeart/2005/8/layout/hierarchy6"/>
-    <dgm:cxn modelId="{5AEB6480-B883-4F16-8E04-924E1403A4E8}" type="presParOf" srcId="{74802A49-1090-4FC6-A60D-00E7E1A67975}" destId="{3ECEDD5B-B98D-43E0-B55A-008B6423E457}" srcOrd="0" destOrd="0" presId="urn:microsoft.com/office/officeart/2005/8/layout/hierarchy6"/>
-    <dgm:cxn modelId="{AA41777C-123F-445E-9651-DDA115B21F4A}" type="presParOf" srcId="{74802A49-1090-4FC6-A60D-00E7E1A67975}" destId="{6D5BFC48-795B-4852-B78D-82A7DE4BE92B}" srcOrd="1" destOrd="0" presId="urn:microsoft.com/office/officeart/2005/8/layout/hierarchy6"/>
-    <dgm:cxn modelId="{D55A8A6C-1710-489C-9BDF-C8179D70E895}" type="presParOf" srcId="{8CE4A6A8-2A3E-4EE7-9DFB-C110645F90FE}" destId="{9384E6FE-D4C7-4A81-AACB-03542F865C8C}" srcOrd="2" destOrd="0" presId="urn:microsoft.com/office/officeart/2005/8/layout/hierarchy6"/>
-    <dgm:cxn modelId="{2CD02FCE-BB62-4D56-AAA7-AA1618D93034}" type="presParOf" srcId="{8CE4A6A8-2A3E-4EE7-9DFB-C110645F90FE}" destId="{5FCB09FC-2E91-4312-BABB-DA35D206AA84}" srcOrd="3" destOrd="0" presId="urn:microsoft.com/office/officeart/2005/8/layout/hierarchy6"/>
-    <dgm:cxn modelId="{F6269B43-E396-4EA8-AE28-EAE6BA4A7B13}" type="presParOf" srcId="{5FCB09FC-2E91-4312-BABB-DA35D206AA84}" destId="{75035FCB-2C28-4712-A9EC-44E939862606}" srcOrd="0" destOrd="0" presId="urn:microsoft.com/office/officeart/2005/8/layout/hierarchy6"/>
-    <dgm:cxn modelId="{D32D50D0-99C7-4835-A84E-B59AE13A115F}" type="presParOf" srcId="{5FCB09FC-2E91-4312-BABB-DA35D206AA84}" destId="{E14625CE-44E8-4D2E-8CEC-02ABB300E68E}" srcOrd="1" destOrd="0" presId="urn:microsoft.com/office/officeart/2005/8/layout/hierarchy6"/>
-    <dgm:cxn modelId="{ADAFA3F9-D037-4B6B-978C-C57066F69203}" type="presParOf" srcId="{E14625CE-44E8-4D2E-8CEC-02ABB300E68E}" destId="{3165380E-24F6-4320-BC51-4070F5721293}" srcOrd="0" destOrd="0" presId="urn:microsoft.com/office/officeart/2005/8/layout/hierarchy6"/>
-    <dgm:cxn modelId="{D0F04947-38C9-4E34-87F2-27817BA32284}" type="presParOf" srcId="{E14625CE-44E8-4D2E-8CEC-02ABB300E68E}" destId="{32E70EAD-CA38-4BB1-B6B3-C0AC38EDE29C}" srcOrd="1" destOrd="0" presId="urn:microsoft.com/office/officeart/2005/8/layout/hierarchy6"/>
-    <dgm:cxn modelId="{1BAD0B79-44CB-4996-9B55-42D0C80615E4}" type="presParOf" srcId="{32E70EAD-CA38-4BB1-B6B3-C0AC38EDE29C}" destId="{59C2AEFA-F3D3-4577-B739-96327D3CC6C4}" srcOrd="0" destOrd="0" presId="urn:microsoft.com/office/officeart/2005/8/layout/hierarchy6"/>
-    <dgm:cxn modelId="{256349F9-3850-4460-8D04-CD6BADE2A734}" type="presParOf" srcId="{32E70EAD-CA38-4BB1-B6B3-C0AC38EDE29C}" destId="{A6FD15EF-0758-4C54-AE2B-14B90B98654E}" srcOrd="1" destOrd="0" presId="urn:microsoft.com/office/officeart/2005/8/layout/hierarchy6"/>
-    <dgm:cxn modelId="{BBB22AFE-F77A-4C0D-AFA5-C092166E326C}" type="presParOf" srcId="{A6FD15EF-0758-4C54-AE2B-14B90B98654E}" destId="{A5886A94-DCC9-4637-AAE2-CC597588D8E4}" srcOrd="0" destOrd="0" presId="urn:microsoft.com/office/officeart/2005/8/layout/hierarchy6"/>
-    <dgm:cxn modelId="{A4DC28C4-CFEC-44EE-BFEA-A6D7BCA20CA9}" type="presParOf" srcId="{A6FD15EF-0758-4C54-AE2B-14B90B98654E}" destId="{D097365A-457E-4D85-A704-B22B22464D63}" srcOrd="1" destOrd="0" presId="urn:microsoft.com/office/officeart/2005/8/layout/hierarchy6"/>
-    <dgm:cxn modelId="{DA3DF320-2D2F-4F06-BF9F-7001EC968DEB}" type="presParOf" srcId="{D097365A-457E-4D85-A704-B22B22464D63}" destId="{8A7F5C3D-DE6F-4E62-B7E8-C110989B4EE6}" srcOrd="0" destOrd="0" presId="urn:microsoft.com/office/officeart/2005/8/layout/hierarchy6"/>
-    <dgm:cxn modelId="{1672FE08-81B5-4125-80E0-1E2A6BBA8FB9}" type="presParOf" srcId="{D097365A-457E-4D85-A704-B22B22464D63}" destId="{5D99C351-9461-45EC-8063-288641150164}" srcOrd="1" destOrd="0" presId="urn:microsoft.com/office/officeart/2005/8/layout/hierarchy6"/>
-    <dgm:cxn modelId="{EFC10797-3F94-4C5D-AA00-57D615175590}" type="presParOf" srcId="{A6FD15EF-0758-4C54-AE2B-14B90B98654E}" destId="{44BB13CF-EEDE-4703-88AD-0A047DA8C4A5}" srcOrd="2" destOrd="0" presId="urn:microsoft.com/office/officeart/2005/8/layout/hierarchy6"/>
-    <dgm:cxn modelId="{93948A03-6052-468C-8A0F-829E85434660}" type="presParOf" srcId="{A6FD15EF-0758-4C54-AE2B-14B90B98654E}" destId="{7391D430-9019-4F2A-A85E-2734676E508F}" srcOrd="3" destOrd="0" presId="urn:microsoft.com/office/officeart/2005/8/layout/hierarchy6"/>
-    <dgm:cxn modelId="{7D75F39D-3CC8-4364-BCD4-81155D9FC81F}" type="presParOf" srcId="{7391D430-9019-4F2A-A85E-2734676E508F}" destId="{0FEB98A7-8A33-4B3C-BD1E-B7DA5F68BCC4}" srcOrd="0" destOrd="0" presId="urn:microsoft.com/office/officeart/2005/8/layout/hierarchy6"/>
-    <dgm:cxn modelId="{D063E97C-8439-4879-A347-67A1F4C6D18A}" type="presParOf" srcId="{7391D430-9019-4F2A-A85E-2734676E508F}" destId="{CD646FFA-29AF-42CC-8B8E-7DEDDBD03CC6}" srcOrd="1" destOrd="0" presId="urn:microsoft.com/office/officeart/2005/8/layout/hierarchy6"/>
-    <dgm:cxn modelId="{A9D195D0-298F-46EA-B7E2-B0E89FE882D4}" type="presParOf" srcId="{8CE4A6A8-2A3E-4EE7-9DFB-C110645F90FE}" destId="{C91F5CF1-4D3B-4234-857D-3406F9B5F817}" srcOrd="4" destOrd="0" presId="urn:microsoft.com/office/officeart/2005/8/layout/hierarchy6"/>
-    <dgm:cxn modelId="{24734F30-97FB-49B0-A969-F92BF86ABF1A}" type="presParOf" srcId="{8CE4A6A8-2A3E-4EE7-9DFB-C110645F90FE}" destId="{D1CF32EB-3EE6-4680-BA13-5AE0A6A89183}" srcOrd="5" destOrd="0" presId="urn:microsoft.com/office/officeart/2005/8/layout/hierarchy6"/>
-    <dgm:cxn modelId="{AE251D51-6383-42DF-8CCF-C47D67D56EBF}" type="presParOf" srcId="{D1CF32EB-3EE6-4680-BA13-5AE0A6A89183}" destId="{7BABA9C4-1971-4E1F-A7B8-05F6991041D4}" srcOrd="0" destOrd="0" presId="urn:microsoft.com/office/officeart/2005/8/layout/hierarchy6"/>
-    <dgm:cxn modelId="{16A91609-D86A-453B-8A2B-6A21EC52DAA5}" type="presParOf" srcId="{D1CF32EB-3EE6-4680-BA13-5AE0A6A89183}" destId="{A31C084C-6442-4B5C-AD8D-B2A48E02FFA9}" srcOrd="1" destOrd="0" presId="urn:microsoft.com/office/officeart/2005/8/layout/hierarchy6"/>
-    <dgm:cxn modelId="{53D19C31-9A9E-423C-B6EF-5D4CC2A0630C}" type="presParOf" srcId="{A31C084C-6442-4B5C-AD8D-B2A48E02FFA9}" destId="{51C24B39-11A7-4F13-BDDB-C52CBDEADE22}" srcOrd="0" destOrd="0" presId="urn:microsoft.com/office/officeart/2005/8/layout/hierarchy6"/>
-    <dgm:cxn modelId="{2C94BF4F-A155-4594-A569-85284E47F096}" type="presParOf" srcId="{A31C084C-6442-4B5C-AD8D-B2A48E02FFA9}" destId="{89534A96-0ADB-447C-86F4-594356110B44}" srcOrd="1" destOrd="0" presId="urn:microsoft.com/office/officeart/2005/8/layout/hierarchy6"/>
-    <dgm:cxn modelId="{92E6089B-0E0B-45B4-9AAE-891FD435441A}" type="presParOf" srcId="{89534A96-0ADB-447C-86F4-594356110B44}" destId="{53FB07A7-C54F-4525-A696-9D4A9815A289}" srcOrd="0" destOrd="0" presId="urn:microsoft.com/office/officeart/2005/8/layout/hierarchy6"/>
-    <dgm:cxn modelId="{9607732A-7761-4407-8BB7-5A31451B8C17}" type="presParOf" srcId="{89534A96-0ADB-447C-86F4-594356110B44}" destId="{18F148CE-D3CF-4A66-AFB2-C3795438D39F}" srcOrd="1" destOrd="0" presId="urn:microsoft.com/office/officeart/2005/8/layout/hierarchy6"/>
-    <dgm:cxn modelId="{6044903F-243F-46F7-9AF7-581B2BEA88DF}" type="presParOf" srcId="{50AC98BD-9675-42CF-945E-691D854B7AAC}" destId="{C2E41955-FE0E-485D-A198-80141EC5169A}" srcOrd="1" destOrd="0" presId="urn:microsoft.com/office/officeart/2005/8/layout/hierarchy6"/>
+    <dgm:cxn modelId="{73144200-6196-4FEA-8AE2-F35AD73F9E8E}" srcId="{0ACF549D-7855-4842-9FC3-3E923D7051BC}" destId="{D7F64451-006C-4CFA-9F83-9829612082CC}" srcOrd="1" destOrd="0" parTransId="{AB42D967-1373-4F56-BCED-C3D9C82D8242}" sibTransId="{D7A7E362-91FC-440D-B00E-77BCB64AA72E}"/>
+    <dgm:cxn modelId="{80EAA004-C788-476B-94E2-06D0AFE94770}" type="presOf" srcId="{2B46D245-9AB9-446E-9E46-B68D4E570667}" destId="{DB9EE177-271D-45CD-9EFC-73F5236C96F2}" srcOrd="1" destOrd="0" presId="urn:microsoft.com/office/officeart/2005/8/layout/orgChart1"/>
+    <dgm:cxn modelId="{74977D16-485D-4A61-BD44-3D4D6104A44A}" type="presOf" srcId="{D7F64451-006C-4CFA-9F83-9829612082CC}" destId="{6BF637F2-9FCF-4081-B328-B273FA1C2DA2}" srcOrd="1" destOrd="0" presId="urn:microsoft.com/office/officeart/2005/8/layout/orgChart1"/>
+    <dgm:cxn modelId="{5BE56F24-0C4A-41EB-8FB8-48EB2C5CFE53}" type="presOf" srcId="{907ED562-60C0-4426-84F9-755E5649AEAE}" destId="{5247579D-D881-4597-B571-08864B05BAC2}" srcOrd="0" destOrd="0" presId="urn:microsoft.com/office/officeart/2005/8/layout/orgChart1"/>
+    <dgm:cxn modelId="{F6333125-F33F-49A6-BD30-3E99145CB804}" srcId="{0ACF549D-7855-4842-9FC3-3E923D7051BC}" destId="{389C1901-EF85-4F89-AE80-D74B6CDCC668}" srcOrd="2" destOrd="0" parTransId="{9D37D836-366D-4AE4-B8B8-DEA5C9CB763E}" sibTransId="{B1734566-431E-459C-862C-C78A669C3D7F}"/>
+    <dgm:cxn modelId="{6F43E628-D512-4E49-AD5B-84F9F4155CBD}" type="presOf" srcId="{0ACF549D-7855-4842-9FC3-3E923D7051BC}" destId="{960FDBB4-B32F-4811-8BB5-4441A399B14E}" srcOrd="1" destOrd="0" presId="urn:microsoft.com/office/officeart/2005/8/layout/orgChart1"/>
+    <dgm:cxn modelId="{EB24352F-4210-42BF-BAD1-0B29A8EC839B}" type="presOf" srcId="{0ACF549D-7855-4842-9FC3-3E923D7051BC}" destId="{D169C719-7532-4B56-A08A-AFF2E416D8CF}" srcOrd="0" destOrd="0" presId="urn:microsoft.com/office/officeart/2005/8/layout/orgChart1"/>
+    <dgm:cxn modelId="{4D1E5B34-50A5-4776-A57F-BCC29392D66F}" srcId="{F4FF3E3D-68DC-4931-9F32-AD91E4E8C6AB}" destId="{0ACF549D-7855-4842-9FC3-3E923D7051BC}" srcOrd="0" destOrd="0" parTransId="{7588F74E-01A1-4588-839F-A050614396B4}" sibTransId="{4FC1AB4F-B9BF-4E70-B963-FFD62C0A8BCF}"/>
+    <dgm:cxn modelId="{5D95C635-24A8-4C7B-A098-90CF2E0926D9}" type="presOf" srcId="{AB42D967-1373-4F56-BCED-C3D9C82D8242}" destId="{68A4D1E3-F4B1-420E-BAFE-B29BD253EE1F}" srcOrd="0" destOrd="0" presId="urn:microsoft.com/office/officeart/2005/8/layout/orgChart1"/>
+    <dgm:cxn modelId="{41A29838-B475-4129-976A-3CD6F126D6CB}" type="presOf" srcId="{4474774C-516A-4EDC-B8E0-595319D72968}" destId="{40E9178B-7B83-442E-8D5D-82C4C598043F}" srcOrd="0" destOrd="0" presId="urn:microsoft.com/office/officeart/2005/8/layout/orgChart1"/>
+    <dgm:cxn modelId="{171DEB3E-BB67-404A-A1A4-530E1E7BE1FB}" type="presOf" srcId="{D7F64451-006C-4CFA-9F83-9829612082CC}" destId="{EF84E8AF-2C01-46BE-9346-FDFE6D3B5326}" srcOrd="0" destOrd="0" presId="urn:microsoft.com/office/officeart/2005/8/layout/orgChart1"/>
+    <dgm:cxn modelId="{2F41F440-B9A3-4CD4-8C20-4E60DE31F690}" type="presOf" srcId="{F4FF3E3D-68DC-4931-9F32-AD91E4E8C6AB}" destId="{38E4C93F-B39F-494D-B054-E82CAE257B59}" srcOrd="0" destOrd="0" presId="urn:microsoft.com/office/officeart/2005/8/layout/orgChart1"/>
+    <dgm:cxn modelId="{A9DFE05C-1F16-45B6-9682-C4C60F2E9B17}" type="presOf" srcId="{6CECF64F-A66B-40D3-A946-1F6C1CB2F471}" destId="{12A1121F-736A-4A66-AB52-313912C84EC6}" srcOrd="0" destOrd="0" presId="urn:microsoft.com/office/officeart/2005/8/layout/orgChart1"/>
+    <dgm:cxn modelId="{5AA5585F-0070-4160-BA70-0E51988B570F}" type="presOf" srcId="{389C1901-EF85-4F89-AE80-D74B6CDCC668}" destId="{C7D9D3EA-C461-45F1-B272-104D32D62E7D}" srcOrd="0" destOrd="0" presId="urn:microsoft.com/office/officeart/2005/8/layout/orgChart1"/>
+    <dgm:cxn modelId="{69407151-54EE-45F3-AEB1-C41518DAFED3}" type="presOf" srcId="{2B46D245-9AB9-446E-9E46-B68D4E570667}" destId="{8E85BE05-91FC-430B-86CA-952B212026C7}" srcOrd="0" destOrd="0" presId="urn:microsoft.com/office/officeart/2005/8/layout/orgChart1"/>
+    <dgm:cxn modelId="{0ACBD48F-D630-4DFB-9B90-B08EDE163966}" type="presOf" srcId="{9D37D836-366D-4AE4-B8B8-DEA5C9CB763E}" destId="{E45FE163-EF26-4921-ADD3-E9482ABB2843}" srcOrd="0" destOrd="0" presId="urn:microsoft.com/office/officeart/2005/8/layout/orgChart1"/>
+    <dgm:cxn modelId="{3377AA9B-D9CD-4674-867E-82AC567FFFCA}" srcId="{0ACF549D-7855-4842-9FC3-3E923D7051BC}" destId="{2B46D245-9AB9-446E-9E46-B68D4E570667}" srcOrd="3" destOrd="0" parTransId="{907ED562-60C0-4426-84F9-755E5649AEAE}" sibTransId="{14CA88D7-407D-4BC8-9B66-DA3E01B159D9}"/>
+    <dgm:cxn modelId="{EF5E46A0-9549-4D8F-A80E-D8065C0F34F7}" type="presOf" srcId="{389C1901-EF85-4F89-AE80-D74B6CDCC668}" destId="{2D7D6855-4AF2-4B4F-A471-C144FD55985A}" srcOrd="1" destOrd="0" presId="urn:microsoft.com/office/officeart/2005/8/layout/orgChart1"/>
+    <dgm:cxn modelId="{FAEF3EC5-DE62-4201-8C66-B07647F26C1E}" type="presOf" srcId="{4474774C-516A-4EDC-B8E0-595319D72968}" destId="{CE03A3E3-3977-4212-80DA-B6BB06277CA2}" srcOrd="1" destOrd="0" presId="urn:microsoft.com/office/officeart/2005/8/layout/orgChart1"/>
+    <dgm:cxn modelId="{130DABEA-9E14-43C3-9EED-1388366AD03A}" srcId="{0ACF549D-7855-4842-9FC3-3E923D7051BC}" destId="{4474774C-516A-4EDC-B8E0-595319D72968}" srcOrd="0" destOrd="0" parTransId="{6CECF64F-A66B-40D3-A946-1F6C1CB2F471}" sibTransId="{87FBF0A8-A091-4FD5-817A-6D3270CEC862}"/>
+    <dgm:cxn modelId="{BA597167-333E-4A04-8218-3CA0C03BC90A}" type="presParOf" srcId="{38E4C93F-B39F-494D-B054-E82CAE257B59}" destId="{1304227D-54F0-48EB-8511-EE0FCE076DF7}" srcOrd="0" destOrd="0" presId="urn:microsoft.com/office/officeart/2005/8/layout/orgChart1"/>
+    <dgm:cxn modelId="{FB8D1800-80D2-4FA5-A41D-E9826BFD3A4A}" type="presParOf" srcId="{1304227D-54F0-48EB-8511-EE0FCE076DF7}" destId="{082039D1-43CC-4BDA-B543-A54BC5161B4C}" srcOrd="0" destOrd="0" presId="urn:microsoft.com/office/officeart/2005/8/layout/orgChart1"/>
+    <dgm:cxn modelId="{8E1077DA-879E-4654-942D-6B2B10E771D8}" type="presParOf" srcId="{082039D1-43CC-4BDA-B543-A54BC5161B4C}" destId="{D169C719-7532-4B56-A08A-AFF2E416D8CF}" srcOrd="0" destOrd="0" presId="urn:microsoft.com/office/officeart/2005/8/layout/orgChart1"/>
+    <dgm:cxn modelId="{0BF868D7-41D3-4412-953A-4435478F662E}" type="presParOf" srcId="{082039D1-43CC-4BDA-B543-A54BC5161B4C}" destId="{960FDBB4-B32F-4811-8BB5-4441A399B14E}" srcOrd="1" destOrd="0" presId="urn:microsoft.com/office/officeart/2005/8/layout/orgChart1"/>
+    <dgm:cxn modelId="{56A0C302-B0DA-41BE-8CC3-B6C70C22F48E}" type="presParOf" srcId="{1304227D-54F0-48EB-8511-EE0FCE076DF7}" destId="{88299E26-35F4-4B6E-AAC9-B4516C8EED60}" srcOrd="1" destOrd="0" presId="urn:microsoft.com/office/officeart/2005/8/layout/orgChart1"/>
+    <dgm:cxn modelId="{055C17D8-2794-4585-BA4B-8791439E3FAA}" type="presParOf" srcId="{88299E26-35F4-4B6E-AAC9-B4516C8EED60}" destId="{68A4D1E3-F4B1-420E-BAFE-B29BD253EE1F}" srcOrd="0" destOrd="0" presId="urn:microsoft.com/office/officeart/2005/8/layout/orgChart1"/>
+    <dgm:cxn modelId="{EA25CE77-85B6-4558-8315-5798390E3C28}" type="presParOf" srcId="{88299E26-35F4-4B6E-AAC9-B4516C8EED60}" destId="{0B6D3C0B-72FA-4EE0-9646-ADB5BB38322E}" srcOrd="1" destOrd="0" presId="urn:microsoft.com/office/officeart/2005/8/layout/orgChart1"/>
+    <dgm:cxn modelId="{8371FF8D-8F32-44A3-8A64-985F44C2BF81}" type="presParOf" srcId="{0B6D3C0B-72FA-4EE0-9646-ADB5BB38322E}" destId="{8C4A0063-F628-4316-97A0-E9BEDFDDB4C7}" srcOrd="0" destOrd="0" presId="urn:microsoft.com/office/officeart/2005/8/layout/orgChart1"/>
+    <dgm:cxn modelId="{5EADA23A-AB32-4ADB-87B2-2D068CB15536}" type="presParOf" srcId="{8C4A0063-F628-4316-97A0-E9BEDFDDB4C7}" destId="{EF84E8AF-2C01-46BE-9346-FDFE6D3B5326}" srcOrd="0" destOrd="0" presId="urn:microsoft.com/office/officeart/2005/8/layout/orgChart1"/>
+    <dgm:cxn modelId="{2818B429-3C2B-4D99-B666-924C95DEAE9D}" type="presParOf" srcId="{8C4A0063-F628-4316-97A0-E9BEDFDDB4C7}" destId="{6BF637F2-9FCF-4081-B328-B273FA1C2DA2}" srcOrd="1" destOrd="0" presId="urn:microsoft.com/office/officeart/2005/8/layout/orgChart1"/>
+    <dgm:cxn modelId="{FA6A03E7-07E6-4DDB-AF29-D7A1870EDDDF}" type="presParOf" srcId="{0B6D3C0B-72FA-4EE0-9646-ADB5BB38322E}" destId="{BF38C34F-D191-4DBA-A5C0-FEEF431366CC}" srcOrd="1" destOrd="0" presId="urn:microsoft.com/office/officeart/2005/8/layout/orgChart1"/>
+    <dgm:cxn modelId="{995B1194-7B5D-40F0-9EDD-22BEACD82F2A}" type="presParOf" srcId="{0B6D3C0B-72FA-4EE0-9646-ADB5BB38322E}" destId="{E1A00404-0215-4EE2-9EAC-11095D2B126E}" srcOrd="2" destOrd="0" presId="urn:microsoft.com/office/officeart/2005/8/layout/orgChart1"/>
+    <dgm:cxn modelId="{8B23CF2E-532B-4DD3-BF9C-3D8FF4983BAD}" type="presParOf" srcId="{88299E26-35F4-4B6E-AAC9-B4516C8EED60}" destId="{E45FE163-EF26-4921-ADD3-E9482ABB2843}" srcOrd="2" destOrd="0" presId="urn:microsoft.com/office/officeart/2005/8/layout/orgChart1"/>
+    <dgm:cxn modelId="{4F88CBBC-DE5A-403E-88DD-7046418B4879}" type="presParOf" srcId="{88299E26-35F4-4B6E-AAC9-B4516C8EED60}" destId="{C5FC0112-5F92-4592-A8A4-EA0FD0A004E6}" srcOrd="3" destOrd="0" presId="urn:microsoft.com/office/officeart/2005/8/layout/orgChart1"/>
+    <dgm:cxn modelId="{0CC7A3CA-D675-4701-91C0-B649AF343D8D}" type="presParOf" srcId="{C5FC0112-5F92-4592-A8A4-EA0FD0A004E6}" destId="{40BA4288-FC06-451B-A730-7E615E8FC8B1}" srcOrd="0" destOrd="0" presId="urn:microsoft.com/office/officeart/2005/8/layout/orgChart1"/>
+    <dgm:cxn modelId="{E6E1C1B1-1734-4129-BC66-73C50B6F6243}" type="presParOf" srcId="{40BA4288-FC06-451B-A730-7E615E8FC8B1}" destId="{C7D9D3EA-C461-45F1-B272-104D32D62E7D}" srcOrd="0" destOrd="0" presId="urn:microsoft.com/office/officeart/2005/8/layout/orgChart1"/>
+    <dgm:cxn modelId="{85B49183-4894-47D1-914C-F9B6762D3B04}" type="presParOf" srcId="{40BA4288-FC06-451B-A730-7E615E8FC8B1}" destId="{2D7D6855-4AF2-4B4F-A471-C144FD55985A}" srcOrd="1" destOrd="0" presId="urn:microsoft.com/office/officeart/2005/8/layout/orgChart1"/>
+    <dgm:cxn modelId="{0CA75B5E-AD79-4005-869E-5C27E9B2BD37}" type="presParOf" srcId="{C5FC0112-5F92-4592-A8A4-EA0FD0A004E6}" destId="{D5A3AFF5-6014-46B5-9D5A-CEF49CB8359C}" srcOrd="1" destOrd="0" presId="urn:microsoft.com/office/officeart/2005/8/layout/orgChart1"/>
+    <dgm:cxn modelId="{DE92B1E0-AFE4-4AA5-95C6-746037C7397D}" type="presParOf" srcId="{C5FC0112-5F92-4592-A8A4-EA0FD0A004E6}" destId="{630DA10B-47D4-43D7-BBAE-54212322C467}" srcOrd="2" destOrd="0" presId="urn:microsoft.com/office/officeart/2005/8/layout/orgChart1"/>
+    <dgm:cxn modelId="{A0D69D02-4000-4B7B-8D89-8026E791D751}" type="presParOf" srcId="{88299E26-35F4-4B6E-AAC9-B4516C8EED60}" destId="{5247579D-D881-4597-B571-08864B05BAC2}" srcOrd="4" destOrd="0" presId="urn:microsoft.com/office/officeart/2005/8/layout/orgChart1"/>
+    <dgm:cxn modelId="{38B8BD10-0F40-4C35-803E-C2B735E01EE6}" type="presParOf" srcId="{88299E26-35F4-4B6E-AAC9-B4516C8EED60}" destId="{65A42D3F-AD9D-4724-9739-750F78F3C71A}" srcOrd="5" destOrd="0" presId="urn:microsoft.com/office/officeart/2005/8/layout/orgChart1"/>
+    <dgm:cxn modelId="{C5B2B8C0-B74A-48A5-9536-CAFBEDF35677}" type="presParOf" srcId="{65A42D3F-AD9D-4724-9739-750F78F3C71A}" destId="{36D906C3-680A-4735-A48D-03F8D1ECF6D8}" srcOrd="0" destOrd="0" presId="urn:microsoft.com/office/officeart/2005/8/layout/orgChart1"/>
+    <dgm:cxn modelId="{459FB621-93E8-42A5-9EB1-B8B761B7FABF}" type="presParOf" srcId="{36D906C3-680A-4735-A48D-03F8D1ECF6D8}" destId="{8E85BE05-91FC-430B-86CA-952B212026C7}" srcOrd="0" destOrd="0" presId="urn:microsoft.com/office/officeart/2005/8/layout/orgChart1"/>
+    <dgm:cxn modelId="{8196F7FF-AD24-4A86-8CDC-1E421B307BDA}" type="presParOf" srcId="{36D906C3-680A-4735-A48D-03F8D1ECF6D8}" destId="{DB9EE177-271D-45CD-9EFC-73F5236C96F2}" srcOrd="1" destOrd="0" presId="urn:microsoft.com/office/officeart/2005/8/layout/orgChart1"/>
+    <dgm:cxn modelId="{05FC8E82-17D9-41B2-BCCB-86FA97EF48D1}" type="presParOf" srcId="{65A42D3F-AD9D-4724-9739-750F78F3C71A}" destId="{21AE0AE3-0070-4B5B-B884-602F67560557}" srcOrd="1" destOrd="0" presId="urn:microsoft.com/office/officeart/2005/8/layout/orgChart1"/>
+    <dgm:cxn modelId="{EADAC30C-D563-42DF-A7C7-0596D891D23F}" type="presParOf" srcId="{65A42D3F-AD9D-4724-9739-750F78F3C71A}" destId="{920E7D5C-BEB0-4D53-88F0-63CD4CBBA28F}" srcOrd="2" destOrd="0" presId="urn:microsoft.com/office/officeart/2005/8/layout/orgChart1"/>
+    <dgm:cxn modelId="{3E2857D8-B9F7-4A84-A9C7-ABFC4D2E830B}" type="presParOf" srcId="{1304227D-54F0-48EB-8511-EE0FCE076DF7}" destId="{C3CF7D71-E12B-4A71-93C3-6FC4DED224A3}" srcOrd="2" destOrd="0" presId="urn:microsoft.com/office/officeart/2005/8/layout/orgChart1"/>
+    <dgm:cxn modelId="{61817CC5-3B8A-4B02-BCF1-C8B4D41A0209}" type="presParOf" srcId="{C3CF7D71-E12B-4A71-93C3-6FC4DED224A3}" destId="{12A1121F-736A-4A66-AB52-313912C84EC6}" srcOrd="0" destOrd="0" presId="urn:microsoft.com/office/officeart/2005/8/layout/orgChart1"/>
+    <dgm:cxn modelId="{91B40392-77D3-4DA7-A7D3-44A990DF2596}" type="presParOf" srcId="{C3CF7D71-E12B-4A71-93C3-6FC4DED224A3}" destId="{A393B6CD-E08B-479F-BCB8-A5DAD278E6F6}" srcOrd="1" destOrd="0" presId="urn:microsoft.com/office/officeart/2005/8/layout/orgChart1"/>
+    <dgm:cxn modelId="{59EF2F94-0544-4F2B-9DBB-A2430C03BD5B}" type="presParOf" srcId="{A393B6CD-E08B-479F-BCB8-A5DAD278E6F6}" destId="{9F870F6A-5FFB-450C-A80A-19EEDC7298CA}" srcOrd="0" destOrd="0" presId="urn:microsoft.com/office/officeart/2005/8/layout/orgChart1"/>
+    <dgm:cxn modelId="{44034268-2C19-4444-97D5-D6756FFBCF0F}" type="presParOf" srcId="{9F870F6A-5FFB-450C-A80A-19EEDC7298CA}" destId="{40E9178B-7B83-442E-8D5D-82C4C598043F}" srcOrd="0" destOrd="0" presId="urn:microsoft.com/office/officeart/2005/8/layout/orgChart1"/>
+    <dgm:cxn modelId="{91ACE58C-7B29-40D3-AB88-A3226BB64D9B}" type="presParOf" srcId="{9F870F6A-5FFB-450C-A80A-19EEDC7298CA}" destId="{CE03A3E3-3977-4212-80DA-B6BB06277CA2}" srcOrd="1" destOrd="0" presId="urn:microsoft.com/office/officeart/2005/8/layout/orgChart1"/>
+    <dgm:cxn modelId="{B4B50466-007B-4C17-9635-680EBABCE231}" type="presParOf" srcId="{A393B6CD-E08B-479F-BCB8-A5DAD278E6F6}" destId="{BF3EEF55-8917-4965-A14E-C613750BD545}" srcOrd="1" destOrd="0" presId="urn:microsoft.com/office/officeart/2005/8/layout/orgChart1"/>
+    <dgm:cxn modelId="{969806F3-43E4-453B-BE5B-1B12E0A998A2}" type="presParOf" srcId="{A393B6CD-E08B-479F-BCB8-A5DAD278E6F6}" destId="{21CCCDD9-798E-4A39-B205-A1503E6F58B8}" srcOrd="2" destOrd="0" presId="urn:microsoft.com/office/officeart/2005/8/layout/orgChart1"/>
   </dgm:cxnLst>
   <dgm:bg/>
   <dgm:whole/>
@@ -1635,106 +1692,15 @@
       <dsp:cNvGrpSpPr/>
     </dsp:nvGrpSpPr>
     <dsp:grpSpPr/>
-    <dsp:sp modelId="{6F75A410-9FAD-47A4-97B5-3B3263D6D4DF}">
+    <dsp:sp modelId="{12A1121F-736A-4A66-AB52-313912C84EC6}">
       <dsp:nvSpPr>
         <dsp:cNvPr id="0" name=""/>
         <dsp:cNvSpPr/>
       </dsp:nvSpPr>
       <dsp:spPr>
         <a:xfrm>
-          <a:off x="4207203" y="4142"/>
-          <a:ext cx="1849265" cy="1232843"/>
-        </a:xfrm>
-        <a:prstGeom prst="roundRect">
-          <a:avLst>
-            <a:gd name="adj" fmla="val 10000"/>
-          </a:avLst>
-        </a:prstGeom>
-        <a:solidFill>
-          <a:schemeClr val="lt1">
-            <a:hueOff val="0"/>
-            <a:satOff val="0"/>
-            <a:lumOff val="0"/>
-            <a:alphaOff val="0"/>
-          </a:schemeClr>
-        </a:solidFill>
-        <a:ln w="19050" cap="flat" cmpd="sng" algn="ctr">
-          <a:solidFill>
-            <a:schemeClr val="dk1">
-              <a:shade val="80000"/>
-              <a:hueOff val="0"/>
-              <a:satOff val="0"/>
-              <a:lumOff val="0"/>
-              <a:alphaOff val="0"/>
-            </a:schemeClr>
-          </a:solidFill>
-          <a:prstDash val="solid"/>
-          <a:miter lim="800000"/>
-        </a:ln>
-        <a:effectLst/>
-      </dsp:spPr>
-      <dsp:style>
-        <a:lnRef idx="3">
-          <a:scrgbClr r="0" g="0" b="0"/>
-        </a:lnRef>
-        <a:fillRef idx="1">
-          <a:scrgbClr r="0" g="0" b="0"/>
-        </a:fillRef>
-        <a:effectRef idx="1">
-          <a:scrgbClr r="0" g="0" b="0"/>
-        </a:effectRef>
-        <a:fontRef idx="minor">
-          <a:schemeClr val="lt1"/>
-        </a:fontRef>
-      </dsp:style>
-      <dsp:txBody>
-        <a:bodyPr spcFirstLastPara="0" vert="horz" wrap="square" lIns="64770" tIns="64770" rIns="64770" bIns="64770" numCol="1" spcCol="1270" anchor="ctr" anchorCtr="0">
-          <a:noAutofit/>
-        </a:bodyPr>
-        <a:lstStyle/>
-        <a:p>
-          <a:pPr marL="0" lvl="0" indent="0" algn="ctr" defTabSz="755650">
-            <a:lnSpc>
-              <a:spcPct val="90000"/>
-            </a:lnSpc>
-            <a:spcBef>
-              <a:spcPct val="0"/>
-            </a:spcBef>
-            <a:spcAft>
-              <a:spcPct val="35000"/>
-            </a:spcAft>
-            <a:buNone/>
-          </a:pPr>
-          <a:r>
-            <a:rPr lang="en-MY" sz="1700" kern="1200" dirty="0" err="1">
-              <a:latin typeface="Times New Roman" panose="02020603050405020304" pitchFamily="18" charset="0"/>
-              <a:cs typeface="Times New Roman" panose="02020603050405020304" pitchFamily="18" charset="0"/>
-            </a:rPr>
-            <a:t>UserInterface</a:t>
-          </a:r>
-          <a:r>
-            <a:rPr lang="en-MY" sz="1700" kern="1200" dirty="0">
-              <a:latin typeface="Times New Roman" panose="02020603050405020304" pitchFamily="18" charset="0"/>
-              <a:cs typeface="Times New Roman" panose="02020603050405020304" pitchFamily="18" charset="0"/>
-            </a:rPr>
-            <a:t> (Concrete)</a:t>
-          </a:r>
-        </a:p>
-      </dsp:txBody>
-      <dsp:txXfrm>
-        <a:off x="4243312" y="40251"/>
-        <a:ext cx="1777047" cy="1160625"/>
-      </dsp:txXfrm>
-    </dsp:sp>
-    <dsp:sp modelId="{BDC6CE74-FEA0-4216-881D-54D1D8D5918A}">
-      <dsp:nvSpPr>
-        <dsp:cNvPr id="0" name=""/>
-        <dsp:cNvSpPr/>
-      </dsp:nvSpPr>
-      <dsp:spPr>
-        <a:xfrm>
-          <a:off x="2126780" y="1236986"/>
-          <a:ext cx="3005056" cy="493137"/>
+          <a:off x="3814489" y="1616240"/>
+          <a:ext cx="249510" cy="1093092"/>
         </a:xfrm>
         <a:custGeom>
           <a:avLst/>
@@ -1745,16 +1711,13 @@
           <a:pathLst>
             <a:path>
               <a:moveTo>
-                <a:pt x="3005056" y="0"/>
+                <a:pt x="249510" y="0"/>
               </a:moveTo>
               <a:lnTo>
-                <a:pt x="3005056" y="246568"/>
+                <a:pt x="249510" y="1093092"/>
               </a:lnTo>
               <a:lnTo>
-                <a:pt x="0" y="246568"/>
-              </a:lnTo>
-              <a:lnTo>
-                <a:pt x="0" y="493137"/>
+                <a:pt x="0" y="1093092"/>
               </a:lnTo>
             </a:path>
           </a:pathLst>
@@ -1788,246 +1751,15 @@
         <a:fontRef idx="minor"/>
       </dsp:style>
     </dsp:sp>
-    <dsp:sp modelId="{5A387BA4-A73A-4D5D-8E74-B2DB8A4AEFFF}">
+    <dsp:sp modelId="{5247579D-D881-4597-B571-08864B05BAC2}">
       <dsp:nvSpPr>
         <dsp:cNvPr id="0" name=""/>
         <dsp:cNvSpPr/>
       </dsp:nvSpPr>
       <dsp:spPr>
         <a:xfrm>
-          <a:off x="1202147" y="1730123"/>
-          <a:ext cx="1849265" cy="1232843"/>
-        </a:xfrm>
-        <a:prstGeom prst="roundRect">
-          <a:avLst>
-            <a:gd name="adj" fmla="val 10000"/>
-          </a:avLst>
-        </a:prstGeom>
-        <a:solidFill>
-          <a:schemeClr val="lt1">
-            <a:hueOff val="0"/>
-            <a:satOff val="0"/>
-            <a:lumOff val="0"/>
-            <a:alphaOff val="0"/>
-          </a:schemeClr>
-        </a:solidFill>
-        <a:ln w="19050" cap="flat" cmpd="sng" algn="ctr">
-          <a:solidFill>
-            <a:schemeClr val="dk1">
-              <a:shade val="80000"/>
-              <a:hueOff val="0"/>
-              <a:satOff val="0"/>
-              <a:lumOff val="0"/>
-              <a:alphaOff val="0"/>
-            </a:schemeClr>
-          </a:solidFill>
-          <a:prstDash val="solid"/>
-          <a:miter lim="800000"/>
-        </a:ln>
-        <a:effectLst/>
-      </dsp:spPr>
-      <dsp:style>
-        <a:lnRef idx="3">
-          <a:scrgbClr r="0" g="0" b="0"/>
-        </a:lnRef>
-        <a:fillRef idx="1">
-          <a:scrgbClr r="0" g="0" b="0"/>
-        </a:fillRef>
-        <a:effectRef idx="1">
-          <a:scrgbClr r="0" g="0" b="0"/>
-        </a:effectRef>
-        <a:fontRef idx="minor">
-          <a:schemeClr val="lt1"/>
-        </a:fontRef>
-      </dsp:style>
-      <dsp:txBody>
-        <a:bodyPr spcFirstLastPara="0" vert="horz" wrap="square" lIns="64770" tIns="64770" rIns="64770" bIns="64770" numCol="1" spcCol="1270" anchor="ctr" anchorCtr="0">
-          <a:noAutofit/>
-        </a:bodyPr>
-        <a:lstStyle/>
-        <a:p>
-          <a:pPr marL="0" lvl="0" indent="0" algn="ctr" defTabSz="755650">
-            <a:lnSpc>
-              <a:spcPct val="90000"/>
-            </a:lnSpc>
-            <a:spcBef>
-              <a:spcPct val="0"/>
-            </a:spcBef>
-            <a:spcAft>
-              <a:spcPct val="35000"/>
-            </a:spcAft>
-            <a:buNone/>
-          </a:pPr>
-          <a:r>
-            <a:rPr lang="en-MY" sz="1700" kern="1200" dirty="0">
-              <a:latin typeface="Times New Roman" panose="02020603050405020304" pitchFamily="18" charset="0"/>
-              <a:cs typeface="Times New Roman" panose="02020603050405020304" pitchFamily="18" charset="0"/>
-            </a:rPr>
-            <a:t>Order (Concrete)</a:t>
-          </a:r>
-        </a:p>
-      </dsp:txBody>
-      <dsp:txXfrm>
-        <a:off x="1238256" y="1766232"/>
-        <a:ext cx="1777047" cy="1160625"/>
-      </dsp:txXfrm>
-    </dsp:sp>
-    <dsp:sp modelId="{90658F7B-D057-4BB3-8CC5-079953D991F0}">
-      <dsp:nvSpPr>
-        <dsp:cNvPr id="0" name=""/>
-        <dsp:cNvSpPr/>
-      </dsp:nvSpPr>
-      <dsp:spPr>
-        <a:xfrm>
-          <a:off x="2081060" y="2962967"/>
-          <a:ext cx="91440" cy="493137"/>
-        </a:xfrm>
-        <a:custGeom>
-          <a:avLst/>
-          <a:gdLst/>
-          <a:ahLst/>
-          <a:cxnLst/>
-          <a:rect l="0" t="0" r="0" b="0"/>
-          <a:pathLst>
-            <a:path>
-              <a:moveTo>
-                <a:pt x="45720" y="0"/>
-              </a:moveTo>
-              <a:lnTo>
-                <a:pt x="45720" y="493137"/>
-              </a:lnTo>
-            </a:path>
-          </a:pathLst>
-        </a:custGeom>
-        <a:noFill/>
-        <a:ln w="12700" cap="flat" cmpd="sng" algn="ctr">
-          <a:solidFill>
-            <a:schemeClr val="dk1">
-              <a:shade val="80000"/>
-              <a:hueOff val="0"/>
-              <a:satOff val="0"/>
-              <a:lumOff val="0"/>
-              <a:alphaOff val="0"/>
-            </a:schemeClr>
-          </a:solidFill>
-          <a:prstDash val="solid"/>
-          <a:miter lim="800000"/>
-        </a:ln>
-        <a:effectLst/>
-      </dsp:spPr>
-      <dsp:style>
-        <a:lnRef idx="2">
-          <a:scrgbClr r="0" g="0" b="0"/>
-        </a:lnRef>
-        <a:fillRef idx="0">
-          <a:scrgbClr r="0" g="0" b="0"/>
-        </a:fillRef>
-        <a:effectRef idx="0">
-          <a:scrgbClr r="0" g="0" b="0"/>
-        </a:effectRef>
-        <a:fontRef idx="minor"/>
-      </dsp:style>
-    </dsp:sp>
-    <dsp:sp modelId="{3ECEDD5B-B98D-43E0-B55A-008B6423E457}">
-      <dsp:nvSpPr>
-        <dsp:cNvPr id="0" name=""/>
-        <dsp:cNvSpPr/>
-      </dsp:nvSpPr>
-      <dsp:spPr>
-        <a:xfrm>
-          <a:off x="1202147" y="3456104"/>
-          <a:ext cx="1849265" cy="1232843"/>
-        </a:xfrm>
-        <a:prstGeom prst="roundRect">
-          <a:avLst>
-            <a:gd name="adj" fmla="val 10000"/>
-          </a:avLst>
-        </a:prstGeom>
-        <a:solidFill>
-          <a:schemeClr val="lt1">
-            <a:hueOff val="0"/>
-            <a:satOff val="0"/>
-            <a:lumOff val="0"/>
-            <a:alphaOff val="0"/>
-          </a:schemeClr>
-        </a:solidFill>
-        <a:ln w="19050" cap="flat" cmpd="sng" algn="ctr">
-          <a:solidFill>
-            <a:schemeClr val="dk1">
-              <a:shade val="80000"/>
-              <a:hueOff val="0"/>
-              <a:satOff val="0"/>
-              <a:lumOff val="0"/>
-              <a:alphaOff val="0"/>
-            </a:schemeClr>
-          </a:solidFill>
-          <a:prstDash val="solid"/>
-          <a:miter lim="800000"/>
-        </a:ln>
-        <a:effectLst/>
-      </dsp:spPr>
-      <dsp:style>
-        <a:lnRef idx="3">
-          <a:scrgbClr r="0" g="0" b="0"/>
-        </a:lnRef>
-        <a:fillRef idx="1">
-          <a:scrgbClr r="0" g="0" b="0"/>
-        </a:fillRef>
-        <a:effectRef idx="1">
-          <a:scrgbClr r="0" g="0" b="0"/>
-        </a:effectRef>
-        <a:fontRef idx="minor">
-          <a:schemeClr val="lt1"/>
-        </a:fontRef>
-      </dsp:style>
-      <dsp:txBody>
-        <a:bodyPr spcFirstLastPara="0" vert="horz" wrap="square" lIns="64770" tIns="64770" rIns="64770" bIns="64770" numCol="1" spcCol="1270" anchor="ctr" anchorCtr="0">
-          <a:noAutofit/>
-        </a:bodyPr>
-        <a:lstStyle/>
-        <a:p>
-          <a:pPr marL="0" lvl="0" indent="0" algn="ctr" defTabSz="755650">
-            <a:lnSpc>
-              <a:spcPct val="90000"/>
-            </a:lnSpc>
-            <a:spcBef>
-              <a:spcPct val="0"/>
-            </a:spcBef>
-            <a:spcAft>
-              <a:spcPct val="35000"/>
-            </a:spcAft>
-            <a:buNone/>
-          </a:pPr>
-          <a:r>
-            <a:rPr lang="en-MY" sz="1700" kern="1200" dirty="0" err="1">
-              <a:latin typeface="Times New Roman" panose="02020603050405020304" pitchFamily="18" charset="0"/>
-              <a:cs typeface="Times New Roman" panose="02020603050405020304" pitchFamily="18" charset="0"/>
-            </a:rPr>
-            <a:t>FoodOrderSystem</a:t>
-          </a:r>
-          <a:r>
-            <a:rPr lang="en-MY" sz="1700" kern="1200" dirty="0">
-              <a:latin typeface="Times New Roman" panose="02020603050405020304" pitchFamily="18" charset="0"/>
-              <a:cs typeface="Times New Roman" panose="02020603050405020304" pitchFamily="18" charset="0"/>
-            </a:rPr>
-            <a:t> (interface)</a:t>
-          </a:r>
-        </a:p>
-      </dsp:txBody>
-      <dsp:txXfrm>
-        <a:off x="1238256" y="3492213"/>
-        <a:ext cx="1777047" cy="1160625"/>
-      </dsp:txXfrm>
-    </dsp:sp>
-    <dsp:sp modelId="{9384E6FE-D4C7-4A81-AACB-03542F865C8C}">
-      <dsp:nvSpPr>
-        <dsp:cNvPr id="0" name=""/>
-        <dsp:cNvSpPr/>
-      </dsp:nvSpPr>
-      <dsp:spPr>
-        <a:xfrm>
-          <a:off x="5131836" y="1236986"/>
-          <a:ext cx="601011" cy="493137"/>
+          <a:off x="4064000" y="1616240"/>
+          <a:ext cx="2875309" cy="2186185"/>
         </a:xfrm>
         <a:custGeom>
           <a:avLst/>
@@ -2041,13 +1773,13 @@
                 <a:pt x="0" y="0"/>
               </a:moveTo>
               <a:lnTo>
-                <a:pt x="0" y="246568"/>
+                <a:pt x="0" y="1936675"/>
               </a:lnTo>
               <a:lnTo>
-                <a:pt x="601011" y="246568"/>
+                <a:pt x="2875309" y="1936675"/>
               </a:lnTo>
               <a:lnTo>
-                <a:pt x="601011" y="493137"/>
+                <a:pt x="2875309" y="2186185"/>
               </a:lnTo>
             </a:path>
           </a:pathLst>
@@ -2081,99 +1813,15 @@
         <a:fontRef idx="minor"/>
       </dsp:style>
     </dsp:sp>
-    <dsp:sp modelId="{75035FCB-2C28-4712-A9EC-44E939862606}">
+    <dsp:sp modelId="{E45FE163-EF26-4921-ADD3-E9482ABB2843}">
       <dsp:nvSpPr>
         <dsp:cNvPr id="0" name=""/>
         <dsp:cNvSpPr/>
       </dsp:nvSpPr>
       <dsp:spPr>
         <a:xfrm>
-          <a:off x="4808215" y="1730123"/>
-          <a:ext cx="1849265" cy="1232843"/>
-        </a:xfrm>
-        <a:prstGeom prst="roundRect">
-          <a:avLst>
-            <a:gd name="adj" fmla="val 10000"/>
-          </a:avLst>
-        </a:prstGeom>
-        <a:solidFill>
-          <a:schemeClr val="lt1">
-            <a:hueOff val="0"/>
-            <a:satOff val="0"/>
-            <a:lumOff val="0"/>
-            <a:alphaOff val="0"/>
-          </a:schemeClr>
-        </a:solidFill>
-        <a:ln w="19050" cap="flat" cmpd="sng" algn="ctr">
-          <a:solidFill>
-            <a:schemeClr val="dk1">
-              <a:shade val="80000"/>
-              <a:hueOff val="0"/>
-              <a:satOff val="0"/>
-              <a:lumOff val="0"/>
-              <a:alphaOff val="0"/>
-            </a:schemeClr>
-          </a:solidFill>
-          <a:prstDash val="solid"/>
-          <a:miter lim="800000"/>
-        </a:ln>
-        <a:effectLst/>
-      </dsp:spPr>
-      <dsp:style>
-        <a:lnRef idx="3">
-          <a:scrgbClr r="0" g="0" b="0"/>
-        </a:lnRef>
-        <a:fillRef idx="1">
-          <a:scrgbClr r="0" g="0" b="0"/>
-        </a:fillRef>
-        <a:effectRef idx="1">
-          <a:scrgbClr r="0" g="0" b="0"/>
-        </a:effectRef>
-        <a:fontRef idx="minor">
-          <a:schemeClr val="lt1"/>
-        </a:fontRef>
-      </dsp:style>
-      <dsp:txBody>
-        <a:bodyPr spcFirstLastPara="0" vert="horz" wrap="square" lIns="64770" tIns="64770" rIns="64770" bIns="64770" numCol="1" spcCol="1270" anchor="ctr" anchorCtr="0">
-          <a:noAutofit/>
-        </a:bodyPr>
-        <a:lstStyle/>
-        <a:p>
-          <a:pPr marL="0" lvl="0" indent="0" algn="ctr" defTabSz="755650">
-            <a:lnSpc>
-              <a:spcPct val="90000"/>
-            </a:lnSpc>
-            <a:spcBef>
-              <a:spcPct val="0"/>
-            </a:spcBef>
-            <a:spcAft>
-              <a:spcPct val="35000"/>
-            </a:spcAft>
-            <a:buNone/>
-          </a:pPr>
-          <a:r>
-            <a:rPr lang="en-MY" sz="1700" kern="1200" dirty="0">
-              <a:latin typeface="Times New Roman" panose="02020603050405020304" pitchFamily="18" charset="0"/>
-              <a:cs typeface="Times New Roman" panose="02020603050405020304" pitchFamily="18" charset="0"/>
-            </a:rPr>
-            <a:t>Restaurant (Concrete)</a:t>
-          </a:r>
-        </a:p>
-      </dsp:txBody>
-      <dsp:txXfrm>
-        <a:off x="4844324" y="1766232"/>
-        <a:ext cx="1777047" cy="1160625"/>
-      </dsp:txXfrm>
-    </dsp:sp>
-    <dsp:sp modelId="{3165380E-24F6-4320-BC51-4070F5721293}">
-      <dsp:nvSpPr>
-        <dsp:cNvPr id="0" name=""/>
-        <dsp:cNvSpPr/>
-      </dsp:nvSpPr>
-      <dsp:spPr>
-        <a:xfrm>
-          <a:off x="5687127" y="2962967"/>
-          <a:ext cx="91440" cy="493137"/>
+          <a:off x="4018280" y="1616240"/>
+          <a:ext cx="91440" cy="2186185"/>
         </a:xfrm>
         <a:custGeom>
           <a:avLst/>
@@ -2187,466 +1835,7 @@
                 <a:pt x="45720" y="0"/>
               </a:moveTo>
               <a:lnTo>
-                <a:pt x="45720" y="493137"/>
-              </a:lnTo>
-            </a:path>
-          </a:pathLst>
-        </a:custGeom>
-        <a:noFill/>
-        <a:ln w="12700" cap="flat" cmpd="sng" algn="ctr">
-          <a:solidFill>
-            <a:schemeClr val="dk1">
-              <a:shade val="80000"/>
-              <a:hueOff val="0"/>
-              <a:satOff val="0"/>
-              <a:lumOff val="0"/>
-              <a:alphaOff val="0"/>
-            </a:schemeClr>
-          </a:solidFill>
-          <a:prstDash val="solid"/>
-          <a:miter lim="800000"/>
-        </a:ln>
-        <a:effectLst/>
-      </dsp:spPr>
-      <dsp:style>
-        <a:lnRef idx="2">
-          <a:scrgbClr r="0" g="0" b="0"/>
-        </a:lnRef>
-        <a:fillRef idx="0">
-          <a:scrgbClr r="0" g="0" b="0"/>
-        </a:fillRef>
-        <a:effectRef idx="0">
-          <a:scrgbClr r="0" g="0" b="0"/>
-        </a:effectRef>
-        <a:fontRef idx="minor"/>
-      </dsp:style>
-    </dsp:sp>
-    <dsp:sp modelId="{59C2AEFA-F3D3-4577-B739-96327D3CC6C4}">
-      <dsp:nvSpPr>
-        <dsp:cNvPr id="0" name=""/>
-        <dsp:cNvSpPr/>
-      </dsp:nvSpPr>
-      <dsp:spPr>
-        <a:xfrm>
-          <a:off x="4808215" y="3456104"/>
-          <a:ext cx="1849265" cy="1232843"/>
-        </a:xfrm>
-        <a:prstGeom prst="roundRect">
-          <a:avLst>
-            <a:gd name="adj" fmla="val 10000"/>
-          </a:avLst>
-        </a:prstGeom>
-        <a:solidFill>
-          <a:schemeClr val="lt1">
-            <a:hueOff val="0"/>
-            <a:satOff val="0"/>
-            <a:lumOff val="0"/>
-            <a:alphaOff val="0"/>
-          </a:schemeClr>
-        </a:solidFill>
-        <a:ln w="19050" cap="flat" cmpd="sng" algn="ctr">
-          <a:solidFill>
-            <a:schemeClr val="dk1">
-              <a:shade val="80000"/>
-              <a:hueOff val="0"/>
-              <a:satOff val="0"/>
-              <a:lumOff val="0"/>
-              <a:alphaOff val="0"/>
-            </a:schemeClr>
-          </a:solidFill>
-          <a:prstDash val="solid"/>
-          <a:miter lim="800000"/>
-        </a:ln>
-        <a:effectLst/>
-      </dsp:spPr>
-      <dsp:style>
-        <a:lnRef idx="3">
-          <a:scrgbClr r="0" g="0" b="0"/>
-        </a:lnRef>
-        <a:fillRef idx="1">
-          <a:scrgbClr r="0" g="0" b="0"/>
-        </a:fillRef>
-        <a:effectRef idx="1">
-          <a:scrgbClr r="0" g="0" b="0"/>
-        </a:effectRef>
-        <a:fontRef idx="minor">
-          <a:schemeClr val="lt1"/>
-        </a:fontRef>
-      </dsp:style>
-      <dsp:txBody>
-        <a:bodyPr spcFirstLastPara="0" vert="horz" wrap="square" lIns="64770" tIns="64770" rIns="64770" bIns="64770" numCol="1" spcCol="1270" anchor="ctr" anchorCtr="0">
-          <a:noAutofit/>
-        </a:bodyPr>
-        <a:lstStyle/>
-        <a:p>
-          <a:pPr marL="0" lvl="0" indent="0" algn="ctr" defTabSz="755650">
-            <a:lnSpc>
-              <a:spcPct val="90000"/>
-            </a:lnSpc>
-            <a:spcBef>
-              <a:spcPct val="0"/>
-            </a:spcBef>
-            <a:spcAft>
-              <a:spcPct val="35000"/>
-            </a:spcAft>
-            <a:buNone/>
-          </a:pPr>
-          <a:r>
-            <a:rPr lang="en-MY" sz="1700" kern="1200" dirty="0" err="1">
-              <a:latin typeface="Times New Roman" panose="02020603050405020304" pitchFamily="18" charset="0"/>
-              <a:cs typeface="Times New Roman" panose="02020603050405020304" pitchFamily="18" charset="0"/>
-            </a:rPr>
-            <a:t>MenuItem</a:t>
-          </a:r>
-          <a:r>
-            <a:rPr lang="en-MY" sz="1700" kern="1200" dirty="0">
-              <a:latin typeface="Times New Roman" panose="02020603050405020304" pitchFamily="18" charset="0"/>
-              <a:cs typeface="Times New Roman" panose="02020603050405020304" pitchFamily="18" charset="0"/>
-            </a:rPr>
-            <a:t> (Abstract)</a:t>
-          </a:r>
-        </a:p>
-      </dsp:txBody>
-      <dsp:txXfrm>
-        <a:off x="4844324" y="3492213"/>
-        <a:ext cx="1777047" cy="1160625"/>
-      </dsp:txXfrm>
-    </dsp:sp>
-    <dsp:sp modelId="{A5886A94-DCC9-4637-AAE2-CC597588D8E4}">
-      <dsp:nvSpPr>
-        <dsp:cNvPr id="0" name=""/>
-        <dsp:cNvSpPr/>
-      </dsp:nvSpPr>
-      <dsp:spPr>
-        <a:xfrm>
-          <a:off x="4530825" y="4688948"/>
-          <a:ext cx="1202022" cy="493137"/>
-        </a:xfrm>
-        <a:custGeom>
-          <a:avLst/>
-          <a:gdLst/>
-          <a:ahLst/>
-          <a:cxnLst/>
-          <a:rect l="0" t="0" r="0" b="0"/>
-          <a:pathLst>
-            <a:path>
-              <a:moveTo>
-                <a:pt x="1202022" y="0"/>
-              </a:moveTo>
-              <a:lnTo>
-                <a:pt x="1202022" y="246568"/>
-              </a:lnTo>
-              <a:lnTo>
-                <a:pt x="0" y="246568"/>
-              </a:lnTo>
-              <a:lnTo>
-                <a:pt x="0" y="493137"/>
-              </a:lnTo>
-            </a:path>
-          </a:pathLst>
-        </a:custGeom>
-        <a:noFill/>
-        <a:ln w="12700" cap="flat" cmpd="sng" algn="ctr">
-          <a:solidFill>
-            <a:schemeClr val="dk1">
-              <a:shade val="80000"/>
-              <a:hueOff val="0"/>
-              <a:satOff val="0"/>
-              <a:lumOff val="0"/>
-              <a:alphaOff val="0"/>
-            </a:schemeClr>
-          </a:solidFill>
-          <a:prstDash val="solid"/>
-          <a:miter lim="800000"/>
-        </a:ln>
-        <a:effectLst/>
-      </dsp:spPr>
-      <dsp:style>
-        <a:lnRef idx="2">
-          <a:scrgbClr r="0" g="0" b="0"/>
-        </a:lnRef>
-        <a:fillRef idx="0">
-          <a:scrgbClr r="0" g="0" b="0"/>
-        </a:fillRef>
-        <a:effectRef idx="0">
-          <a:scrgbClr r="0" g="0" b="0"/>
-        </a:effectRef>
-        <a:fontRef idx="minor"/>
-      </dsp:style>
-    </dsp:sp>
-    <dsp:sp modelId="{8A7F5C3D-DE6F-4E62-B7E8-C110989B4EE6}">
-      <dsp:nvSpPr>
-        <dsp:cNvPr id="0" name=""/>
-        <dsp:cNvSpPr/>
-      </dsp:nvSpPr>
-      <dsp:spPr>
-        <a:xfrm>
-          <a:off x="3606192" y="5182085"/>
-          <a:ext cx="1849265" cy="1232843"/>
-        </a:xfrm>
-        <a:prstGeom prst="roundRect">
-          <a:avLst>
-            <a:gd name="adj" fmla="val 10000"/>
-          </a:avLst>
-        </a:prstGeom>
-        <a:solidFill>
-          <a:schemeClr val="lt1">
-            <a:hueOff val="0"/>
-            <a:satOff val="0"/>
-            <a:lumOff val="0"/>
-            <a:alphaOff val="0"/>
-          </a:schemeClr>
-        </a:solidFill>
-        <a:ln w="19050" cap="flat" cmpd="sng" algn="ctr">
-          <a:solidFill>
-            <a:schemeClr val="dk1">
-              <a:shade val="80000"/>
-              <a:hueOff val="0"/>
-              <a:satOff val="0"/>
-              <a:lumOff val="0"/>
-              <a:alphaOff val="0"/>
-            </a:schemeClr>
-          </a:solidFill>
-          <a:prstDash val="solid"/>
-          <a:miter lim="800000"/>
-        </a:ln>
-        <a:effectLst/>
-      </dsp:spPr>
-      <dsp:style>
-        <a:lnRef idx="3">
-          <a:scrgbClr r="0" g="0" b="0"/>
-        </a:lnRef>
-        <a:fillRef idx="1">
-          <a:scrgbClr r="0" g="0" b="0"/>
-        </a:fillRef>
-        <a:effectRef idx="1">
-          <a:scrgbClr r="0" g="0" b="0"/>
-        </a:effectRef>
-        <a:fontRef idx="minor">
-          <a:schemeClr val="lt1"/>
-        </a:fontRef>
-      </dsp:style>
-      <dsp:txBody>
-        <a:bodyPr spcFirstLastPara="0" vert="horz" wrap="square" lIns="64770" tIns="64770" rIns="64770" bIns="64770" numCol="1" spcCol="1270" anchor="ctr" anchorCtr="0">
-          <a:noAutofit/>
-        </a:bodyPr>
-        <a:lstStyle/>
-        <a:p>
-          <a:pPr marL="0" lvl="0" indent="0" algn="ctr" defTabSz="755650">
-            <a:lnSpc>
-              <a:spcPct val="90000"/>
-            </a:lnSpc>
-            <a:spcBef>
-              <a:spcPct val="0"/>
-            </a:spcBef>
-            <a:spcAft>
-              <a:spcPct val="35000"/>
-            </a:spcAft>
-            <a:buNone/>
-          </a:pPr>
-          <a:r>
-            <a:rPr lang="en-MY" sz="1700" kern="1200" dirty="0" err="1">
-              <a:latin typeface="Times New Roman" panose="02020603050405020304" pitchFamily="18" charset="0"/>
-              <a:cs typeface="Times New Roman" panose="02020603050405020304" pitchFamily="18" charset="0"/>
-            </a:rPr>
-            <a:t>FoodItem</a:t>
-          </a:r>
-          <a:r>
-            <a:rPr lang="en-MY" sz="1700" kern="1200" dirty="0">
-              <a:latin typeface="Times New Roman" panose="02020603050405020304" pitchFamily="18" charset="0"/>
-              <a:cs typeface="Times New Roman" panose="02020603050405020304" pitchFamily="18" charset="0"/>
-            </a:rPr>
-            <a:t> (Concrete)</a:t>
-          </a:r>
-        </a:p>
-      </dsp:txBody>
-      <dsp:txXfrm>
-        <a:off x="3642301" y="5218194"/>
-        <a:ext cx="1777047" cy="1160625"/>
-      </dsp:txXfrm>
-    </dsp:sp>
-    <dsp:sp modelId="{44BB13CF-EEDE-4703-88AD-0A047DA8C4A5}">
-      <dsp:nvSpPr>
-        <dsp:cNvPr id="0" name=""/>
-        <dsp:cNvSpPr/>
-      </dsp:nvSpPr>
-      <dsp:spPr>
-        <a:xfrm>
-          <a:off x="5732847" y="4688948"/>
-          <a:ext cx="1202022" cy="493137"/>
-        </a:xfrm>
-        <a:custGeom>
-          <a:avLst/>
-          <a:gdLst/>
-          <a:ahLst/>
-          <a:cxnLst/>
-          <a:rect l="0" t="0" r="0" b="0"/>
-          <a:pathLst>
-            <a:path>
-              <a:moveTo>
-                <a:pt x="0" y="0"/>
-              </a:moveTo>
-              <a:lnTo>
-                <a:pt x="0" y="246568"/>
-              </a:lnTo>
-              <a:lnTo>
-                <a:pt x="1202022" y="246568"/>
-              </a:lnTo>
-              <a:lnTo>
-                <a:pt x="1202022" y="493137"/>
-              </a:lnTo>
-            </a:path>
-          </a:pathLst>
-        </a:custGeom>
-        <a:noFill/>
-        <a:ln w="12700" cap="flat" cmpd="sng" algn="ctr">
-          <a:solidFill>
-            <a:schemeClr val="dk1">
-              <a:shade val="80000"/>
-              <a:hueOff val="0"/>
-              <a:satOff val="0"/>
-              <a:lumOff val="0"/>
-              <a:alphaOff val="0"/>
-            </a:schemeClr>
-          </a:solidFill>
-          <a:prstDash val="solid"/>
-          <a:miter lim="800000"/>
-        </a:ln>
-        <a:effectLst/>
-      </dsp:spPr>
-      <dsp:style>
-        <a:lnRef idx="2">
-          <a:scrgbClr r="0" g="0" b="0"/>
-        </a:lnRef>
-        <a:fillRef idx="0">
-          <a:scrgbClr r="0" g="0" b="0"/>
-        </a:fillRef>
-        <a:effectRef idx="0">
-          <a:scrgbClr r="0" g="0" b="0"/>
-        </a:effectRef>
-        <a:fontRef idx="minor"/>
-      </dsp:style>
-    </dsp:sp>
-    <dsp:sp modelId="{0FEB98A7-8A33-4B3C-BD1E-B7DA5F68BCC4}">
-      <dsp:nvSpPr>
-        <dsp:cNvPr id="0" name=""/>
-        <dsp:cNvSpPr/>
-      </dsp:nvSpPr>
-      <dsp:spPr>
-        <a:xfrm>
-          <a:off x="6010237" y="5182085"/>
-          <a:ext cx="1849265" cy="1232843"/>
-        </a:xfrm>
-        <a:prstGeom prst="roundRect">
-          <a:avLst>
-            <a:gd name="adj" fmla="val 10000"/>
-          </a:avLst>
-        </a:prstGeom>
-        <a:solidFill>
-          <a:schemeClr val="lt1">
-            <a:hueOff val="0"/>
-            <a:satOff val="0"/>
-            <a:lumOff val="0"/>
-            <a:alphaOff val="0"/>
-          </a:schemeClr>
-        </a:solidFill>
-        <a:ln w="19050" cap="flat" cmpd="sng" algn="ctr">
-          <a:solidFill>
-            <a:schemeClr val="dk1">
-              <a:shade val="80000"/>
-              <a:hueOff val="0"/>
-              <a:satOff val="0"/>
-              <a:lumOff val="0"/>
-              <a:alphaOff val="0"/>
-            </a:schemeClr>
-          </a:solidFill>
-          <a:prstDash val="solid"/>
-          <a:miter lim="800000"/>
-        </a:ln>
-        <a:effectLst/>
-      </dsp:spPr>
-      <dsp:style>
-        <a:lnRef idx="3">
-          <a:scrgbClr r="0" g="0" b="0"/>
-        </a:lnRef>
-        <a:fillRef idx="1">
-          <a:scrgbClr r="0" g="0" b="0"/>
-        </a:fillRef>
-        <a:effectRef idx="1">
-          <a:scrgbClr r="0" g="0" b="0"/>
-        </a:effectRef>
-        <a:fontRef idx="minor">
-          <a:schemeClr val="lt1"/>
-        </a:fontRef>
-      </dsp:style>
-      <dsp:txBody>
-        <a:bodyPr spcFirstLastPara="0" vert="horz" wrap="square" lIns="64770" tIns="64770" rIns="64770" bIns="64770" numCol="1" spcCol="1270" anchor="ctr" anchorCtr="0">
-          <a:noAutofit/>
-        </a:bodyPr>
-        <a:lstStyle/>
-        <a:p>
-          <a:pPr marL="0" lvl="0" indent="0" algn="ctr" defTabSz="755650">
-            <a:lnSpc>
-              <a:spcPct val="90000"/>
-            </a:lnSpc>
-            <a:spcBef>
-              <a:spcPct val="0"/>
-            </a:spcBef>
-            <a:spcAft>
-              <a:spcPct val="35000"/>
-            </a:spcAft>
-            <a:buNone/>
-          </a:pPr>
-          <a:r>
-            <a:rPr lang="en-MY" sz="1700" kern="1200" dirty="0" err="1">
-              <a:latin typeface="Times New Roman" panose="02020603050405020304" pitchFamily="18" charset="0"/>
-              <a:cs typeface="Times New Roman" panose="02020603050405020304" pitchFamily="18" charset="0"/>
-            </a:rPr>
-            <a:t>DrinkItem</a:t>
-          </a:r>
-          <a:r>
-            <a:rPr lang="en-MY" sz="1700" kern="1200" dirty="0">
-              <a:latin typeface="Times New Roman" panose="02020603050405020304" pitchFamily="18" charset="0"/>
-              <a:cs typeface="Times New Roman" panose="02020603050405020304" pitchFamily="18" charset="0"/>
-            </a:rPr>
-            <a:t> (Concrete)</a:t>
-          </a:r>
-        </a:p>
-      </dsp:txBody>
-      <dsp:txXfrm>
-        <a:off x="6046346" y="5218194"/>
-        <a:ext cx="1777047" cy="1160625"/>
-      </dsp:txXfrm>
-    </dsp:sp>
-    <dsp:sp modelId="{C91F5CF1-4D3B-4234-857D-3406F9B5F817}">
-      <dsp:nvSpPr>
-        <dsp:cNvPr id="0" name=""/>
-        <dsp:cNvSpPr/>
-      </dsp:nvSpPr>
-      <dsp:spPr>
-        <a:xfrm>
-          <a:off x="5131836" y="1236986"/>
-          <a:ext cx="3005056" cy="493137"/>
-        </a:xfrm>
-        <a:custGeom>
-          <a:avLst/>
-          <a:gdLst/>
-          <a:ahLst/>
-          <a:cxnLst/>
-          <a:rect l="0" t="0" r="0" b="0"/>
-          <a:pathLst>
-            <a:path>
-              <a:moveTo>
-                <a:pt x="0" y="0"/>
-              </a:moveTo>
-              <a:lnTo>
-                <a:pt x="0" y="246568"/>
-              </a:lnTo>
-              <a:lnTo>
-                <a:pt x="3005056" y="246568"/>
-              </a:lnTo>
-              <a:lnTo>
-                <a:pt x="3005056" y="493137"/>
+                <a:pt x="45720" y="2186185"/>
               </a:lnTo>
             </a:path>
           </a:pathLst>
@@ -2680,99 +1869,15 @@
         <a:fontRef idx="minor"/>
       </dsp:style>
     </dsp:sp>
-    <dsp:sp modelId="{7BABA9C4-1971-4E1F-A7B8-05F6991041D4}">
+    <dsp:sp modelId="{68A4D1E3-F4B1-420E-BAFE-B29BD253EE1F}">
       <dsp:nvSpPr>
         <dsp:cNvPr id="0" name=""/>
         <dsp:cNvSpPr/>
       </dsp:nvSpPr>
       <dsp:spPr>
         <a:xfrm>
-          <a:off x="7212259" y="1730123"/>
-          <a:ext cx="1849265" cy="1232843"/>
-        </a:xfrm>
-        <a:prstGeom prst="roundRect">
-          <a:avLst>
-            <a:gd name="adj" fmla="val 10000"/>
-          </a:avLst>
-        </a:prstGeom>
-        <a:solidFill>
-          <a:schemeClr val="lt1">
-            <a:hueOff val="0"/>
-            <a:satOff val="0"/>
-            <a:lumOff val="0"/>
-            <a:alphaOff val="0"/>
-          </a:schemeClr>
-        </a:solidFill>
-        <a:ln w="19050" cap="flat" cmpd="sng" algn="ctr">
-          <a:solidFill>
-            <a:schemeClr val="dk1">
-              <a:shade val="80000"/>
-              <a:hueOff val="0"/>
-              <a:satOff val="0"/>
-              <a:lumOff val="0"/>
-              <a:alphaOff val="0"/>
-            </a:schemeClr>
-          </a:solidFill>
-          <a:prstDash val="solid"/>
-          <a:miter lim="800000"/>
-        </a:ln>
-        <a:effectLst/>
-      </dsp:spPr>
-      <dsp:style>
-        <a:lnRef idx="3">
-          <a:scrgbClr r="0" g="0" b="0"/>
-        </a:lnRef>
-        <a:fillRef idx="1">
-          <a:scrgbClr r="0" g="0" b="0"/>
-        </a:fillRef>
-        <a:effectRef idx="1">
-          <a:scrgbClr r="0" g="0" b="0"/>
-        </a:effectRef>
-        <a:fontRef idx="minor">
-          <a:schemeClr val="lt1"/>
-        </a:fontRef>
-      </dsp:style>
-      <dsp:txBody>
-        <a:bodyPr spcFirstLastPara="0" vert="horz" wrap="square" lIns="64770" tIns="64770" rIns="64770" bIns="64770" numCol="1" spcCol="1270" anchor="ctr" anchorCtr="0">
-          <a:noAutofit/>
-        </a:bodyPr>
-        <a:lstStyle/>
-        <a:p>
-          <a:pPr marL="0" lvl="0" indent="0" algn="ctr" defTabSz="755650">
-            <a:lnSpc>
-              <a:spcPct val="90000"/>
-            </a:lnSpc>
-            <a:spcBef>
-              <a:spcPct val="0"/>
-            </a:spcBef>
-            <a:spcAft>
-              <a:spcPct val="35000"/>
-            </a:spcAft>
-            <a:buNone/>
-          </a:pPr>
-          <a:r>
-            <a:rPr lang="en-MY" sz="1700" kern="1200" dirty="0">
-              <a:latin typeface="Times New Roman" panose="02020603050405020304" pitchFamily="18" charset="0"/>
-              <a:cs typeface="Times New Roman" panose="02020603050405020304" pitchFamily="18" charset="0"/>
-            </a:rPr>
-            <a:t>Cart (Concrete)</a:t>
-          </a:r>
-        </a:p>
-      </dsp:txBody>
-      <dsp:txXfrm>
-        <a:off x="7248368" y="1766232"/>
-        <a:ext cx="1777047" cy="1160625"/>
-      </dsp:txXfrm>
-    </dsp:sp>
-    <dsp:sp modelId="{51C24B39-11A7-4F13-BDDB-C52CBDEADE22}">
-      <dsp:nvSpPr>
-        <dsp:cNvPr id="0" name=""/>
-        <dsp:cNvSpPr/>
-      </dsp:nvSpPr>
-      <dsp:spPr>
-        <a:xfrm>
-          <a:off x="8091172" y="2962967"/>
-          <a:ext cx="91440" cy="493137"/>
+          <a:off x="1188690" y="1616240"/>
+          <a:ext cx="2875309" cy="2186185"/>
         </a:xfrm>
         <a:custGeom>
           <a:avLst/>
@@ -2783,10 +1888,16 @@
           <a:pathLst>
             <a:path>
               <a:moveTo>
-                <a:pt x="45720" y="0"/>
+                <a:pt x="2875309" y="0"/>
               </a:moveTo>
               <a:lnTo>
-                <a:pt x="45720" y="493137"/>
+                <a:pt x="2875309" y="1936675"/>
+              </a:lnTo>
+              <a:lnTo>
+                <a:pt x="0" y="1936675"/>
+              </a:lnTo>
+              <a:lnTo>
+                <a:pt x="0" y="2186185"/>
               </a:lnTo>
             </a:path>
           </a:pathLst>
@@ -2795,7 +1906,7 @@
         <a:ln w="12700" cap="flat" cmpd="sng" algn="ctr">
           <a:solidFill>
             <a:schemeClr val="dk1">
-              <a:shade val="80000"/>
+              <a:shade val="60000"/>
               <a:hueOff val="0"/>
               <a:satOff val="0"/>
               <a:lumOff val="0"/>
@@ -2820,20 +1931,18 @@
         <a:fontRef idx="minor"/>
       </dsp:style>
     </dsp:sp>
-    <dsp:sp modelId="{53FB07A7-C54F-4525-A696-9D4A9815A289}">
+    <dsp:sp modelId="{D169C719-7532-4B56-A08A-AFF2E416D8CF}">
       <dsp:nvSpPr>
         <dsp:cNvPr id="0" name=""/>
         <dsp:cNvSpPr/>
       </dsp:nvSpPr>
       <dsp:spPr>
         <a:xfrm>
-          <a:off x="7212259" y="3456104"/>
-          <a:ext cx="1849265" cy="1232843"/>
+          <a:off x="2875855" y="428096"/>
+          <a:ext cx="2376289" cy="1188144"/>
         </a:xfrm>
-        <a:prstGeom prst="roundRect">
-          <a:avLst>
-            <a:gd name="adj" fmla="val 10000"/>
-          </a:avLst>
+        <a:prstGeom prst="rect">
+          <a:avLst/>
         </a:prstGeom>
         <a:solidFill>
           <a:schemeClr val="lt1">
@@ -2843,7 +1952,7 @@
             <a:alphaOff val="0"/>
           </a:schemeClr>
         </a:solidFill>
-        <a:ln w="19050" cap="flat" cmpd="sng" algn="ctr">
+        <a:ln w="12700" cap="flat" cmpd="sng" algn="ctr">
           <a:solidFill>
             <a:schemeClr val="dk1">
               <a:shade val="80000"/>
@@ -2859,13 +1968,13 @@
         <a:effectLst/>
       </dsp:spPr>
       <dsp:style>
-        <a:lnRef idx="3">
+        <a:lnRef idx="2">
           <a:scrgbClr r="0" g="0" b="0"/>
         </a:lnRef>
         <a:fillRef idx="1">
           <a:scrgbClr r="0" g="0" b="0"/>
         </a:fillRef>
-        <a:effectRef idx="1">
+        <a:effectRef idx="0">
           <a:scrgbClr r="0" g="0" b="0"/>
         </a:effectRef>
         <a:fontRef idx="minor">
@@ -2873,12 +1982,12 @@
         </a:fontRef>
       </dsp:style>
       <dsp:txBody>
-        <a:bodyPr spcFirstLastPara="0" vert="horz" wrap="square" lIns="64770" tIns="64770" rIns="64770" bIns="64770" numCol="1" spcCol="1270" anchor="ctr" anchorCtr="0">
+        <a:bodyPr spcFirstLastPara="0" vert="horz" wrap="square" lIns="41275" tIns="41275" rIns="41275" bIns="41275" numCol="1" spcCol="1270" anchor="ctr" anchorCtr="0">
           <a:noAutofit/>
         </a:bodyPr>
         <a:lstStyle/>
         <a:p>
-          <a:pPr marL="0" lvl="0" indent="0" algn="ctr" defTabSz="755650">
+          <a:pPr marL="0" lvl="0" indent="0" algn="ctr" defTabSz="2889250">
             <a:lnSpc>
               <a:spcPct val="90000"/>
             </a:lnSpc>
@@ -2890,25 +1999,316 @@
             </a:spcAft>
             <a:buNone/>
           </a:pPr>
-          <a:r>
-            <a:rPr lang="en-MY" sz="1700" kern="1200" dirty="0" err="1">
-              <a:latin typeface="Times New Roman" panose="02020603050405020304" pitchFamily="18" charset="0"/>
-              <a:cs typeface="Times New Roman" panose="02020603050405020304" pitchFamily="18" charset="0"/>
-            </a:rPr>
-            <a:t>CartItem</a:t>
-          </a:r>
-          <a:r>
-            <a:rPr lang="en-MY" sz="1700" kern="1200" dirty="0">
-              <a:latin typeface="Times New Roman" panose="02020603050405020304" pitchFamily="18" charset="0"/>
-              <a:cs typeface="Times New Roman" panose="02020603050405020304" pitchFamily="18" charset="0"/>
-            </a:rPr>
-            <a:t> (Concrete) </a:t>
-          </a:r>
+          <a:endParaRPr lang="en-MY" sz="6500" kern="1200"/>
         </a:p>
       </dsp:txBody>
       <dsp:txXfrm>
-        <a:off x="7248368" y="3492213"/>
-        <a:ext cx="1777047" cy="1160625"/>
+        <a:off x="2875855" y="428096"/>
+        <a:ext cx="2376289" cy="1188144"/>
+      </dsp:txXfrm>
+    </dsp:sp>
+    <dsp:sp modelId="{EF84E8AF-2C01-46BE-9346-FDFE6D3B5326}">
+      <dsp:nvSpPr>
+        <dsp:cNvPr id="0" name=""/>
+        <dsp:cNvSpPr/>
+      </dsp:nvSpPr>
+      <dsp:spPr>
+        <a:xfrm>
+          <a:off x="545" y="3802426"/>
+          <a:ext cx="2376289" cy="1188144"/>
+        </a:xfrm>
+        <a:prstGeom prst="rect">
+          <a:avLst/>
+        </a:prstGeom>
+        <a:solidFill>
+          <a:schemeClr val="lt1">
+            <a:hueOff val="0"/>
+            <a:satOff val="0"/>
+            <a:lumOff val="0"/>
+            <a:alphaOff val="0"/>
+          </a:schemeClr>
+        </a:solidFill>
+        <a:ln w="12700" cap="flat" cmpd="sng" algn="ctr">
+          <a:solidFill>
+            <a:schemeClr val="dk1">
+              <a:shade val="80000"/>
+              <a:hueOff val="0"/>
+              <a:satOff val="0"/>
+              <a:lumOff val="0"/>
+              <a:alphaOff val="0"/>
+            </a:schemeClr>
+          </a:solidFill>
+          <a:prstDash val="solid"/>
+          <a:miter lim="800000"/>
+        </a:ln>
+        <a:effectLst/>
+      </dsp:spPr>
+      <dsp:style>
+        <a:lnRef idx="2">
+          <a:scrgbClr r="0" g="0" b="0"/>
+        </a:lnRef>
+        <a:fillRef idx="1">
+          <a:scrgbClr r="0" g="0" b="0"/>
+        </a:fillRef>
+        <a:effectRef idx="0">
+          <a:scrgbClr r="0" g="0" b="0"/>
+        </a:effectRef>
+        <a:fontRef idx="minor">
+          <a:schemeClr val="lt1"/>
+        </a:fontRef>
+      </dsp:style>
+      <dsp:txBody>
+        <a:bodyPr spcFirstLastPara="0" vert="horz" wrap="square" lIns="41275" tIns="41275" rIns="41275" bIns="41275" numCol="1" spcCol="1270" anchor="ctr" anchorCtr="0">
+          <a:noAutofit/>
+        </a:bodyPr>
+        <a:lstStyle/>
+        <a:p>
+          <a:pPr marL="0" lvl="0" indent="0" algn="ctr" defTabSz="2889250">
+            <a:lnSpc>
+              <a:spcPct val="90000"/>
+            </a:lnSpc>
+            <a:spcBef>
+              <a:spcPct val="0"/>
+            </a:spcBef>
+            <a:spcAft>
+              <a:spcPct val="35000"/>
+            </a:spcAft>
+            <a:buNone/>
+          </a:pPr>
+          <a:endParaRPr lang="en-MY" sz="6500" kern="1200"/>
+        </a:p>
+      </dsp:txBody>
+      <dsp:txXfrm>
+        <a:off x="545" y="3802426"/>
+        <a:ext cx="2376289" cy="1188144"/>
+      </dsp:txXfrm>
+    </dsp:sp>
+    <dsp:sp modelId="{C7D9D3EA-C461-45F1-B272-104D32D62E7D}">
+      <dsp:nvSpPr>
+        <dsp:cNvPr id="0" name=""/>
+        <dsp:cNvSpPr/>
+      </dsp:nvSpPr>
+      <dsp:spPr>
+        <a:xfrm>
+          <a:off x="2875855" y="3802426"/>
+          <a:ext cx="2376289" cy="1188144"/>
+        </a:xfrm>
+        <a:prstGeom prst="rect">
+          <a:avLst/>
+        </a:prstGeom>
+        <a:solidFill>
+          <a:schemeClr val="lt1">
+            <a:hueOff val="0"/>
+            <a:satOff val="0"/>
+            <a:lumOff val="0"/>
+            <a:alphaOff val="0"/>
+          </a:schemeClr>
+        </a:solidFill>
+        <a:ln w="12700" cap="flat" cmpd="sng" algn="ctr">
+          <a:solidFill>
+            <a:schemeClr val="dk1">
+              <a:shade val="80000"/>
+              <a:hueOff val="0"/>
+              <a:satOff val="0"/>
+              <a:lumOff val="0"/>
+              <a:alphaOff val="0"/>
+            </a:schemeClr>
+          </a:solidFill>
+          <a:prstDash val="solid"/>
+          <a:miter lim="800000"/>
+        </a:ln>
+        <a:effectLst/>
+      </dsp:spPr>
+      <dsp:style>
+        <a:lnRef idx="2">
+          <a:scrgbClr r="0" g="0" b="0"/>
+        </a:lnRef>
+        <a:fillRef idx="1">
+          <a:scrgbClr r="0" g="0" b="0"/>
+        </a:fillRef>
+        <a:effectRef idx="0">
+          <a:scrgbClr r="0" g="0" b="0"/>
+        </a:effectRef>
+        <a:fontRef idx="minor">
+          <a:schemeClr val="lt1"/>
+        </a:fontRef>
+      </dsp:style>
+      <dsp:txBody>
+        <a:bodyPr spcFirstLastPara="0" vert="horz" wrap="square" lIns="41275" tIns="41275" rIns="41275" bIns="41275" numCol="1" spcCol="1270" anchor="ctr" anchorCtr="0">
+          <a:noAutofit/>
+        </a:bodyPr>
+        <a:lstStyle/>
+        <a:p>
+          <a:pPr marL="0" lvl="0" indent="0" algn="ctr" defTabSz="2889250">
+            <a:lnSpc>
+              <a:spcPct val="90000"/>
+            </a:lnSpc>
+            <a:spcBef>
+              <a:spcPct val="0"/>
+            </a:spcBef>
+            <a:spcAft>
+              <a:spcPct val="35000"/>
+            </a:spcAft>
+            <a:buNone/>
+          </a:pPr>
+          <a:endParaRPr lang="en-MY" sz="6500" kern="1200"/>
+        </a:p>
+      </dsp:txBody>
+      <dsp:txXfrm>
+        <a:off x="2875855" y="3802426"/>
+        <a:ext cx="2376289" cy="1188144"/>
+      </dsp:txXfrm>
+    </dsp:sp>
+    <dsp:sp modelId="{8E85BE05-91FC-430B-86CA-952B212026C7}">
+      <dsp:nvSpPr>
+        <dsp:cNvPr id="0" name=""/>
+        <dsp:cNvSpPr/>
+      </dsp:nvSpPr>
+      <dsp:spPr>
+        <a:xfrm>
+          <a:off x="5751165" y="3802426"/>
+          <a:ext cx="2376289" cy="1188144"/>
+        </a:xfrm>
+        <a:prstGeom prst="rect">
+          <a:avLst/>
+        </a:prstGeom>
+        <a:solidFill>
+          <a:schemeClr val="lt1">
+            <a:hueOff val="0"/>
+            <a:satOff val="0"/>
+            <a:lumOff val="0"/>
+            <a:alphaOff val="0"/>
+          </a:schemeClr>
+        </a:solidFill>
+        <a:ln w="12700" cap="flat" cmpd="sng" algn="ctr">
+          <a:solidFill>
+            <a:schemeClr val="dk1">
+              <a:shade val="80000"/>
+              <a:hueOff val="0"/>
+              <a:satOff val="0"/>
+              <a:lumOff val="0"/>
+              <a:alphaOff val="0"/>
+            </a:schemeClr>
+          </a:solidFill>
+          <a:prstDash val="solid"/>
+          <a:miter lim="800000"/>
+        </a:ln>
+        <a:effectLst/>
+      </dsp:spPr>
+      <dsp:style>
+        <a:lnRef idx="2">
+          <a:scrgbClr r="0" g="0" b="0"/>
+        </a:lnRef>
+        <a:fillRef idx="1">
+          <a:scrgbClr r="0" g="0" b="0"/>
+        </a:fillRef>
+        <a:effectRef idx="0">
+          <a:scrgbClr r="0" g="0" b="0"/>
+        </a:effectRef>
+        <a:fontRef idx="minor">
+          <a:schemeClr val="lt1"/>
+        </a:fontRef>
+      </dsp:style>
+      <dsp:txBody>
+        <a:bodyPr spcFirstLastPara="0" vert="horz" wrap="square" lIns="41275" tIns="41275" rIns="41275" bIns="41275" numCol="1" spcCol="1270" anchor="ctr" anchorCtr="0">
+          <a:noAutofit/>
+        </a:bodyPr>
+        <a:lstStyle/>
+        <a:p>
+          <a:pPr marL="0" lvl="0" indent="0" algn="ctr" defTabSz="2889250">
+            <a:lnSpc>
+              <a:spcPct val="90000"/>
+            </a:lnSpc>
+            <a:spcBef>
+              <a:spcPct val="0"/>
+            </a:spcBef>
+            <a:spcAft>
+              <a:spcPct val="35000"/>
+            </a:spcAft>
+            <a:buNone/>
+          </a:pPr>
+          <a:endParaRPr lang="en-MY" sz="6500" kern="1200"/>
+        </a:p>
+      </dsp:txBody>
+      <dsp:txXfrm>
+        <a:off x="5751165" y="3802426"/>
+        <a:ext cx="2376289" cy="1188144"/>
+      </dsp:txXfrm>
+    </dsp:sp>
+    <dsp:sp modelId="{40E9178B-7B83-442E-8D5D-82C4C598043F}">
+      <dsp:nvSpPr>
+        <dsp:cNvPr id="0" name=""/>
+        <dsp:cNvSpPr/>
+      </dsp:nvSpPr>
+      <dsp:spPr>
+        <a:xfrm>
+          <a:off x="1438200" y="2115261"/>
+          <a:ext cx="2376289" cy="1188144"/>
+        </a:xfrm>
+        <a:prstGeom prst="rect">
+          <a:avLst/>
+        </a:prstGeom>
+        <a:solidFill>
+          <a:schemeClr val="lt1">
+            <a:hueOff val="0"/>
+            <a:satOff val="0"/>
+            <a:lumOff val="0"/>
+            <a:alphaOff val="0"/>
+          </a:schemeClr>
+        </a:solidFill>
+        <a:ln w="12700" cap="flat" cmpd="sng" algn="ctr">
+          <a:solidFill>
+            <a:schemeClr val="dk1">
+              <a:shade val="80000"/>
+              <a:hueOff val="0"/>
+              <a:satOff val="0"/>
+              <a:lumOff val="0"/>
+              <a:alphaOff val="0"/>
+            </a:schemeClr>
+          </a:solidFill>
+          <a:prstDash val="solid"/>
+          <a:miter lim="800000"/>
+        </a:ln>
+        <a:effectLst/>
+      </dsp:spPr>
+      <dsp:style>
+        <a:lnRef idx="2">
+          <a:scrgbClr r="0" g="0" b="0"/>
+        </a:lnRef>
+        <a:fillRef idx="1">
+          <a:scrgbClr r="0" g="0" b="0"/>
+        </a:fillRef>
+        <a:effectRef idx="0">
+          <a:scrgbClr r="0" g="0" b="0"/>
+        </a:effectRef>
+        <a:fontRef idx="minor">
+          <a:schemeClr val="lt1"/>
+        </a:fontRef>
+      </dsp:style>
+      <dsp:txBody>
+        <a:bodyPr spcFirstLastPara="0" vert="horz" wrap="square" lIns="41275" tIns="41275" rIns="41275" bIns="41275" numCol="1" spcCol="1270" anchor="ctr" anchorCtr="0">
+          <a:noAutofit/>
+        </a:bodyPr>
+        <a:lstStyle/>
+        <a:p>
+          <a:pPr marL="0" lvl="0" indent="0" algn="ctr" defTabSz="2889250">
+            <a:lnSpc>
+              <a:spcPct val="90000"/>
+            </a:lnSpc>
+            <a:spcBef>
+              <a:spcPct val="0"/>
+            </a:spcBef>
+            <a:spcAft>
+              <a:spcPct val="35000"/>
+            </a:spcAft>
+            <a:buNone/>
+          </a:pPr>
+          <a:endParaRPr lang="en-MY" sz="6500" kern="1200"/>
+        </a:p>
+      </dsp:txBody>
+      <dsp:txXfrm>
+        <a:off x="1438200" y="2115261"/>
+        <a:ext cx="2376289" cy="1188144"/>
       </dsp:txXfrm>
     </dsp:sp>
   </dsp:spTree>
@@ -2916,11 +2316,12 @@
 </file>
 
 <file path=ppt/diagrams/layout1.xml><?xml version="1.0" encoding="utf-8"?>
-<dgm:layoutDef xmlns:dgm="http://schemas.openxmlformats.org/drawingml/2006/diagram" xmlns:a="http://schemas.openxmlformats.org/drawingml/2006/main" uniqueId="urn:microsoft.com/office/officeart/2005/8/layout/hierarchy6">
+<dgm:layoutDef xmlns:dgm="http://schemas.openxmlformats.org/drawingml/2006/diagram" xmlns:a="http://schemas.openxmlformats.org/drawingml/2006/main" uniqueId="urn:microsoft.com/office/officeart/2005/8/layout/orgChart1">
   <dgm:title val=""/>
   <dgm:desc val=""/>
   <dgm:catLst>
-    <dgm:cat type="hierarchy" pri="3000"/>
+    <dgm:cat type="hierarchy" pri="1000"/>
+    <dgm:cat type="convert" pri="6000"/>
   </dgm:catLst>
   <dgm:sampData>
     <dgm:dataModel>
@@ -2929,19 +2330,10 @@
         <dgm:pt modelId="1">
           <dgm:prSet phldr="1"/>
         </dgm:pt>
-        <dgm:pt modelId="2">
-          <dgm:prSet phldr="1"/>
-        </dgm:pt>
-        <dgm:pt modelId="21">
-          <dgm:prSet phldr="1"/>
-        </dgm:pt>
-        <dgm:pt modelId="22">
+        <dgm:pt modelId="2" type="asst">
           <dgm:prSet phldr="1"/>
         </dgm:pt>
         <dgm:pt modelId="3">
-          <dgm:prSet phldr="1"/>
-        </dgm:pt>
-        <dgm:pt modelId="31">
           <dgm:prSet phldr="1"/>
         </dgm:pt>
         <dgm:pt modelId="4">
@@ -2950,20 +2342,13 @@
         <dgm:pt modelId="5">
           <dgm:prSet phldr="1"/>
         </dgm:pt>
-        <dgm:pt modelId="6">
-          <dgm:prSet phldr="1"/>
-        </dgm:pt>
       </dgm:ptLst>
       <dgm:cxnLst>
-        <dgm:cxn modelId="7" srcId="0" destId="1" srcOrd="0" destOrd="0"/>
-        <dgm:cxn modelId="8" srcId="1" destId="2" srcOrd="0" destOrd="0"/>
-        <dgm:cxn modelId="9" srcId="1" destId="3" srcOrd="1" destOrd="0"/>
-        <dgm:cxn modelId="23" srcId="2" destId="21" srcOrd="0" destOrd="0"/>
-        <dgm:cxn modelId="24" srcId="2" destId="22" srcOrd="1" destOrd="0"/>
-        <dgm:cxn modelId="33" srcId="3" destId="31" srcOrd="0" destOrd="0"/>
-        <dgm:cxn modelId="10" srcId="0" destId="4" srcOrd="1" destOrd="0"/>
-        <dgm:cxn modelId="11" srcId="0" destId="5" srcOrd="2" destOrd="0"/>
-        <dgm:cxn modelId="12" srcId="0" destId="6" srcOrd="3" destOrd="0"/>
+        <dgm:cxn modelId="5" srcId="0" destId="1" srcOrd="0" destOrd="0"/>
+        <dgm:cxn modelId="6" srcId="1" destId="2" srcOrd="0" destOrd="0"/>
+        <dgm:cxn modelId="7" srcId="1" destId="3" srcOrd="1" destOrd="0"/>
+        <dgm:cxn modelId="8" srcId="1" destId="4" srcOrd="2" destOrd="0"/>
+        <dgm:cxn modelId="9" srcId="1" destId="5" srcOrd="3" destOrd="0"/>
       </dgm:cxnLst>
       <dgm:bg/>
       <dgm:whole/>
@@ -2974,17 +2359,13 @@
       <dgm:ptLst>
         <dgm:pt modelId="0" type="doc"/>
         <dgm:pt modelId="1"/>
-        <dgm:pt modelId="11"/>
         <dgm:pt modelId="12"/>
-        <dgm:pt modelId="2"/>
-        <dgm:pt modelId="3"/>
+        <dgm:pt modelId="13"/>
       </dgm:ptLst>
       <dgm:cxnLst>
-        <dgm:cxn modelId="4" srcId="0" destId="1" srcOrd="0" destOrd="0"/>
-        <dgm:cxn modelId="13" srcId="1" destId="11" srcOrd="0" destOrd="0"/>
-        <dgm:cxn modelId="14" srcId="1" destId="12" srcOrd="1" destOrd="0"/>
-        <dgm:cxn modelId="5" srcId="0" destId="2" srcOrd="1" destOrd="0"/>
-        <dgm:cxn modelId="6" srcId="0" destId="3" srcOrd="2" destOrd="0"/>
+        <dgm:cxn modelId="2" srcId="0" destId="1" srcOrd="0" destOrd="0"/>
+        <dgm:cxn modelId="16" srcId="1" destId="12" srcOrd="1" destOrd="0"/>
+        <dgm:cxn modelId="17" srcId="1" destId="13" srcOrd="2" destOrd="0"/>
       </dgm:cxnLst>
       <dgm:bg/>
       <dgm:whole/>
@@ -2995,443 +2376,1097 @@
       <dgm:ptLst>
         <dgm:pt modelId="0" type="doc"/>
         <dgm:pt modelId="1"/>
-        <dgm:pt modelId="2"/>
-        <dgm:pt modelId="21"/>
-        <dgm:pt modelId="211"/>
-        <dgm:pt modelId="3"/>
-        <dgm:pt modelId="31"/>
-        <dgm:pt modelId="311"/>
-        <dgm:pt modelId="4"/>
-        <dgm:pt modelId="5"/>
-        <dgm:pt modelId="6"/>
-        <dgm:pt modelId="7"/>
+        <dgm:pt modelId="11" type="asst"/>
+        <dgm:pt modelId="12"/>
+        <dgm:pt modelId="13"/>
+        <dgm:pt modelId="14"/>
       </dgm:ptLst>
       <dgm:cxnLst>
-        <dgm:cxn modelId="8" srcId="0" destId="1" srcOrd="0" destOrd="0"/>
-        <dgm:cxn modelId="9" srcId="1" destId="2" srcOrd="0" destOrd="0"/>
-        <dgm:cxn modelId="10" srcId="1" destId="3" srcOrd="1" destOrd="0"/>
-        <dgm:cxn modelId="23" srcId="2" destId="21" srcOrd="0" destOrd="0"/>
-        <dgm:cxn modelId="24" srcId="21" destId="211" srcOrd="0" destOrd="0"/>
-        <dgm:cxn modelId="33" srcId="3" destId="31" srcOrd="0" destOrd="0"/>
-        <dgm:cxn modelId="34" srcId="31" destId="311" srcOrd="0" destOrd="0"/>
-        <dgm:cxn modelId="11" srcId="0" destId="4" srcOrd="1" destOrd="0"/>
-        <dgm:cxn modelId="12" srcId="0" destId="5" srcOrd="2" destOrd="0"/>
-        <dgm:cxn modelId="13" srcId="0" destId="6" srcOrd="3" destOrd="0"/>
-        <dgm:cxn modelId="14" srcId="0" destId="7" srcOrd="4" destOrd="0"/>
+        <dgm:cxn modelId="2" srcId="0" destId="1" srcOrd="0" destOrd="0"/>
+        <dgm:cxn modelId="15" srcId="1" destId="11" srcOrd="0" destOrd="0"/>
+        <dgm:cxn modelId="16" srcId="1" destId="12" srcOrd="1" destOrd="0"/>
+        <dgm:cxn modelId="17" srcId="1" destId="13" srcOrd="2" destOrd="0"/>
+        <dgm:cxn modelId="18" srcId="1" destId="14" srcOrd="2" destOrd="0"/>
       </dgm:cxnLst>
       <dgm:bg/>
       <dgm:whole/>
     </dgm:dataModel>
   </dgm:clrData>
-  <dgm:layoutNode name="mainComposite">
+  <dgm:layoutNode name="hierChild1">
     <dgm:varLst>
+      <dgm:orgChart val="1"/>
       <dgm:chPref val="1"/>
       <dgm:dir/>
       <dgm:animOne val="branch"/>
       <dgm:animLvl val="lvl"/>
-      <dgm:resizeHandles val="exact"/>
+      <dgm:resizeHandles/>
     </dgm:varLst>
-    <dgm:alg type="composite">
-      <dgm:param type="vertAlign" val="mid"/>
-      <dgm:param type="horzAlign" val="ctr"/>
-    </dgm:alg>
+    <dgm:choose name="Name0">
+      <dgm:if name="Name1" func="var" arg="dir" op="equ" val="norm">
+        <dgm:alg type="hierChild">
+          <dgm:param type="linDir" val="fromL"/>
+        </dgm:alg>
+      </dgm:if>
+      <dgm:else name="Name2">
+        <dgm:alg type="hierChild">
+          <dgm:param type="linDir" val="fromR"/>
+        </dgm:alg>
+      </dgm:else>
+    </dgm:choose>
     <dgm:shape xmlns:r="http://schemas.openxmlformats.org/officeDocument/2006/relationships" r:blip="">
       <dgm:adjLst/>
     </dgm:shape>
     <dgm:presOf/>
-    <dgm:choose name="Name0">
-      <dgm:if name="Name1" axis="ch" ptType="node" func="cnt" op="gte" val="2">
-        <dgm:choose name="Name2">
-          <dgm:if name="Name3" func="var" arg="dir" op="equ" val="norm">
-            <dgm:constrLst>
-              <dgm:constr type="l" for="ch" forName="hierFlow" refType="w" fact="0.3"/>
-              <dgm:constr type="t" for="ch" forName="hierFlow"/>
-              <dgm:constr type="r" for="ch" forName="hierFlow" refType="w" fact="0.98"/>
-              <dgm:constr type="b" for="ch" forName="hierFlow" refType="h" fact="0.98"/>
-              <dgm:constr type="l" for="ch" forName="bgShapesFlow"/>
-              <dgm:constr type="t" for="ch" forName="bgShapesFlow"/>
-              <dgm:constr type="r" for="ch" forName="bgShapesFlow" refType="w"/>
-              <dgm:constr type="b" for="ch" forName="bgShapesFlow" refType="h"/>
-              <dgm:constr type="w" for="des" forName="level1Shape" refType="w"/>
-              <dgm:constr type="h" for="des" forName="level1Shape" refType="w" refFor="des" refForName="level1Shape" fact="0.66667"/>
-              <dgm:constr type="w" for="des" forName="level2Shape" refType="w" refFor="des" refForName="level1Shape" op="equ"/>
-              <dgm:constr type="h" for="des" forName="level2Shape" refType="h" refFor="des" refForName="level1Shape" op="equ"/>
-              <dgm:constr type="sp" for="des" refType="h" refFor="des" refForName="level1Shape" op="equ" fact="0.4"/>
-              <dgm:constr type="sibSp" for="des" forName="hierChild1" refType="w" refFor="des" refForName="level1Shape" op="equ" fact="0.3"/>
-              <dgm:constr type="sibSp" for="des" forName="hierChild2" refType="sibSp" refFor="des" refForName="hierChild1" op="equ"/>
-              <dgm:constr type="sibSp" for="des" forName="hierChild3" refType="sibSp" refFor="des" refForName="hierChild1" op="equ"/>
-              <dgm:constr type="userA" for="des" refType="h" refFor="des" refForName="level1Shape" op="equ"/>
-              <dgm:constr type="userB" for="des" refType="sp" refFor="des" op="equ"/>
-              <dgm:constr type="h" for="des" forName="firstBuf" refType="h" refFor="des" refForName="level1Shape" fact="0.1"/>
-            </dgm:constrLst>
-          </dgm:if>
-          <dgm:else name="Name4">
-            <dgm:constrLst>
-              <dgm:constr type="l" for="ch" forName="hierFlow" refType="w" fact="0.02"/>
-              <dgm:constr type="t" for="ch" forName="hierFlow"/>
-              <dgm:constr type="r" for="ch" forName="hierFlow" refType="w" fact="0.7"/>
-              <dgm:constr type="b" for="ch" forName="hierFlow" refType="h" fact="0.98"/>
-              <dgm:constr type="l" for="ch" forName="bgShapesFlow"/>
-              <dgm:constr type="t" for="ch" forName="bgShapesFlow"/>
-              <dgm:constr type="r" for="ch" forName="bgShapesFlow" refType="w"/>
-              <dgm:constr type="b" for="ch" forName="bgShapesFlow" refType="h"/>
-              <dgm:constr type="w" for="des" forName="level1Shape" refType="w"/>
-              <dgm:constr type="h" for="des" forName="level1Shape" refType="w" refFor="des" refForName="level1Shape" fact="0.66667"/>
-              <dgm:constr type="w" for="des" forName="level2Shape" refType="w" refFor="des" refForName="level1Shape" op="equ"/>
-              <dgm:constr type="h" for="des" forName="level2Shape" refType="h" refFor="des" refForName="level1Shape" op="equ"/>
-              <dgm:constr type="sp" for="des" refType="h" refFor="des" refForName="level1Shape" op="equ" fact="0.4"/>
-              <dgm:constr type="sibSp" for="des" forName="hierChild1" refType="w" refFor="des" refForName="level1Shape" op="equ" fact="0.3"/>
-              <dgm:constr type="sibSp" for="des" forName="hierChild2" refType="sibSp" refFor="des" refForName="hierChild1" op="equ"/>
-              <dgm:constr type="sibSp" for="des" forName="hierChild3" refType="sibSp" refFor="des" refForName="hierChild1" op="equ"/>
-              <dgm:constr type="userA" for="des" refType="h" refFor="des" refForName="level1Shape" op="equ"/>
-              <dgm:constr type="userB" for="des" refType="sp" refFor="des" op="equ"/>
-              <dgm:constr type="h" for="des" forName="firstBuf" refType="h" refFor="des" refForName="level1Shape" fact="0.1"/>
-            </dgm:constrLst>
-          </dgm:else>
-        </dgm:choose>
-      </dgm:if>
-      <dgm:else name="Name5">
-        <dgm:constrLst>
-          <dgm:constr type="l" for="ch" forName="hierFlow"/>
-          <dgm:constr type="t" for="ch" forName="hierFlow"/>
-          <dgm:constr type="r" for="ch" forName="hierFlow" refType="w"/>
-          <dgm:constr type="b" for="ch" forName="hierFlow" refType="h"/>
-          <dgm:constr type="l" for="ch" forName="bgShapesFlow"/>
-          <dgm:constr type="t" for="ch" forName="bgShapesFlow"/>
-          <dgm:constr type="r" for="ch" forName="bgShapesFlow" refType="w"/>
-          <dgm:constr type="b" for="ch" forName="bgShapesFlow" refType="h"/>
-          <dgm:constr type="w" for="des" forName="level1Shape" refType="w"/>
-          <dgm:constr type="h" for="des" forName="level1Shape" refType="w" refFor="des" refForName="level1Shape" fact="0.66667"/>
-          <dgm:constr type="w" for="des" forName="level2Shape" refType="w" refFor="des" refForName="level1Shape" op="equ"/>
-          <dgm:constr type="h" for="des" forName="level2Shape" refType="h" refFor="des" refForName="level1Shape" op="equ"/>
-          <dgm:constr type="sp" for="des" refType="h" refFor="des" refForName="level1Shape" op="equ" fact="0.4"/>
-          <dgm:constr type="sibSp" for="des" forName="hierChild1" refType="w" refFor="des" refForName="level1Shape" op="equ" fact="0.3"/>
-          <dgm:constr type="sibSp" for="des" forName="hierChild2" refType="sibSp" refFor="des" refForName="hierChild1" op="equ"/>
-          <dgm:constr type="sibSp" for="des" forName="hierChild3" refType="sibSp" refFor="des" refForName="hierChild1" op="equ"/>
-          <dgm:constr type="userA" for="des" refType="h" refFor="des" refForName="level1Shape" op="equ"/>
-          <dgm:constr type="userB" for="des" refType="sp" refFor="des" op="equ"/>
-          <dgm:constr type="h" for="des" forName="firstBuf" refType="h" refFor="des" refForName="level1Shape" fact="0.1"/>
-        </dgm:constrLst>
-      </dgm:else>
-    </dgm:choose>
+    <dgm:constrLst>
+      <dgm:constr type="w" for="des" forName="rootComposite1" refType="w" fact="10"/>
+      <dgm:constr type="h" for="des" forName="rootComposite1" refType="w" refFor="des" refForName="rootComposite1" fact="0.5"/>
+      <dgm:constr type="w" for="des" forName="rootComposite" refType="w" fact="10"/>
+      <dgm:constr type="h" for="des" forName="rootComposite" refType="w" refFor="des" refForName="rootComposite1" fact="0.5"/>
+      <dgm:constr type="w" for="des" forName="rootComposite3" refType="w" fact="10"/>
+      <dgm:constr type="h" for="des" forName="rootComposite3" refType="w" refFor="des" refForName="rootComposite1" fact="0.5"/>
+      <dgm:constr type="primFontSz" for="des" ptType="node" op="equ"/>
+      <dgm:constr type="sp" for="des" op="equ"/>
+      <dgm:constr type="sp" for="des" forName="hierRoot1" refType="w" refFor="des" refForName="rootComposite1" fact="0.21"/>
+      <dgm:constr type="sp" for="des" forName="hierRoot2" refType="sp" refFor="des" refForName="hierRoot1"/>
+      <dgm:constr type="sp" for="des" forName="hierRoot3" refType="sp" refFor="des" refForName="hierRoot1"/>
+      <dgm:constr type="sibSp" refType="w" refFor="des" refForName="rootComposite1" fact="0.21"/>
+      <dgm:constr type="sibSp" for="des" forName="hierChild2" refType="sibSp"/>
+      <dgm:constr type="sibSp" for="des" forName="hierChild3" refType="sibSp"/>
+      <dgm:constr type="sibSp" for="des" forName="hierChild4" refType="sibSp"/>
+      <dgm:constr type="sibSp" for="des" forName="hierChild5" refType="sibSp"/>
+      <dgm:constr type="sibSp" for="des" forName="hierChild6" refType="sibSp"/>
+      <dgm:constr type="sibSp" for="des" forName="hierChild7" refType="sibSp"/>
+      <dgm:constr type="secSibSp" refType="w" refFor="des" refForName="rootComposite1" fact="0.21"/>
+      <dgm:constr type="secSibSp" for="des" forName="hierChild2" refType="secSibSp"/>
+      <dgm:constr type="secSibSp" for="des" forName="hierChild3" refType="secSibSp"/>
+      <dgm:constr type="secSibSp" for="des" forName="hierChild4" refType="secSibSp"/>
+      <dgm:constr type="secSibSp" for="des" forName="hierChild5" refType="secSibSp"/>
+      <dgm:constr type="secSibSp" for="des" forName="hierChild6" refType="secSibSp"/>
+      <dgm:constr type="secSibSp" for="des" forName="hierChild7" refType="secSibSp"/>
+    </dgm:constrLst>
     <dgm:ruleLst/>
-    <dgm:layoutNode name="hierFlow">
-      <dgm:alg type="lin">
-        <dgm:param type="linDir" val="fromT"/>
-        <dgm:param type="nodeVertAlign" val="t"/>
-        <dgm:param type="vertAlign" val="t"/>
-        <dgm:param type="nodeHorzAlign" val="ctr"/>
-        <dgm:param type="fallback" val="2D"/>
-      </dgm:alg>
-      <dgm:shape xmlns:r="http://schemas.openxmlformats.org/officeDocument/2006/relationships" r:blip="">
-        <dgm:adjLst/>
-      </dgm:shape>
-      <dgm:presOf/>
-      <dgm:constrLst/>
-      <dgm:ruleLst/>
-      <dgm:choose name="Name6">
-        <dgm:if name="Name7" axis="ch" ptType="node" func="cnt" op="gte" val="2">
-          <dgm:layoutNode name="firstBuf">
-            <dgm:alg type="sp"/>
+    <dgm:forEach name="Name3" axis="ch">
+      <dgm:forEach name="Name4" axis="self" ptType="node">
+        <dgm:layoutNode name="hierRoot1">
+          <dgm:varLst>
+            <dgm:hierBranch val="init"/>
+          </dgm:varLst>
+          <dgm:choose name="Name5">
+            <dgm:if name="Name6" func="var" arg="hierBranch" op="equ" val="l">
+              <dgm:choose name="Name7">
+                <dgm:if name="Name8" axis="ch" ptType="asst" func="cnt" op="gte" val="1">
+                  <dgm:alg type="hierRoot">
+                    <dgm:param type="hierAlign" val="tR"/>
+                  </dgm:alg>
+                  <dgm:constrLst>
+                    <dgm:constr type="alignOff" val="0.65"/>
+                  </dgm:constrLst>
+                </dgm:if>
+                <dgm:else name="Name9">
+                  <dgm:alg type="hierRoot">
+                    <dgm:param type="hierAlign" val="tR"/>
+                  </dgm:alg>
+                  <dgm:constrLst>
+                    <dgm:constr type="alignOff" val="0.25"/>
+                  </dgm:constrLst>
+                </dgm:else>
+              </dgm:choose>
+            </dgm:if>
+            <dgm:if name="Name10" func="var" arg="hierBranch" op="equ" val="r">
+              <dgm:choose name="Name11">
+                <dgm:if name="Name12" axis="ch" ptType="asst" func="cnt" op="gte" val="1">
+                  <dgm:alg type="hierRoot">
+                    <dgm:param type="hierAlign" val="tL"/>
+                  </dgm:alg>
+                  <dgm:constrLst>
+                    <dgm:constr type="alignOff" val="0.65"/>
+                  </dgm:constrLst>
+                </dgm:if>
+                <dgm:else name="Name13">
+                  <dgm:alg type="hierRoot">
+                    <dgm:param type="hierAlign" val="tL"/>
+                  </dgm:alg>
+                  <dgm:constrLst>
+                    <dgm:constr type="alignOff" val="0.25"/>
+                  </dgm:constrLst>
+                </dgm:else>
+              </dgm:choose>
+            </dgm:if>
+            <dgm:if name="Name14" func="var" arg="hierBranch" op="equ" val="hang">
+              <dgm:alg type="hierRoot"/>
+              <dgm:constrLst>
+                <dgm:constr type="alignOff" val="0.65"/>
+              </dgm:constrLst>
+            </dgm:if>
+            <dgm:else name="Name15">
+              <dgm:alg type="hierRoot"/>
+              <dgm:constrLst>
+                <dgm:constr type="alignOff"/>
+                <dgm:constr type="bendDist" for="des" ptType="parTrans" refType="sp" fact="0.5"/>
+              </dgm:constrLst>
+            </dgm:else>
+          </dgm:choose>
+          <dgm:shape xmlns:r="http://schemas.openxmlformats.org/officeDocument/2006/relationships" r:blip="">
+            <dgm:adjLst/>
+          </dgm:shape>
+          <dgm:presOf/>
+          <dgm:ruleLst/>
+          <dgm:layoutNode name="rootComposite1">
+            <dgm:alg type="composite"/>
+            <dgm:shape xmlns:r="http://schemas.openxmlformats.org/officeDocument/2006/relationships" r:blip="">
+              <dgm:adjLst/>
+            </dgm:shape>
+            <dgm:presOf axis="self" ptType="node" cnt="1"/>
+            <dgm:choose name="Name16">
+              <dgm:if name="Name17" func="var" arg="hierBranch" op="equ" val="init">
+                <dgm:constrLst>
+                  <dgm:constr type="l" for="ch" forName="rootText1"/>
+                  <dgm:constr type="t" for="ch" forName="rootText1"/>
+                  <dgm:constr type="w" for="ch" forName="rootText1" refType="w"/>
+                  <dgm:constr type="h" for="ch" forName="rootText1" refType="h"/>
+                  <dgm:constr type="l" for="ch" forName="rootConnector1"/>
+                  <dgm:constr type="t" for="ch" forName="rootConnector1"/>
+                  <dgm:constr type="w" for="ch" forName="rootConnector1" refType="w" refFor="ch" refForName="rootText1" fact="0.2"/>
+                  <dgm:constr type="h" for="ch" forName="rootConnector1" refType="h" refFor="ch" refForName="rootText1"/>
+                </dgm:constrLst>
+              </dgm:if>
+              <dgm:if name="Name18" func="var" arg="hierBranch" op="equ" val="l">
+                <dgm:constrLst>
+                  <dgm:constr type="l" for="ch" forName="rootText1"/>
+                  <dgm:constr type="t" for="ch" forName="rootText1"/>
+                  <dgm:constr type="w" for="ch" forName="rootText1" refType="w"/>
+                  <dgm:constr type="h" for="ch" forName="rootText1" refType="h"/>
+                  <dgm:constr type="r" for="ch" forName="rootConnector1" refType="w"/>
+                  <dgm:constr type="t" for="ch" forName="rootConnector1"/>
+                  <dgm:constr type="w" for="ch" forName="rootConnector1" refType="w" refFor="ch" refForName="rootText1" fact="0.2"/>
+                  <dgm:constr type="h" for="ch" forName="rootConnector1" refType="h" refFor="ch" refForName="rootText1"/>
+                </dgm:constrLst>
+              </dgm:if>
+              <dgm:if name="Name19" func="var" arg="hierBranch" op="equ" val="r">
+                <dgm:constrLst>
+                  <dgm:constr type="l" for="ch" forName="rootText1"/>
+                  <dgm:constr type="t" for="ch" forName="rootText1"/>
+                  <dgm:constr type="w" for="ch" forName="rootText1" refType="w"/>
+                  <dgm:constr type="h" for="ch" forName="rootText1" refType="h"/>
+                  <dgm:constr type="l" for="ch" forName="rootConnector1"/>
+                  <dgm:constr type="t" for="ch" forName="rootConnector1"/>
+                  <dgm:constr type="w" for="ch" forName="rootConnector1" refType="w" refFor="ch" refForName="rootText1" fact="0.2"/>
+                  <dgm:constr type="h" for="ch" forName="rootConnector1" refType="h" refFor="ch" refForName="rootText1"/>
+                </dgm:constrLst>
+              </dgm:if>
+              <dgm:else name="Name20">
+                <dgm:constrLst>
+                  <dgm:constr type="l" for="ch" forName="rootText1"/>
+                  <dgm:constr type="t" for="ch" forName="rootText1"/>
+                  <dgm:constr type="w" for="ch" forName="rootText1" refType="w"/>
+                  <dgm:constr type="h" for="ch" forName="rootText1" refType="h"/>
+                  <dgm:constr type="r" for="ch" forName="rootConnector1" refType="w"/>
+                  <dgm:constr type="t" for="ch" forName="rootConnector1"/>
+                  <dgm:constr type="w" for="ch" forName="rootConnector1" refType="w" refFor="ch" refForName="rootText1" fact="0.2"/>
+                  <dgm:constr type="h" for="ch" forName="rootConnector1" refType="h" refFor="ch" refForName="rootText1"/>
+                </dgm:constrLst>
+              </dgm:else>
+            </dgm:choose>
+            <dgm:ruleLst/>
+            <dgm:layoutNode name="rootText1" styleLbl="node0">
+              <dgm:varLst>
+                <dgm:chPref val="3"/>
+              </dgm:varLst>
+              <dgm:alg type="tx"/>
+              <dgm:shape xmlns:r="http://schemas.openxmlformats.org/officeDocument/2006/relationships" type="rect" r:blip="">
+                <dgm:adjLst/>
+              </dgm:shape>
+              <dgm:presOf axis="self" ptType="node" cnt="1"/>
+              <dgm:constrLst>
+                <dgm:constr type="primFontSz" val="65"/>
+                <dgm:constr type="lMarg" refType="primFontSz" fact="0.05"/>
+                <dgm:constr type="rMarg" refType="primFontSz" fact="0.05"/>
+                <dgm:constr type="tMarg" refType="primFontSz" fact="0.05"/>
+                <dgm:constr type="bMarg" refType="primFontSz" fact="0.05"/>
+              </dgm:constrLst>
+              <dgm:ruleLst>
+                <dgm:rule type="primFontSz" val="5" fact="NaN" max="NaN"/>
+              </dgm:ruleLst>
+            </dgm:layoutNode>
+            <dgm:layoutNode name="rootConnector1" moveWith="rootText1">
+              <dgm:alg type="sp"/>
+              <dgm:shape xmlns:r="http://schemas.openxmlformats.org/officeDocument/2006/relationships" type="rect" r:blip="" hideGeom="1">
+                <dgm:adjLst/>
+              </dgm:shape>
+              <dgm:presOf axis="self" ptType="node" cnt="1"/>
+              <dgm:constrLst/>
+              <dgm:ruleLst/>
+            </dgm:layoutNode>
+          </dgm:layoutNode>
+          <dgm:layoutNode name="hierChild2">
+            <dgm:choose name="Name21">
+              <dgm:if name="Name22" func="var" arg="hierBranch" op="equ" val="l">
+                <dgm:alg type="hierChild">
+                  <dgm:param type="chAlign" val="r"/>
+                  <dgm:param type="linDir" val="fromT"/>
+                </dgm:alg>
+              </dgm:if>
+              <dgm:if name="Name23" func="var" arg="hierBranch" op="equ" val="r">
+                <dgm:alg type="hierChild">
+                  <dgm:param type="chAlign" val="l"/>
+                  <dgm:param type="linDir" val="fromT"/>
+                </dgm:alg>
+              </dgm:if>
+              <dgm:if name="Name24" func="var" arg="hierBranch" op="equ" val="hang">
+                <dgm:choose name="Name25">
+                  <dgm:if name="Name26" func="var" arg="dir" op="equ" val="norm">
+                    <dgm:alg type="hierChild">
+                      <dgm:param type="chAlign" val="l"/>
+                      <dgm:param type="linDir" val="fromL"/>
+                      <dgm:param type="secChAlign" val="t"/>
+                      <dgm:param type="secLinDir" val="fromT"/>
+                    </dgm:alg>
+                  </dgm:if>
+                  <dgm:else name="Name27">
+                    <dgm:alg type="hierChild">
+                      <dgm:param type="chAlign" val="l"/>
+                      <dgm:param type="linDir" val="fromR"/>
+                      <dgm:param type="secChAlign" val="t"/>
+                      <dgm:param type="secLinDir" val="fromT"/>
+                    </dgm:alg>
+                  </dgm:else>
+                </dgm:choose>
+              </dgm:if>
+              <dgm:else name="Name28">
+                <dgm:choose name="Name29">
+                  <dgm:if name="Name30" func="var" arg="dir" op="equ" val="norm">
+                    <dgm:alg type="hierChild"/>
+                  </dgm:if>
+                  <dgm:else name="Name31">
+                    <dgm:alg type="hierChild">
+                      <dgm:param type="linDir" val="fromR"/>
+                    </dgm:alg>
+                  </dgm:else>
+                </dgm:choose>
+              </dgm:else>
+            </dgm:choose>
             <dgm:shape xmlns:r="http://schemas.openxmlformats.org/officeDocument/2006/relationships" r:blip="">
               <dgm:adjLst/>
             </dgm:shape>
             <dgm:presOf/>
             <dgm:constrLst/>
             <dgm:ruleLst/>
-          </dgm:layoutNode>
-        </dgm:if>
-        <dgm:else name="Name8"/>
-      </dgm:choose>
-      <dgm:layoutNode name="hierChild1">
-        <dgm:varLst>
-          <dgm:chPref val="1"/>
-          <dgm:animOne val="branch"/>
-          <dgm:animLvl val="lvl"/>
-        </dgm:varLst>
-        <dgm:choose name="Name9">
-          <dgm:if name="Name10" func="var" arg="dir" op="equ" val="norm">
-            <dgm:alg type="hierChild">
-              <dgm:param type="linDir" val="fromL"/>
-              <dgm:param type="vertAlign" val="t"/>
-            </dgm:alg>
-          </dgm:if>
-          <dgm:else name="Name11">
-            <dgm:alg type="hierChild">
-              <dgm:param type="linDir" val="fromR"/>
-              <dgm:param type="vertAlign" val="t"/>
-            </dgm:alg>
-          </dgm:else>
-        </dgm:choose>
-        <dgm:shape xmlns:r="http://schemas.openxmlformats.org/officeDocument/2006/relationships" r:blip="">
-          <dgm:adjLst/>
-        </dgm:shape>
-        <dgm:presOf/>
-        <dgm:constrLst>
-          <dgm:constr type="primFontSz" for="des" ptType="node" op="equ"/>
-        </dgm:constrLst>
-        <dgm:ruleLst/>
-        <dgm:forEach name="Name12" axis="ch" cnt="3">
-          <dgm:forEach name="Name13" axis="self" ptType="node">
-            <dgm:layoutNode name="Name14">
-              <dgm:alg type="hierRoot"/>
-              <dgm:shape xmlns:r="http://schemas.openxmlformats.org/officeDocument/2006/relationships" r:blip="">
-                <dgm:adjLst/>
-              </dgm:shape>
-              <dgm:presOf/>
-              <dgm:constrLst/>
-              <dgm:ruleLst/>
-              <dgm:layoutNode name="level1Shape" styleLbl="node0">
-                <dgm:varLst>
-                  <dgm:chPref val="3"/>
-                </dgm:varLst>
-                <dgm:alg type="tx"/>
-                <dgm:shape xmlns:r="http://schemas.openxmlformats.org/officeDocument/2006/relationships" type="roundRect" r:blip="">
-                  <dgm:adjLst>
-                    <dgm:adj idx="1" val="0.1"/>
-                  </dgm:adjLst>
-                </dgm:shape>
-                <dgm:presOf axis="self"/>
-                <dgm:constrLst>
-                  <dgm:constr type="primFontSz" val="65"/>
-                  <dgm:constr type="tMarg" refType="primFontSz" fact="0.3"/>
-                  <dgm:constr type="bMarg" refType="primFontSz" fact="0.3"/>
-                  <dgm:constr type="lMarg" refType="primFontSz" fact="0.3"/>
-                  <dgm:constr type="rMarg" refType="primFontSz" fact="0.3"/>
-                </dgm:constrLst>
-                <dgm:ruleLst>
-                  <dgm:rule type="primFontSz" val="5" fact="NaN" max="NaN"/>
-                </dgm:ruleLst>
-              </dgm:layoutNode>
-              <dgm:layoutNode name="hierChild2">
-                <dgm:choose name="Name15">
-                  <dgm:if name="Name16" func="var" arg="dir" op="equ" val="norm">
-                    <dgm:alg type="hierChild">
-                      <dgm:param type="linDir" val="fromL"/>
-                    </dgm:alg>
-                  </dgm:if>
-                  <dgm:else name="Name17">
-                    <dgm:alg type="hierChild">
-                      <dgm:param type="linDir" val="fromR"/>
-                    </dgm:alg>
-                  </dgm:else>
-                </dgm:choose>
-                <dgm:shape xmlns:r="http://schemas.openxmlformats.org/officeDocument/2006/relationships" r:blip="">
-                  <dgm:adjLst/>
-                </dgm:shape>
-                <dgm:presOf/>
-                <dgm:constrLst/>
-                <dgm:ruleLst/>
-                <dgm:forEach name="repeat" axis="ch">
-                  <dgm:forEach name="Name18" axis="self" ptType="parTrans" cnt="1">
-                    <dgm:layoutNode name="Name19">
+            <dgm:forEach name="rep2a" axis="ch" ptType="nonAsst">
+              <dgm:forEach name="Name32" axis="precedSib" ptType="parTrans" st="-1" cnt="1">
+                <dgm:choose name="Name33">
+                  <dgm:if name="Name34" func="var" arg="hierBranch" op="equ" val="std">
+                    <dgm:layoutNode name="Name35">
                       <dgm:alg type="conn">
+                        <dgm:param type="connRout" val="bend"/>
                         <dgm:param type="dim" val="1D"/>
                         <dgm:param type="endSty" val="noArr"/>
-                        <dgm:param type="connRout" val="bend"/>
                         <dgm:param type="begPts" val="bCtr"/>
                         <dgm:param type="endPts" val="tCtr"/>
+                        <dgm:param type="bendPt" val="end"/>
                       </dgm:alg>
-                      <dgm:shape xmlns:r="http://schemas.openxmlformats.org/officeDocument/2006/relationships" type="conn" r:blip="">
+                      <dgm:shape xmlns:r="http://schemas.openxmlformats.org/officeDocument/2006/relationships" type="conn" r:blip="" zOrderOff="-99999">
                         <dgm:adjLst/>
                       </dgm:shape>
                       <dgm:presOf axis="self"/>
                       <dgm:constrLst>
-                        <dgm:constr type="w" val="1"/>
-                        <dgm:constr type="h" val="1"/>
                         <dgm:constr type="begPad"/>
                         <dgm:constr type="endPad"/>
                       </dgm:constrLst>
                       <dgm:ruleLst/>
                     </dgm:layoutNode>
-                  </dgm:forEach>
-                  <dgm:forEach name="Name20" axis="self" ptType="node">
-                    <dgm:layoutNode name="Name21">
-                      <dgm:alg type="hierRoot"/>
-                      <dgm:shape xmlns:r="http://schemas.openxmlformats.org/officeDocument/2006/relationships" r:blip="">
+                  </dgm:if>
+                  <dgm:if name="Name36" func="var" arg="hierBranch" op="equ" val="init">
+                    <dgm:layoutNode name="Name37">
+                      <dgm:choose name="Name38">
+                        <dgm:if name="Name39" axis="self" func="depth" op="lte" val="2">
+                          <dgm:alg type="conn">
+                            <dgm:param type="connRout" val="bend"/>
+                            <dgm:param type="dim" val="1D"/>
+                            <dgm:param type="endSty" val="noArr"/>
+                            <dgm:param type="begPts" val="bCtr"/>
+                            <dgm:param type="endPts" val="tCtr"/>
+                            <dgm:param type="bendPt" val="end"/>
+                          </dgm:alg>
+                        </dgm:if>
+                        <dgm:else name="Name40">
+                          <dgm:choose name="Name41">
+                            <dgm:if name="Name42" axis="par des" func="maxDepth" op="lte" val="1">
+                              <dgm:choose name="Name43">
+                                <dgm:if name="Name44" axis="par ch" ptType="node asst" func="cnt" op="gte" val="1">
+                                  <dgm:alg type="conn">
+                                    <dgm:param type="connRout" val="bend"/>
+                                    <dgm:param type="dim" val="1D"/>
+                                    <dgm:param type="endSty" val="noArr"/>
+                                    <dgm:param type="begPts" val="bCtr"/>
+                                    <dgm:param type="endPts" val="midL midR"/>
+                                  </dgm:alg>
+                                </dgm:if>
+                                <dgm:else name="Name45">
+                                  <dgm:alg type="conn">
+                                    <dgm:param type="connRout" val="bend"/>
+                                    <dgm:param type="dim" val="1D"/>
+                                    <dgm:param type="endSty" val="noArr"/>
+                                    <dgm:param type="begPts" val="bCtr"/>
+                                    <dgm:param type="endPts" val="midL midR"/>
+                                    <dgm:param type="srcNode" val="rootConnector"/>
+                                  </dgm:alg>
+                                </dgm:else>
+                              </dgm:choose>
+                            </dgm:if>
+                            <dgm:else name="Name46">
+                              <dgm:alg type="conn">
+                                <dgm:param type="connRout" val="bend"/>
+                                <dgm:param type="dim" val="1D"/>
+                                <dgm:param type="endSty" val="noArr"/>
+                                <dgm:param type="begPts" val="bCtr"/>
+                                <dgm:param type="endPts" val="tCtr"/>
+                                <dgm:param type="bendPt" val="end"/>
+                              </dgm:alg>
+                            </dgm:else>
+                          </dgm:choose>
+                        </dgm:else>
+                      </dgm:choose>
+                      <dgm:shape xmlns:r="http://schemas.openxmlformats.org/officeDocument/2006/relationships" type="conn" r:blip="" zOrderOff="-99999">
                         <dgm:adjLst/>
                       </dgm:shape>
-                      <dgm:presOf/>
-                      <dgm:constrLst/>
+                      <dgm:presOf axis="self"/>
+                      <dgm:constrLst>
+                        <dgm:constr type="begPad"/>
+                        <dgm:constr type="endPad"/>
+                      </dgm:constrLst>
                       <dgm:ruleLst/>
-                      <dgm:layoutNode name="level2Shape">
-                        <dgm:alg type="tx"/>
-                        <dgm:shape xmlns:r="http://schemas.openxmlformats.org/officeDocument/2006/relationships" type="roundRect" r:blip="">
-                          <dgm:adjLst>
-                            <dgm:adj idx="1" val="0.1"/>
-                          </dgm:adjLst>
-                        </dgm:shape>
-                        <dgm:presOf axis="self"/>
-                        <dgm:constrLst>
-                          <dgm:constr type="primFontSz" val="65"/>
-                          <dgm:constr type="tMarg" refType="primFontSz" fact="0.3"/>
-                          <dgm:constr type="bMarg" refType="primFontSz" fact="0.3"/>
-                          <dgm:constr type="lMarg" refType="primFontSz" fact="0.3"/>
-                          <dgm:constr type="rMarg" refType="primFontSz" fact="0.3"/>
-                        </dgm:constrLst>
-                        <dgm:ruleLst>
-                          <dgm:rule type="primFontSz" val="5" fact="NaN" max="NaN"/>
-                        </dgm:ruleLst>
-                      </dgm:layoutNode>
-                      <dgm:layoutNode name="hierChild3">
-                        <dgm:choose name="Name22">
-                          <dgm:if name="Name23" func="var" arg="dir" op="equ" val="norm">
-                            <dgm:alg type="hierChild">
-                              <dgm:param type="linDir" val="fromL"/>
-                            </dgm:alg>
-                          </dgm:if>
-                          <dgm:else name="Name24">
-                            <dgm:alg type="hierChild">
-                              <dgm:param type="linDir" val="fromR"/>
-                            </dgm:alg>
-                          </dgm:else>
-                        </dgm:choose>
+                    </dgm:layoutNode>
+                  </dgm:if>
+                  <dgm:if name="Name47" func="var" arg="hierBranch" op="equ" val="hang">
+                    <dgm:layoutNode name="Name48">
+                      <dgm:alg type="conn">
+                        <dgm:param type="connRout" val="bend"/>
+                        <dgm:param type="dim" val="1D"/>
+                        <dgm:param type="endSty" val="noArr"/>
+                        <dgm:param type="begPts" val="bCtr"/>
+                        <dgm:param type="endPts" val="midL midR"/>
+                      </dgm:alg>
+                      <dgm:shape xmlns:r="http://schemas.openxmlformats.org/officeDocument/2006/relationships" type="conn" r:blip="" zOrderOff="-99999">
+                        <dgm:adjLst/>
+                      </dgm:shape>
+                      <dgm:presOf axis="self"/>
+                      <dgm:constrLst>
+                        <dgm:constr type="begPad"/>
+                        <dgm:constr type="endPad"/>
+                      </dgm:constrLst>
+                      <dgm:ruleLst/>
+                    </dgm:layoutNode>
+                  </dgm:if>
+                  <dgm:else name="Name49">
+                    <dgm:layoutNode name="Name50">
+                      <dgm:choose name="Name51">
+                        <dgm:if name="Name52" axis="self" func="depth" op="lte" val="2">
+                          <dgm:choose name="Name53">
+                            <dgm:if name="Name54" axis="par ch" ptType="node asst" func="cnt" op="gte" val="1">
+                              <dgm:alg type="conn">
+                                <dgm:param type="connRout" val="bend"/>
+                                <dgm:param type="dim" val="1D"/>
+                                <dgm:param type="endSty" val="noArr"/>
+                                <dgm:param type="begPts" val="bCtr"/>
+                                <dgm:param type="endPts" val="midL midR"/>
+                              </dgm:alg>
+                            </dgm:if>
+                            <dgm:else name="Name55">
+                              <dgm:alg type="conn">
+                                <dgm:param type="connRout" val="bend"/>
+                                <dgm:param type="dim" val="1D"/>
+                                <dgm:param type="endSty" val="noArr"/>
+                                <dgm:param type="begPts" val="bCtr"/>
+                                <dgm:param type="endPts" val="midL midR"/>
+                                <dgm:param type="srcNode" val="rootConnector1"/>
+                              </dgm:alg>
+                            </dgm:else>
+                          </dgm:choose>
+                        </dgm:if>
+                        <dgm:else name="Name56">
+                          <dgm:choose name="Name57">
+                            <dgm:if name="Name58" axis="par ch" ptType="node asst" func="cnt" op="gte" val="1">
+                              <dgm:alg type="conn">
+                                <dgm:param type="connRout" val="bend"/>
+                                <dgm:param type="dim" val="1D"/>
+                                <dgm:param type="endSty" val="noArr"/>
+                                <dgm:param type="begPts" val="bCtr"/>
+                                <dgm:param type="endPts" val="midL midR"/>
+                              </dgm:alg>
+                            </dgm:if>
+                            <dgm:else name="Name59">
+                              <dgm:alg type="conn">
+                                <dgm:param type="connRout" val="bend"/>
+                                <dgm:param type="dim" val="1D"/>
+                                <dgm:param type="endSty" val="noArr"/>
+                                <dgm:param type="begPts" val="bCtr"/>
+                                <dgm:param type="endPts" val="midL midR"/>
+                                <dgm:param type="srcNode" val="rootConnector"/>
+                              </dgm:alg>
+                            </dgm:else>
+                          </dgm:choose>
+                        </dgm:else>
+                      </dgm:choose>
+                      <dgm:shape xmlns:r="http://schemas.openxmlformats.org/officeDocument/2006/relationships" type="conn" r:blip="" zOrderOff="-99999">
+                        <dgm:adjLst/>
+                      </dgm:shape>
+                      <dgm:presOf axis="self"/>
+                      <dgm:constrLst>
+                        <dgm:constr type="begPad"/>
+                        <dgm:constr type="endPad"/>
+                      </dgm:constrLst>
+                      <dgm:ruleLst/>
+                    </dgm:layoutNode>
+                  </dgm:else>
+                </dgm:choose>
+              </dgm:forEach>
+              <dgm:layoutNode name="hierRoot2">
+                <dgm:varLst>
+                  <dgm:hierBranch val="init"/>
+                </dgm:varLst>
+                <dgm:choose name="Name60">
+                  <dgm:if name="Name61" func="var" arg="hierBranch" op="equ" val="l">
+                    <dgm:choose name="Name62">
+                      <dgm:if name="Name63" axis="ch" ptType="asst" func="cnt" op="gte" val="1">
+                        <dgm:alg type="hierRoot">
+                          <dgm:param type="hierAlign" val="tR"/>
+                        </dgm:alg>
                         <dgm:shape xmlns:r="http://schemas.openxmlformats.org/officeDocument/2006/relationships" r:blip="">
                           <dgm:adjLst/>
                         </dgm:shape>
                         <dgm:presOf/>
-                        <dgm:constrLst/>
-                        <dgm:ruleLst/>
-                        <dgm:forEach name="Name25" ref="repeat"/>
-                      </dgm:layoutNode>
-                    </dgm:layoutNode>
-                  </dgm:forEach>
-                </dgm:forEach>
+                        <dgm:constrLst>
+                          <dgm:constr type="alignOff" val="0.65"/>
+                        </dgm:constrLst>
+                      </dgm:if>
+                      <dgm:else name="Name64">
+                        <dgm:alg type="hierRoot">
+                          <dgm:param type="hierAlign" val="tR"/>
+                        </dgm:alg>
+                        <dgm:shape xmlns:r="http://schemas.openxmlformats.org/officeDocument/2006/relationships" r:blip="">
+                          <dgm:adjLst/>
+                        </dgm:shape>
+                        <dgm:presOf/>
+                        <dgm:constrLst>
+                          <dgm:constr type="alignOff" val="0.25"/>
+                        </dgm:constrLst>
+                      </dgm:else>
+                    </dgm:choose>
+                  </dgm:if>
+                  <dgm:if name="Name65" func="var" arg="hierBranch" op="equ" val="r">
+                    <dgm:choose name="Name66">
+                      <dgm:if name="Name67" axis="ch" ptType="asst" func="cnt" op="gte" val="1">
+                        <dgm:alg type="hierRoot">
+                          <dgm:param type="hierAlign" val="tL"/>
+                        </dgm:alg>
+                        <dgm:shape xmlns:r="http://schemas.openxmlformats.org/officeDocument/2006/relationships" r:blip="">
+                          <dgm:adjLst/>
+                        </dgm:shape>
+                        <dgm:presOf/>
+                        <dgm:constrLst>
+                          <dgm:constr type="alignOff" val="0.65"/>
+                        </dgm:constrLst>
+                      </dgm:if>
+                      <dgm:else name="Name68">
+                        <dgm:alg type="hierRoot">
+                          <dgm:param type="hierAlign" val="tL"/>
+                        </dgm:alg>
+                        <dgm:shape xmlns:r="http://schemas.openxmlformats.org/officeDocument/2006/relationships" r:blip="">
+                          <dgm:adjLst/>
+                        </dgm:shape>
+                        <dgm:presOf/>
+                        <dgm:constrLst>
+                          <dgm:constr type="alignOff" val="0.25"/>
+                        </dgm:constrLst>
+                      </dgm:else>
+                    </dgm:choose>
+                  </dgm:if>
+                  <dgm:if name="Name69" func="var" arg="hierBranch" op="equ" val="std">
+                    <dgm:alg type="hierRoot"/>
+                    <dgm:shape xmlns:r="http://schemas.openxmlformats.org/officeDocument/2006/relationships" r:blip="">
+                      <dgm:adjLst/>
+                    </dgm:shape>
+                    <dgm:presOf/>
+                    <dgm:constrLst>
+                      <dgm:constr type="alignOff"/>
+                      <dgm:constr type="bendDist" for="des" ptType="parTrans" refType="sp" fact="0.5"/>
+                    </dgm:constrLst>
+                  </dgm:if>
+                  <dgm:if name="Name70" func="var" arg="hierBranch" op="equ" val="init">
+                    <dgm:choose name="Name71">
+                      <dgm:if name="Name72" axis="des" func="maxDepth" op="lte" val="1">
+                        <dgm:choose name="Name73">
+                          <dgm:if name="Name74" axis="ch" ptType="asst" func="cnt" op="gte" val="1">
+                            <dgm:alg type="hierRoot">
+                              <dgm:param type="hierAlign" val="tL"/>
+                            </dgm:alg>
+                            <dgm:shape xmlns:r="http://schemas.openxmlformats.org/officeDocument/2006/relationships" r:blip="">
+                              <dgm:adjLst/>
+                            </dgm:shape>
+                            <dgm:presOf/>
+                            <dgm:constrLst>
+                              <dgm:constr type="alignOff" val="0.65"/>
+                            </dgm:constrLst>
+                          </dgm:if>
+                          <dgm:else name="Name75">
+                            <dgm:alg type="hierRoot">
+                              <dgm:param type="hierAlign" val="tL"/>
+                            </dgm:alg>
+                            <dgm:shape xmlns:r="http://schemas.openxmlformats.org/officeDocument/2006/relationships" r:blip="">
+                              <dgm:adjLst/>
+                            </dgm:shape>
+                            <dgm:presOf/>
+                            <dgm:constrLst>
+                              <dgm:constr type="alignOff" val="0.25"/>
+                            </dgm:constrLst>
+                          </dgm:else>
+                        </dgm:choose>
+                      </dgm:if>
+                      <dgm:else name="Name76">
+                        <dgm:alg type="hierRoot"/>
+                        <dgm:shape xmlns:r="http://schemas.openxmlformats.org/officeDocument/2006/relationships" r:blip="">
+                          <dgm:adjLst/>
+                        </dgm:shape>
+                        <dgm:presOf/>
+                        <dgm:constrLst>
+                          <dgm:constr type="alignOff"/>
+                          <dgm:constr type="bendDist" for="des" ptType="parTrans" refType="sp" fact="0.5"/>
+                        </dgm:constrLst>
+                      </dgm:else>
+                    </dgm:choose>
+                  </dgm:if>
+                  <dgm:else name="Name77">
+                    <dgm:alg type="hierRoot"/>
+                    <dgm:shape xmlns:r="http://schemas.openxmlformats.org/officeDocument/2006/relationships" r:blip="">
+                      <dgm:adjLst/>
+                    </dgm:shape>
+                    <dgm:presOf/>
+                    <dgm:constrLst>
+                      <dgm:constr type="alignOff" val="0.65"/>
+                    </dgm:constrLst>
+                  </dgm:else>
+                </dgm:choose>
+                <dgm:ruleLst/>
+                <dgm:layoutNode name="rootComposite">
+                  <dgm:alg type="composite"/>
+                  <dgm:shape xmlns:r="http://schemas.openxmlformats.org/officeDocument/2006/relationships" r:blip="">
+                    <dgm:adjLst/>
+                  </dgm:shape>
+                  <dgm:presOf axis="self" ptType="node" cnt="1"/>
+                  <dgm:choose name="Name78">
+                    <dgm:if name="Name79" func="var" arg="hierBranch" op="equ" val="init">
+                      <dgm:constrLst>
+                        <dgm:constr type="l" for="ch" forName="rootText"/>
+                        <dgm:constr type="t" for="ch" forName="rootText"/>
+                        <dgm:constr type="w" for="ch" forName="rootText" refType="w"/>
+                        <dgm:constr type="h" for="ch" forName="rootText" refType="h"/>
+                        <dgm:constr type="l" for="ch" forName="rootConnector"/>
+                        <dgm:constr type="t" for="ch" forName="rootConnector"/>
+                        <dgm:constr type="w" for="ch" forName="rootConnector" refType="w" refFor="ch" refForName="rootText" fact="0.2"/>
+                        <dgm:constr type="h" for="ch" forName="rootConnector" refType="h" refFor="ch" refForName="rootText"/>
+                      </dgm:constrLst>
+                    </dgm:if>
+                    <dgm:if name="Name80" func="var" arg="hierBranch" op="equ" val="l">
+                      <dgm:constrLst>
+                        <dgm:constr type="l" for="ch" forName="rootText"/>
+                        <dgm:constr type="t" for="ch" forName="rootText"/>
+                        <dgm:constr type="w" for="ch" forName="rootText" refType="w"/>
+                        <dgm:constr type="h" for="ch" forName="rootText" refType="h"/>
+                        <dgm:constr type="r" for="ch" forName="rootConnector" refType="w"/>
+                        <dgm:constr type="t" for="ch" forName="rootConnector"/>
+                        <dgm:constr type="w" for="ch" forName="rootConnector" refType="w" refFor="ch" refForName="rootText" fact="0.2"/>
+                        <dgm:constr type="h" for="ch" forName="rootConnector" refType="h" refFor="ch" refForName="rootText"/>
+                      </dgm:constrLst>
+                    </dgm:if>
+                    <dgm:if name="Name81" func="var" arg="hierBranch" op="equ" val="r">
+                      <dgm:constrLst>
+                        <dgm:constr type="l" for="ch" forName="rootText"/>
+                        <dgm:constr type="t" for="ch" forName="rootText"/>
+                        <dgm:constr type="w" for="ch" forName="rootText" refType="w"/>
+                        <dgm:constr type="h" for="ch" forName="rootText" refType="h"/>
+                        <dgm:constr type="l" for="ch" forName="rootConnector"/>
+                        <dgm:constr type="t" for="ch" forName="rootConnector"/>
+                        <dgm:constr type="w" for="ch" forName="rootConnector" refType="w" refFor="ch" refForName="rootText" fact="0.2"/>
+                        <dgm:constr type="h" for="ch" forName="rootConnector" refType="h" refFor="ch" refForName="rootText"/>
+                      </dgm:constrLst>
+                    </dgm:if>
+                    <dgm:else name="Name82">
+                      <dgm:constrLst>
+                        <dgm:constr type="l" for="ch" forName="rootText"/>
+                        <dgm:constr type="t" for="ch" forName="rootText"/>
+                        <dgm:constr type="w" for="ch" forName="rootText" refType="w"/>
+                        <dgm:constr type="h" for="ch" forName="rootText" refType="h"/>
+                        <dgm:constr type="r" for="ch" forName="rootConnector" refType="w"/>
+                        <dgm:constr type="t" for="ch" forName="rootConnector"/>
+                        <dgm:constr type="w" for="ch" forName="rootConnector" refType="w" refFor="ch" refForName="rootText" fact="0.2"/>
+                        <dgm:constr type="h" for="ch" forName="rootConnector" refType="h" refFor="ch" refForName="rootText"/>
+                      </dgm:constrLst>
+                    </dgm:else>
+                  </dgm:choose>
+                  <dgm:ruleLst/>
+                  <dgm:layoutNode name="rootText">
+                    <dgm:varLst>
+                      <dgm:chPref val="3"/>
+                    </dgm:varLst>
+                    <dgm:alg type="tx"/>
+                    <dgm:shape xmlns:r="http://schemas.openxmlformats.org/officeDocument/2006/relationships" type="rect" r:blip="">
+                      <dgm:adjLst/>
+                    </dgm:shape>
+                    <dgm:presOf axis="self" ptType="node" cnt="1"/>
+                    <dgm:constrLst>
+                      <dgm:constr type="primFontSz" val="65"/>
+                      <dgm:constr type="lMarg" refType="primFontSz" fact="0.05"/>
+                      <dgm:constr type="rMarg" refType="primFontSz" fact="0.05"/>
+                      <dgm:constr type="tMarg" refType="primFontSz" fact="0.05"/>
+                      <dgm:constr type="bMarg" refType="primFontSz" fact="0.05"/>
+                    </dgm:constrLst>
+                    <dgm:ruleLst>
+                      <dgm:rule type="primFontSz" val="5" fact="NaN" max="NaN"/>
+                    </dgm:ruleLst>
+                  </dgm:layoutNode>
+                  <dgm:layoutNode name="rootConnector" moveWith="rootText">
+                    <dgm:alg type="sp"/>
+                    <dgm:shape xmlns:r="http://schemas.openxmlformats.org/officeDocument/2006/relationships" type="rect" r:blip="" hideGeom="1">
+                      <dgm:adjLst/>
+                    </dgm:shape>
+                    <dgm:presOf axis="self" ptType="node" cnt="1"/>
+                    <dgm:constrLst/>
+                    <dgm:ruleLst/>
+                  </dgm:layoutNode>
+                </dgm:layoutNode>
+                <dgm:layoutNode name="hierChild4">
+                  <dgm:choose name="Name83">
+                    <dgm:if name="Name84" func="var" arg="hierBranch" op="equ" val="l">
+                      <dgm:alg type="hierChild">
+                        <dgm:param type="chAlign" val="r"/>
+                        <dgm:param type="linDir" val="fromT"/>
+                      </dgm:alg>
+                    </dgm:if>
+                    <dgm:if name="Name85" func="var" arg="hierBranch" op="equ" val="r">
+                      <dgm:alg type="hierChild">
+                        <dgm:param type="chAlign" val="l"/>
+                        <dgm:param type="linDir" val="fromT"/>
+                      </dgm:alg>
+                    </dgm:if>
+                    <dgm:if name="Name86" func="var" arg="hierBranch" op="equ" val="hang">
+                      <dgm:choose name="Name87">
+                        <dgm:if name="Name88" func="var" arg="dir" op="equ" val="norm">
+                          <dgm:alg type="hierChild">
+                            <dgm:param type="chAlign" val="l"/>
+                            <dgm:param type="linDir" val="fromL"/>
+                            <dgm:param type="secChAlign" val="t"/>
+                            <dgm:param type="secLinDir" val="fromT"/>
+                          </dgm:alg>
+                        </dgm:if>
+                        <dgm:else name="Name89">
+                          <dgm:alg type="hierChild">
+                            <dgm:param type="chAlign" val="l"/>
+                            <dgm:param type="linDir" val="fromR"/>
+                            <dgm:param type="secChAlign" val="t"/>
+                            <dgm:param type="secLinDir" val="fromT"/>
+                          </dgm:alg>
+                        </dgm:else>
+                      </dgm:choose>
+                    </dgm:if>
+                    <dgm:if name="Name90" func="var" arg="hierBranch" op="equ" val="std">
+                      <dgm:choose name="Name91">
+                        <dgm:if name="Name92" func="var" arg="dir" op="equ" val="norm">
+                          <dgm:alg type="hierChild"/>
+                        </dgm:if>
+                        <dgm:else name="Name93">
+                          <dgm:alg type="hierChild">
+                            <dgm:param type="linDir" val="fromR"/>
+                          </dgm:alg>
+                        </dgm:else>
+                      </dgm:choose>
+                    </dgm:if>
+                    <dgm:if name="Name94" func="var" arg="hierBranch" op="equ" val="init">
+                      <dgm:choose name="Name95">
+                        <dgm:if name="Name96" axis="des" func="maxDepth" op="lte" val="1">
+                          <dgm:alg type="hierChild">
+                            <dgm:param type="chAlign" val="l"/>
+                            <dgm:param type="linDir" val="fromT"/>
+                          </dgm:alg>
+                        </dgm:if>
+                        <dgm:else name="Name97">
+                          <dgm:choose name="Name98">
+                            <dgm:if name="Name99" func="var" arg="dir" op="equ" val="norm">
+                              <dgm:alg type="hierChild"/>
+                            </dgm:if>
+                            <dgm:else name="Name100">
+                              <dgm:alg type="hierChild">
+                                <dgm:param type="linDir" val="fromR"/>
+                              </dgm:alg>
+                            </dgm:else>
+                          </dgm:choose>
+                        </dgm:else>
+                      </dgm:choose>
+                    </dgm:if>
+                    <dgm:else name="Name101"/>
+                  </dgm:choose>
+                  <dgm:shape xmlns:r="http://schemas.openxmlformats.org/officeDocument/2006/relationships" r:blip="">
+                    <dgm:adjLst/>
+                  </dgm:shape>
+                  <dgm:presOf/>
+                  <dgm:constrLst/>
+                  <dgm:ruleLst/>
+                  <dgm:forEach name="Name102" ref="rep2a"/>
+                </dgm:layoutNode>
+                <dgm:layoutNode name="hierChild5">
+                  <dgm:choose name="Name103">
+                    <dgm:if name="Name104" func="var" arg="dir" op="equ" val="norm">
+                      <dgm:alg type="hierChild">
+                        <dgm:param type="chAlign" val="l"/>
+                        <dgm:param type="linDir" val="fromL"/>
+                        <dgm:param type="secChAlign" val="t"/>
+                        <dgm:param type="secLinDir" val="fromT"/>
+                      </dgm:alg>
+                    </dgm:if>
+                    <dgm:else name="Name105">
+                      <dgm:alg type="hierChild">
+                        <dgm:param type="chAlign" val="l"/>
+                        <dgm:param type="linDir" val="fromR"/>
+                        <dgm:param type="secChAlign" val="t"/>
+                        <dgm:param type="secLinDir" val="fromT"/>
+                      </dgm:alg>
+                    </dgm:else>
+                  </dgm:choose>
+                  <dgm:shape xmlns:r="http://schemas.openxmlformats.org/officeDocument/2006/relationships" r:blip="">
+                    <dgm:adjLst/>
+                  </dgm:shape>
+                  <dgm:presOf/>
+                  <dgm:constrLst/>
+                  <dgm:ruleLst/>
+                  <dgm:forEach name="Name106" ref="rep2b"/>
+                </dgm:layoutNode>
               </dgm:layoutNode>
-            </dgm:layoutNode>
-          </dgm:forEach>
-        </dgm:forEach>
-      </dgm:layoutNode>
-    </dgm:layoutNode>
-    <dgm:layoutNode name="bgShapesFlow">
-      <dgm:alg type="lin">
-        <dgm:param type="linDir" val="fromT"/>
-        <dgm:param type="nodeVertAlign" val="t"/>
-        <dgm:param type="vertAlign" val="t"/>
-        <dgm:param type="nodeHorzAlign" val="ctr"/>
-      </dgm:alg>
-      <dgm:shape xmlns:r="http://schemas.openxmlformats.org/officeDocument/2006/relationships" r:blip="">
-        <dgm:adjLst/>
-      </dgm:shape>
-      <dgm:presOf/>
-      <dgm:constrLst>
-        <dgm:constr type="userB"/>
-        <dgm:constr type="w" for="ch" forName="rectComp" refType="w"/>
-        <dgm:constr type="h" for="ch" forName="rectComp" refType="h"/>
-        <dgm:constr type="w" for="des" forName="bgRect" refType="w"/>
-        <dgm:constr type="primFontSz" for="des" forName="bgRectTx" op="equ"/>
-      </dgm:constrLst>
-      <dgm:ruleLst/>
-      <dgm:forEach name="Name26" axis="ch" ptType="node" st="2">
-        <dgm:layoutNode name="rectComp">
-          <dgm:alg type="composite">
-            <dgm:param type="vertAlign" val="t"/>
-            <dgm:param type="horzAlign" val="ctr"/>
-          </dgm:alg>
-          <dgm:shape xmlns:r="http://schemas.openxmlformats.org/officeDocument/2006/relationships" r:blip="">
-            <dgm:adjLst/>
-          </dgm:shape>
-          <dgm:presOf/>
-          <dgm:choose name="Name27">
-            <dgm:if name="Name28" func="var" arg="dir" op="equ" val="norm">
-              <dgm:constrLst>
-                <dgm:constr type="userA"/>
-                <dgm:constr type="l" for="ch" forName="bgRect"/>
-                <dgm:constr type="t" for="ch" forName="bgRect"/>
-                <dgm:constr type="h" for="ch" forName="bgRect" refType="userA" fact="1.2"/>
-                <dgm:constr type="l" for="ch" forName="bgRectTx"/>
-                <dgm:constr type="t" for="ch" forName="bgRectTx"/>
-                <dgm:constr type="w" for="ch" forName="bgRectTx" refType="w" refFor="ch" refForName="bgRect" fact="0.3"/>
-                <dgm:constr type="h" for="ch" forName="bgRectTx" refType="h" refFor="ch" refForName="bgRect" op="equ"/>
-              </dgm:constrLst>
-            </dgm:if>
-            <dgm:else name="Name29">
-              <dgm:constrLst>
-                <dgm:constr type="userA"/>
-                <dgm:constr type="l" for="ch" forName="bgRect"/>
-                <dgm:constr type="t" for="ch" forName="bgRect"/>
-                <dgm:constr type="h" for="ch" forName="bgRect" refType="userA" fact="1.2"/>
-                <dgm:constr type="r" for="ch" forName="bgRectTx" refType="w"/>
-                <dgm:constr type="t" for="ch" forName="bgRectTx"/>
-                <dgm:constr type="w" for="ch" forName="bgRectTx" refType="w" refFor="ch" refForName="bgRect" fact="0.3"/>
-                <dgm:constr type="h" for="ch" forName="bgRectTx" refType="h" refFor="ch" refForName="bgRect" op="equ"/>
-              </dgm:constrLst>
-            </dgm:else>
-          </dgm:choose>
-          <dgm:ruleLst/>
-          <dgm:layoutNode name="bgRect" styleLbl="bgShp">
-            <dgm:alg type="sp"/>
-            <dgm:shape xmlns:r="http://schemas.openxmlformats.org/officeDocument/2006/relationships" type="roundRect" r:blip="" zOrderOff="-999">
-              <dgm:adjLst>
-                <dgm:adj idx="1" val="0.1"/>
-              </dgm:adjLst>
+            </dgm:forEach>
+          </dgm:layoutNode>
+          <dgm:layoutNode name="hierChild3">
+            <dgm:choose name="Name107">
+              <dgm:if name="Name108" func="var" arg="dir" op="equ" val="norm">
+                <dgm:alg type="hierChild">
+                  <dgm:param type="chAlign" val="l"/>
+                  <dgm:param type="linDir" val="fromL"/>
+                  <dgm:param type="secChAlign" val="t"/>
+                  <dgm:param type="secLinDir" val="fromT"/>
+                </dgm:alg>
+              </dgm:if>
+              <dgm:else name="Name109">
+                <dgm:alg type="hierChild">
+                  <dgm:param type="chAlign" val="l"/>
+                  <dgm:param type="linDir" val="fromR"/>
+                  <dgm:param type="secChAlign" val="t"/>
+                  <dgm:param type="secLinDir" val="fromT"/>
+                </dgm:alg>
+              </dgm:else>
+            </dgm:choose>
+            <dgm:shape xmlns:r="http://schemas.openxmlformats.org/officeDocument/2006/relationships" r:blip="">
+              <dgm:adjLst/>
             </dgm:shape>
-            <dgm:presOf axis="desOrSelf" ptType="node"/>
+            <dgm:presOf/>
             <dgm:constrLst/>
             <dgm:ruleLst/>
-          </dgm:layoutNode>
-          <dgm:layoutNode name="bgRectTx" styleLbl="bgShp">
-            <dgm:varLst>
-              <dgm:bulletEnabled val="1"/>
-            </dgm:varLst>
-            <dgm:alg type="tx"/>
-            <dgm:presOf axis="desOrSelf" ptType="node"/>
-            <dgm:shape xmlns:r="http://schemas.openxmlformats.org/officeDocument/2006/relationships" type="rect" r:blip="" zOrderOff="-999" hideGeom="1">
-              <dgm:adjLst/>
-            </dgm:shape>
-            <dgm:constrLst>
-              <dgm:constr type="primFontSz" val="65"/>
-            </dgm:constrLst>
-            <dgm:ruleLst>
-              <dgm:rule type="primFontSz" val="5" fact="NaN" max="NaN"/>
-            </dgm:ruleLst>
+            <dgm:forEach name="rep2b" axis="ch" ptType="asst">
+              <dgm:forEach name="Name110" axis="precedSib" ptType="parTrans" st="-1" cnt="1">
+                <dgm:layoutNode name="Name111">
+                  <dgm:alg type="conn">
+                    <dgm:param type="connRout" val="bend"/>
+                    <dgm:param type="dim" val="1D"/>
+                    <dgm:param type="endSty" val="noArr"/>
+                    <dgm:param type="begPts" val="bCtr"/>
+                    <dgm:param type="endPts" val="midL midR"/>
+                  </dgm:alg>
+                  <dgm:shape xmlns:r="http://schemas.openxmlformats.org/officeDocument/2006/relationships" type="conn" r:blip="" zOrderOff="-99999">
+                    <dgm:adjLst/>
+                  </dgm:shape>
+                  <dgm:presOf axis="self"/>
+                  <dgm:constrLst>
+                    <dgm:constr type="begPad"/>
+                    <dgm:constr type="endPad"/>
+                  </dgm:constrLst>
+                  <dgm:ruleLst/>
+                </dgm:layoutNode>
+              </dgm:forEach>
+              <dgm:layoutNode name="hierRoot3">
+                <dgm:varLst>
+                  <dgm:hierBranch val="init"/>
+                </dgm:varLst>
+                <dgm:choose name="Name112">
+                  <dgm:if name="Name113" func="var" arg="hierBranch" op="equ" val="l">
+                    <dgm:alg type="hierRoot">
+                      <dgm:param type="hierAlign" val="tR"/>
+                    </dgm:alg>
+                    <dgm:shape xmlns:r="http://schemas.openxmlformats.org/officeDocument/2006/relationships" r:blip="">
+                      <dgm:adjLst/>
+                    </dgm:shape>
+                    <dgm:presOf/>
+                    <dgm:constrLst>
+                      <dgm:constr type="alignOff" val="0.65"/>
+                    </dgm:constrLst>
+                  </dgm:if>
+                  <dgm:if name="Name114" func="var" arg="hierBranch" op="equ" val="r">
+                    <dgm:alg type="hierRoot">
+                      <dgm:param type="hierAlign" val="tL"/>
+                    </dgm:alg>
+                    <dgm:shape xmlns:r="http://schemas.openxmlformats.org/officeDocument/2006/relationships" r:blip="">
+                      <dgm:adjLst/>
+                    </dgm:shape>
+                    <dgm:presOf/>
+                    <dgm:constrLst>
+                      <dgm:constr type="alignOff" val="0.65"/>
+                    </dgm:constrLst>
+                  </dgm:if>
+                  <dgm:if name="Name115" func="var" arg="hierBranch" op="equ" val="hang">
+                    <dgm:alg type="hierRoot"/>
+                    <dgm:shape xmlns:r="http://schemas.openxmlformats.org/officeDocument/2006/relationships" r:blip="">
+                      <dgm:adjLst/>
+                    </dgm:shape>
+                    <dgm:presOf/>
+                    <dgm:constrLst>
+                      <dgm:constr type="alignOff" val="0.65"/>
+                    </dgm:constrLst>
+                  </dgm:if>
+                  <dgm:if name="Name116" func="var" arg="hierBranch" op="equ" val="std">
+                    <dgm:alg type="hierRoot"/>
+                    <dgm:shape xmlns:r="http://schemas.openxmlformats.org/officeDocument/2006/relationships" r:blip="">
+                      <dgm:adjLst/>
+                    </dgm:shape>
+                    <dgm:presOf/>
+                    <dgm:constrLst>
+                      <dgm:constr type="alignOff"/>
+                      <dgm:constr type="bendDist" for="des" ptType="parTrans" refType="sp" fact="0.5"/>
+                    </dgm:constrLst>
+                  </dgm:if>
+                  <dgm:if name="Name117" func="var" arg="hierBranch" op="equ" val="init">
+                    <dgm:choose name="Name118">
+                      <dgm:if name="Name119" axis="des" func="maxDepth" op="lte" val="1">
+                        <dgm:alg type="hierRoot">
+                          <dgm:param type="hierAlign" val="tL"/>
+                        </dgm:alg>
+                        <dgm:shape xmlns:r="http://schemas.openxmlformats.org/officeDocument/2006/relationships" r:blip="">
+                          <dgm:adjLst/>
+                        </dgm:shape>
+                        <dgm:presOf/>
+                        <dgm:constrLst>
+                          <dgm:constr type="alignOff" val="0.65"/>
+                        </dgm:constrLst>
+                      </dgm:if>
+                      <dgm:else name="Name120">
+                        <dgm:alg type="hierRoot"/>
+                        <dgm:shape xmlns:r="http://schemas.openxmlformats.org/officeDocument/2006/relationships" r:blip="">
+                          <dgm:adjLst/>
+                        </dgm:shape>
+                        <dgm:presOf/>
+                        <dgm:constrLst>
+                          <dgm:constr type="alignOff"/>
+                          <dgm:constr type="bendDist" for="des" ptType="parTrans" refType="sp" fact="0.5"/>
+                        </dgm:constrLst>
+                      </dgm:else>
+                    </dgm:choose>
+                  </dgm:if>
+                  <dgm:else name="Name121"/>
+                </dgm:choose>
+                <dgm:ruleLst/>
+                <dgm:layoutNode name="rootComposite3">
+                  <dgm:alg type="composite"/>
+                  <dgm:shape xmlns:r="http://schemas.openxmlformats.org/officeDocument/2006/relationships" r:blip="">
+                    <dgm:adjLst/>
+                  </dgm:shape>
+                  <dgm:presOf axis="self" ptType="node" cnt="1"/>
+                  <dgm:choose name="Name122">
+                    <dgm:if name="Name123" func="var" arg="hierBranch" op="equ" val="init">
+                      <dgm:constrLst>
+                        <dgm:constr type="l" for="ch" forName="rootText3"/>
+                        <dgm:constr type="t" for="ch" forName="rootText3"/>
+                        <dgm:constr type="w" for="ch" forName="rootText3" refType="w"/>
+                        <dgm:constr type="h" for="ch" forName="rootText3" refType="h"/>
+                        <dgm:constr type="l" for="ch" forName="rootConnector3"/>
+                        <dgm:constr type="t" for="ch" forName="rootConnector3"/>
+                        <dgm:constr type="w" for="ch" forName="rootConnector3" refType="w" refFor="ch" refForName="rootText3" fact="0.2"/>
+                        <dgm:constr type="h" for="ch" forName="rootConnector3" refType="h" refFor="ch" refForName="rootText3"/>
+                      </dgm:constrLst>
+                    </dgm:if>
+                    <dgm:if name="Name124" func="var" arg="hierBranch" op="equ" val="l">
+                      <dgm:constrLst>
+                        <dgm:constr type="l" for="ch" forName="rootText3"/>
+                        <dgm:constr type="t" for="ch" forName="rootText3"/>
+                        <dgm:constr type="w" for="ch" forName="rootText3" refType="w"/>
+                        <dgm:constr type="h" for="ch" forName="rootText3" refType="h"/>
+                        <dgm:constr type="r" for="ch" forName="rootConnector3" refType="w"/>
+                        <dgm:constr type="t" for="ch" forName="rootConnector3"/>
+                        <dgm:constr type="w" for="ch" forName="rootConnector3" refType="w" refFor="ch" refForName="rootText3" fact="0.2"/>
+                        <dgm:constr type="h" for="ch" forName="rootConnector3" refType="h" refFor="ch" refForName="rootText3"/>
+                      </dgm:constrLst>
+                    </dgm:if>
+                    <dgm:if name="Name125" func="var" arg="hierBranch" op="equ" val="r">
+                      <dgm:constrLst>
+                        <dgm:constr type="l" for="ch" forName="rootText3"/>
+                        <dgm:constr type="t" for="ch" forName="rootText3"/>
+                        <dgm:constr type="w" for="ch" forName="rootText3" refType="w"/>
+                        <dgm:constr type="h" for="ch" forName="rootText3" refType="h"/>
+                        <dgm:constr type="l" for="ch" forName="rootConnector3"/>
+                        <dgm:constr type="t" for="ch" forName="rootConnector3"/>
+                        <dgm:constr type="w" for="ch" forName="rootConnector3" refType="w" refFor="ch" refForName="rootText3" fact="0.2"/>
+                        <dgm:constr type="h" for="ch" forName="rootConnector3" refType="h" refFor="ch" refForName="rootText3"/>
+                      </dgm:constrLst>
+                    </dgm:if>
+                    <dgm:else name="Name126">
+                      <dgm:constrLst>
+                        <dgm:constr type="l" for="ch" forName="rootText3"/>
+                        <dgm:constr type="t" for="ch" forName="rootText3"/>
+                        <dgm:constr type="w" for="ch" forName="rootText3" refType="w"/>
+                        <dgm:constr type="h" for="ch" forName="rootText3" refType="h"/>
+                        <dgm:constr type="r" for="ch" forName="rootConnector3" refType="w"/>
+                        <dgm:constr type="t" for="ch" forName="rootConnector3"/>
+                        <dgm:constr type="w" for="ch" forName="rootConnector3" refType="w" refFor="ch" refForName="rootText3" fact="0.2"/>
+                        <dgm:constr type="h" for="ch" forName="rootConnector3" refType="h" refFor="ch" refForName="rootText3"/>
+                      </dgm:constrLst>
+                    </dgm:else>
+                  </dgm:choose>
+                  <dgm:ruleLst/>
+                  <dgm:layoutNode name="rootText3">
+                    <dgm:varLst>
+                      <dgm:chPref val="3"/>
+                    </dgm:varLst>
+                    <dgm:alg type="tx"/>
+                    <dgm:shape xmlns:r="http://schemas.openxmlformats.org/officeDocument/2006/relationships" type="rect" r:blip="">
+                      <dgm:adjLst/>
+                    </dgm:shape>
+                    <dgm:presOf axis="self" ptType="node" cnt="1"/>
+                    <dgm:constrLst>
+                      <dgm:constr type="primFontSz" val="65"/>
+                      <dgm:constr type="lMarg" refType="primFontSz" fact="0.05"/>
+                      <dgm:constr type="rMarg" refType="primFontSz" fact="0.05"/>
+                      <dgm:constr type="tMarg" refType="primFontSz" fact="0.05"/>
+                      <dgm:constr type="bMarg" refType="primFontSz" fact="0.05"/>
+                    </dgm:constrLst>
+                    <dgm:ruleLst>
+                      <dgm:rule type="primFontSz" val="5" fact="NaN" max="NaN"/>
+                    </dgm:ruleLst>
+                  </dgm:layoutNode>
+                  <dgm:layoutNode name="rootConnector3" moveWith="rootText1">
+                    <dgm:alg type="sp"/>
+                    <dgm:shape xmlns:r="http://schemas.openxmlformats.org/officeDocument/2006/relationships" type="rect" r:blip="" hideGeom="1">
+                      <dgm:adjLst/>
+                    </dgm:shape>
+                    <dgm:presOf axis="self" ptType="node" cnt="1"/>
+                    <dgm:constrLst/>
+                    <dgm:ruleLst/>
+                  </dgm:layoutNode>
+                </dgm:layoutNode>
+                <dgm:layoutNode name="hierChild6">
+                  <dgm:choose name="Name127">
+                    <dgm:if name="Name128" func="var" arg="hierBranch" op="equ" val="l">
+                      <dgm:alg type="hierChild">
+                        <dgm:param type="chAlign" val="r"/>
+                        <dgm:param type="linDir" val="fromT"/>
+                      </dgm:alg>
+                    </dgm:if>
+                    <dgm:if name="Name129" func="var" arg="hierBranch" op="equ" val="r">
+                      <dgm:alg type="hierChild">
+                        <dgm:param type="chAlign" val="l"/>
+                        <dgm:param type="linDir" val="fromT"/>
+                      </dgm:alg>
+                    </dgm:if>
+                    <dgm:if name="Name130" func="var" arg="hierBranch" op="equ" val="hang">
+                      <dgm:choose name="Name131">
+                        <dgm:if name="Name132" func="var" arg="dir" op="equ" val="norm">
+                          <dgm:alg type="hierChild">
+                            <dgm:param type="chAlign" val="l"/>
+                            <dgm:param type="linDir" val="fromL"/>
+                            <dgm:param type="secChAlign" val="t"/>
+                            <dgm:param type="secLinDir" val="fromT"/>
+                          </dgm:alg>
+                        </dgm:if>
+                        <dgm:else name="Name133">
+                          <dgm:alg type="hierChild">
+                            <dgm:param type="chAlign" val="l"/>
+                            <dgm:param type="linDir" val="fromR"/>
+                            <dgm:param type="secChAlign" val="t"/>
+                            <dgm:param type="secLinDir" val="fromT"/>
+                          </dgm:alg>
+                        </dgm:else>
+                      </dgm:choose>
+                    </dgm:if>
+                    <dgm:if name="Name134" func="var" arg="hierBranch" op="equ" val="std">
+                      <dgm:choose name="Name135">
+                        <dgm:if name="Name136" func="var" arg="dir" op="equ" val="norm">
+                          <dgm:alg type="hierChild"/>
+                        </dgm:if>
+                        <dgm:else name="Name137">
+                          <dgm:alg type="hierChild">
+                            <dgm:param type="linDir" val="fromR"/>
+                          </dgm:alg>
+                        </dgm:else>
+                      </dgm:choose>
+                    </dgm:if>
+                    <dgm:if name="Name138" func="var" arg="hierBranch" op="equ" val="init">
+                      <dgm:choose name="Name139">
+                        <dgm:if name="Name140" axis="des" func="maxDepth" op="lte" val="1">
+                          <dgm:alg type="hierChild">
+                            <dgm:param type="chAlign" val="l"/>
+                            <dgm:param type="linDir" val="fromT"/>
+                          </dgm:alg>
+                        </dgm:if>
+                        <dgm:else name="Name141">
+                          <dgm:alg type="hierChild"/>
+                        </dgm:else>
+                      </dgm:choose>
+                    </dgm:if>
+                    <dgm:else name="Name142"/>
+                  </dgm:choose>
+                  <dgm:shape xmlns:r="http://schemas.openxmlformats.org/officeDocument/2006/relationships" r:blip="">
+                    <dgm:adjLst/>
+                  </dgm:shape>
+                  <dgm:presOf/>
+                  <dgm:constrLst/>
+                  <dgm:ruleLst/>
+                  <dgm:forEach name="Name143" ref="rep2a"/>
+                </dgm:layoutNode>
+                <dgm:layoutNode name="hierChild7">
+                  <dgm:choose name="Name144">
+                    <dgm:if name="Name145" func="var" arg="dir" op="equ" val="norm">
+                      <dgm:alg type="hierChild">
+                        <dgm:param type="chAlign" val="l"/>
+                        <dgm:param type="linDir" val="fromL"/>
+                        <dgm:param type="secChAlign" val="t"/>
+                        <dgm:param type="secLinDir" val="fromT"/>
+                      </dgm:alg>
+                    </dgm:if>
+                    <dgm:else name="Name146">
+                      <dgm:alg type="hierChild">
+                        <dgm:param type="chAlign" val="l"/>
+                        <dgm:param type="linDir" val="fromR"/>
+                        <dgm:param type="secChAlign" val="t"/>
+                        <dgm:param type="secLinDir" val="fromT"/>
+                      </dgm:alg>
+                    </dgm:else>
+                  </dgm:choose>
+                  <dgm:shape xmlns:r="http://schemas.openxmlformats.org/officeDocument/2006/relationships" r:blip="">
+                    <dgm:adjLst/>
+                  </dgm:shape>
+                  <dgm:presOf/>
+                  <dgm:constrLst/>
+                  <dgm:ruleLst/>
+                  <dgm:forEach name="Name147" ref="rep2b"/>
+                </dgm:layoutNode>
+              </dgm:layoutNode>
+            </dgm:forEach>
           </dgm:layoutNode>
         </dgm:layoutNode>
-        <dgm:choose name="Name30">
-          <dgm:if name="Name31" axis="self" ptType="node" func="revPos" op="gte" val="2">
-            <dgm:layoutNode name="spComp">
-              <dgm:alg type="composite">
-                <dgm:param type="vertAlign" val="t"/>
-                <dgm:param type="horzAlign" val="ctr"/>
-              </dgm:alg>
-              <dgm:shape xmlns:r="http://schemas.openxmlformats.org/officeDocument/2006/relationships" r:blip="">
-                <dgm:adjLst/>
-              </dgm:shape>
-              <dgm:presOf/>
-              <dgm:constrLst>
-                <dgm:constr type="userA"/>
-                <dgm:constr type="userB"/>
-                <dgm:constr type="l" for="ch" forName="vSp"/>
-                <dgm:constr type="t" for="ch" forName="vSp"/>
-                <dgm:constr type="h" for="ch" forName="vSp" refType="userB"/>
-                <dgm:constr type="hOff" for="ch" forName="vSp" refType="userA" fact="-0.2"/>
-              </dgm:constrLst>
-              <dgm:ruleLst/>
-              <dgm:layoutNode name="vSp">
-                <dgm:alg type="sp"/>
-                <dgm:shape xmlns:r="http://schemas.openxmlformats.org/officeDocument/2006/relationships" r:blip="">
-                  <dgm:adjLst/>
-                </dgm:shape>
-                <dgm:presOf/>
-                <dgm:constrLst/>
-                <dgm:ruleLst/>
-              </dgm:layoutNode>
-            </dgm:layoutNode>
-          </dgm:if>
-          <dgm:else name="Name32"/>
-        </dgm:choose>
       </dgm:forEach>
-    </dgm:layoutNode>
+    </dgm:forEach>
   </dgm:layoutNode>
 </dgm:layoutDef>
 </file>
 
 <file path=ppt/diagrams/quickStyle1.xml><?xml version="1.0" encoding="utf-8"?>
-<dgm:styleDef xmlns:dgm="http://schemas.openxmlformats.org/drawingml/2006/diagram" xmlns:a="http://schemas.openxmlformats.org/drawingml/2006/main" uniqueId="urn:microsoft.com/office/officeart/2005/8/quickstyle/simple2">
+<dgm:styleDef xmlns:dgm="http://schemas.openxmlformats.org/drawingml/2006/diagram" xmlns:a="http://schemas.openxmlformats.org/drawingml/2006/main" uniqueId="urn:microsoft.com/office/officeart/2005/8/quickstyle/simple1">
   <dgm:title val=""/>
   <dgm:desc val=""/>
   <dgm:catLst>
-    <dgm:cat type="simple" pri="10200"/>
+    <dgm:cat type="simple" pri="10100"/>
   </dgm:catLst>
   <dgm:scene3d>
     <a:camera prst="orthographicFront"/>
@@ -3445,13 +3480,13 @@
     <dgm:sp3d/>
     <dgm:txPr/>
     <dgm:style>
-      <a:lnRef idx="3">
+      <a:lnRef idx="2">
         <a:scrgbClr r="0" g="0" b="0"/>
       </a:lnRef>
       <a:fillRef idx="1">
         <a:scrgbClr r="0" g="0" b="0"/>
       </a:fillRef>
-      <a:effectRef idx="1">
+      <a:effectRef idx="0">
         <a:scrgbClr r="0" g="0" b="0"/>
       </a:effectRef>
       <a:fontRef idx="minor">
@@ -3467,13 +3502,13 @@
     <dgm:sp3d/>
     <dgm:txPr/>
     <dgm:style>
-      <a:lnRef idx="3">
+      <a:lnRef idx="2">
         <a:scrgbClr r="0" g="0" b="0"/>
       </a:lnRef>
       <a:fillRef idx="1">
         <a:scrgbClr r="0" g="0" b="0"/>
       </a:fillRef>
-      <a:effectRef idx="1">
+      <a:effectRef idx="0">
         <a:scrgbClr r="0" g="0" b="0"/>
       </a:effectRef>
       <a:fontRef idx="minor">
@@ -3489,7 +3524,7 @@
     <dgm:sp3d/>
     <dgm:txPr/>
     <dgm:style>
-      <a:lnRef idx="3">
+      <a:lnRef idx="2">
         <a:scrgbClr r="0" g="0" b="0"/>
       </a:lnRef>
       <a:fillRef idx="1">
@@ -3517,7 +3552,7 @@
       <a:fillRef idx="1">
         <a:scrgbClr r="0" g="0" b="0"/>
       </a:fillRef>
-      <a:effectRef idx="1">
+      <a:effectRef idx="0">
         <a:scrgbClr r="0" g="0" b="0"/>
       </a:effectRef>
       <a:fontRef idx="minor">
@@ -3533,13 +3568,13 @@
     <dgm:sp3d/>
     <dgm:txPr/>
     <dgm:style>
-      <a:lnRef idx="3">
+      <a:lnRef idx="2">
         <a:scrgbClr r="0" g="0" b="0"/>
       </a:lnRef>
       <a:fillRef idx="1">
         <a:scrgbClr r="0" g="0" b="0"/>
       </a:fillRef>
-      <a:effectRef idx="1">
+      <a:effectRef idx="0">
         <a:scrgbClr r="0" g="0" b="0"/>
       </a:effectRef>
       <a:fontRef idx="minor">
@@ -3555,13 +3590,13 @@
     <dgm:sp3d/>
     <dgm:txPr/>
     <dgm:style>
-      <a:lnRef idx="3">
+      <a:lnRef idx="2">
         <a:scrgbClr r="0" g="0" b="0"/>
       </a:lnRef>
       <a:fillRef idx="1">
         <a:scrgbClr r="0" g="0" b="0"/>
       </a:fillRef>
-      <a:effectRef idx="1">
+      <a:effectRef idx="0">
         <a:scrgbClr r="0" g="0" b="0"/>
       </a:effectRef>
       <a:fontRef idx="minor">
@@ -3577,13 +3612,13 @@
     <dgm:sp3d/>
     <dgm:txPr/>
     <dgm:style>
-      <a:lnRef idx="3">
+      <a:lnRef idx="2">
         <a:scrgbClr r="0" g="0" b="0"/>
       </a:lnRef>
       <a:fillRef idx="1">
         <a:scrgbClr r="0" g="0" b="0"/>
       </a:fillRef>
-      <a:effectRef idx="1">
+      <a:effectRef idx="0">
         <a:scrgbClr r="0" g="0" b="0"/>
       </a:effectRef>
       <a:fontRef idx="minor">
@@ -3599,13 +3634,13 @@
     <dgm:sp3d/>
     <dgm:txPr/>
     <dgm:style>
-      <a:lnRef idx="3">
+      <a:lnRef idx="2">
         <a:scrgbClr r="0" g="0" b="0"/>
       </a:lnRef>
       <a:fillRef idx="1">
         <a:scrgbClr r="0" g="0" b="0"/>
       </a:fillRef>
-      <a:effectRef idx="1">
+      <a:effectRef idx="0">
         <a:scrgbClr r="0" g="0" b="0"/>
       </a:effectRef>
       <a:fontRef idx="minor">
@@ -3621,13 +3656,13 @@
     <dgm:sp3d/>
     <dgm:txPr/>
     <dgm:style>
-      <a:lnRef idx="3">
+      <a:lnRef idx="2">
         <a:scrgbClr r="0" g="0" b="0"/>
       </a:lnRef>
       <a:fillRef idx="1">
         <a:scrgbClr r="0" g="0" b="0"/>
       </a:fillRef>
-      <a:effectRef idx="1">
+      <a:effectRef idx="0">
         <a:scrgbClr r="0" g="0" b="0"/>
       </a:effectRef>
       <a:fontRef idx="minor"/>
@@ -3641,13 +3676,13 @@
     <dgm:sp3d/>
     <dgm:txPr/>
     <dgm:style>
-      <a:lnRef idx="3">
+      <a:lnRef idx="2">
         <a:scrgbClr r="0" g="0" b="0"/>
       </a:lnRef>
       <a:fillRef idx="1">
         <a:scrgbClr r="0" g="0" b="0"/>
       </a:fillRef>
-      <a:effectRef idx="1">
+      <a:effectRef idx="0">
         <a:scrgbClr r="0" g="0" b="0"/>
       </a:effectRef>
       <a:fontRef idx="minor"/>
@@ -3661,13 +3696,13 @@
     <dgm:sp3d/>
     <dgm:txPr/>
     <dgm:style>
-      <a:lnRef idx="3">
+      <a:lnRef idx="2">
         <a:scrgbClr r="0" g="0" b="0"/>
       </a:lnRef>
       <a:fillRef idx="1">
         <a:scrgbClr r="0" g="0" b="0"/>
       </a:fillRef>
-      <a:effectRef idx="1">
+      <a:effectRef idx="0">
         <a:scrgbClr r="0" g="0" b="0"/>
       </a:effectRef>
       <a:fontRef idx="minor"/>
@@ -3687,7 +3722,7 @@
       <a:fillRef idx="1">
         <a:scrgbClr r="0" g="0" b="0"/>
       </a:fillRef>
-      <a:effectRef idx="1">
+      <a:effectRef idx="0">
         <a:scrgbClr r="0" g="0" b="0"/>
       </a:effectRef>
       <a:fontRef idx="minor">
@@ -3709,7 +3744,7 @@
       <a:fillRef idx="1">
         <a:scrgbClr r="0" g="0" b="0"/>
       </a:fillRef>
-      <a:effectRef idx="1">
+      <a:effectRef idx="0">
         <a:scrgbClr r="0" g="0" b="0"/>
       </a:effectRef>
       <a:fontRef idx="minor">
@@ -3731,7 +3766,7 @@
       <a:fillRef idx="1">
         <a:scrgbClr r="0" g="0" b="0"/>
       </a:fillRef>
-      <a:effectRef idx="1">
+      <a:effectRef idx="0">
         <a:scrgbClr r="0" g="0" b="0"/>
       </a:effectRef>
       <a:fontRef idx="minor">
@@ -3773,7 +3808,7 @@
       <a:fillRef idx="1">
         <a:scrgbClr r="0" g="0" b="0"/>
       </a:fillRef>
-      <a:effectRef idx="1">
+      <a:effectRef idx="0">
         <a:scrgbClr r="0" g="0" b="0"/>
       </a:effectRef>
       <a:fontRef idx="minor"/>
@@ -3787,13 +3822,13 @@
     <dgm:sp3d/>
     <dgm:txPr/>
     <dgm:style>
-      <a:lnRef idx="3">
+      <a:lnRef idx="2">
         <a:scrgbClr r="0" g="0" b="0"/>
       </a:lnRef>
       <a:fillRef idx="1">
         <a:scrgbClr r="0" g="0" b="0"/>
       </a:fillRef>
-      <a:effectRef idx="1">
+      <a:effectRef idx="0">
         <a:scrgbClr r="0" g="0" b="0"/>
       </a:effectRef>
       <a:fontRef idx="minor">
@@ -3809,13 +3844,13 @@
     <dgm:sp3d/>
     <dgm:txPr/>
     <dgm:style>
-      <a:lnRef idx="3">
+      <a:lnRef idx="2">
         <a:scrgbClr r="0" g="0" b="0"/>
       </a:lnRef>
       <a:fillRef idx="1">
         <a:scrgbClr r="0" g="0" b="0"/>
       </a:fillRef>
-      <a:effectRef idx="1">
+      <a:effectRef idx="0">
         <a:scrgbClr r="0" g="0" b="0"/>
       </a:effectRef>
       <a:fontRef idx="minor">
@@ -3831,13 +3866,13 @@
     <dgm:sp3d/>
     <dgm:txPr/>
     <dgm:style>
-      <a:lnRef idx="3">
+      <a:lnRef idx="2">
         <a:scrgbClr r="0" g="0" b="0"/>
       </a:lnRef>
       <a:fillRef idx="1">
         <a:scrgbClr r="0" g="0" b="0"/>
       </a:fillRef>
-      <a:effectRef idx="1">
+      <a:effectRef idx="0">
         <a:scrgbClr r="0" g="0" b="0"/>
       </a:effectRef>
       <a:fontRef idx="minor">
@@ -3853,13 +3888,13 @@
     <dgm:sp3d/>
     <dgm:txPr/>
     <dgm:style>
-      <a:lnRef idx="3">
+      <a:lnRef idx="2">
         <a:scrgbClr r="0" g="0" b="0"/>
       </a:lnRef>
       <a:fillRef idx="1">
         <a:scrgbClr r="0" g="0" b="0"/>
       </a:fillRef>
-      <a:effectRef idx="1">
+      <a:effectRef idx="0">
         <a:scrgbClr r="0" g="0" b="0"/>
       </a:effectRef>
       <a:fontRef idx="minor">
@@ -3875,13 +3910,13 @@
     <dgm:sp3d/>
     <dgm:txPr/>
     <dgm:style>
-      <a:lnRef idx="3">
+      <a:lnRef idx="2">
         <a:scrgbClr r="0" g="0" b="0"/>
       </a:lnRef>
       <a:fillRef idx="1">
         <a:scrgbClr r="0" g="0" b="0"/>
       </a:fillRef>
-      <a:effectRef idx="1">
+      <a:effectRef idx="0">
         <a:scrgbClr r="0" g="0" b="0"/>
       </a:effectRef>
       <a:fontRef idx="minor">
@@ -3897,13 +3932,13 @@
     <dgm:sp3d/>
     <dgm:txPr/>
     <dgm:style>
-      <a:lnRef idx="3">
+      <a:lnRef idx="2">
         <a:scrgbClr r="0" g="0" b="0"/>
       </a:lnRef>
       <a:fillRef idx="1">
         <a:scrgbClr r="0" g="0" b="0"/>
       </a:fillRef>
-      <a:effectRef idx="1">
+      <a:effectRef idx="0">
         <a:scrgbClr r="0" g="0" b="0"/>
       </a:effectRef>
       <a:fontRef idx="minor">
@@ -3919,13 +3954,13 @@
     <dgm:sp3d/>
     <dgm:txPr/>
     <dgm:style>
-      <a:lnRef idx="3">
+      <a:lnRef idx="2">
         <a:scrgbClr r="0" g="0" b="0"/>
       </a:lnRef>
       <a:fillRef idx="1">
         <a:scrgbClr r="0" g="0" b="0"/>
       </a:fillRef>
-      <a:effectRef idx="1">
+      <a:effectRef idx="0">
         <a:scrgbClr r="0" g="0" b="0"/>
       </a:effectRef>
       <a:fontRef idx="minor">
@@ -3941,13 +3976,13 @@
     <dgm:sp3d/>
     <dgm:txPr/>
     <dgm:style>
-      <a:lnRef idx="3">
+      <a:lnRef idx="2">
         <a:scrgbClr r="0" g="0" b="0"/>
       </a:lnRef>
       <a:fillRef idx="1">
         <a:scrgbClr r="0" g="0" b="0"/>
       </a:fillRef>
-      <a:effectRef idx="1">
+      <a:effectRef idx="0">
         <a:scrgbClr r="0" g="0" b="0"/>
       </a:effectRef>
       <a:fontRef idx="minor">
@@ -3963,13 +3998,13 @@
     <dgm:sp3d/>
     <dgm:txPr/>
     <dgm:style>
-      <a:lnRef idx="3">
+      <a:lnRef idx="2">
         <a:scrgbClr r="0" g="0" b="0"/>
       </a:lnRef>
       <a:fillRef idx="1">
         <a:scrgbClr r="0" g="0" b="0"/>
       </a:fillRef>
-      <a:effectRef idx="1">
+      <a:effectRef idx="0">
         <a:scrgbClr r="0" g="0" b="0"/>
       </a:effectRef>
       <a:fontRef idx="minor">
@@ -4425,13 +4460,13 @@
     <dgm:sp3d/>
     <dgm:txPr/>
     <dgm:style>
-      <a:lnRef idx="3">
+      <a:lnRef idx="2">
         <a:scrgbClr r="0" g="0" b="0"/>
       </a:lnRef>
       <a:fillRef idx="1">
         <a:scrgbClr r="0" g="0" b="0"/>
       </a:fillRef>
-      <a:effectRef idx="1">
+      <a:effectRef idx="0">
         <a:scrgbClr r="0" g="0" b="0"/>
       </a:effectRef>
       <a:fontRef idx="minor"/>
@@ -4609,7 +4644,7 @@
           <a:p>
             <a:fld id="{C8D10983-EB2F-456F-97EB-2CC8398173EE}" type="datetimeFigureOut">
               <a:rPr lang="en-MY" smtClean="0"/>
-              <a:t>19/12/2023</a:t>
+              <a:t>27/12/2023</a:t>
             </a:fld>
             <a:endParaRPr lang="en-MY"/>
           </a:p>
@@ -4809,7 +4844,7 @@
           <a:p>
             <a:fld id="{C8D10983-EB2F-456F-97EB-2CC8398173EE}" type="datetimeFigureOut">
               <a:rPr lang="en-MY" smtClean="0"/>
-              <a:t>19/12/2023</a:t>
+              <a:t>27/12/2023</a:t>
             </a:fld>
             <a:endParaRPr lang="en-MY"/>
           </a:p>
@@ -5019,7 +5054,7 @@
           <a:p>
             <a:fld id="{C8D10983-EB2F-456F-97EB-2CC8398173EE}" type="datetimeFigureOut">
               <a:rPr lang="en-MY" smtClean="0"/>
-              <a:t>19/12/2023</a:t>
+              <a:t>27/12/2023</a:t>
             </a:fld>
             <a:endParaRPr lang="en-MY"/>
           </a:p>
@@ -5219,7 +5254,7 @@
           <a:p>
             <a:fld id="{C8D10983-EB2F-456F-97EB-2CC8398173EE}" type="datetimeFigureOut">
               <a:rPr lang="en-MY" smtClean="0"/>
-              <a:t>19/12/2023</a:t>
+              <a:t>27/12/2023</a:t>
             </a:fld>
             <a:endParaRPr lang="en-MY"/>
           </a:p>
@@ -5495,7 +5530,7 @@
           <a:p>
             <a:fld id="{C8D10983-EB2F-456F-97EB-2CC8398173EE}" type="datetimeFigureOut">
               <a:rPr lang="en-MY" smtClean="0"/>
-              <a:t>19/12/2023</a:t>
+              <a:t>27/12/2023</a:t>
             </a:fld>
             <a:endParaRPr lang="en-MY"/>
           </a:p>
@@ -5763,7 +5798,7 @@
           <a:p>
             <a:fld id="{C8D10983-EB2F-456F-97EB-2CC8398173EE}" type="datetimeFigureOut">
               <a:rPr lang="en-MY" smtClean="0"/>
-              <a:t>19/12/2023</a:t>
+              <a:t>27/12/2023</a:t>
             </a:fld>
             <a:endParaRPr lang="en-MY"/>
           </a:p>
@@ -6178,7 +6213,7 @@
           <a:p>
             <a:fld id="{C8D10983-EB2F-456F-97EB-2CC8398173EE}" type="datetimeFigureOut">
               <a:rPr lang="en-MY" smtClean="0"/>
-              <a:t>19/12/2023</a:t>
+              <a:t>27/12/2023</a:t>
             </a:fld>
             <a:endParaRPr lang="en-MY"/>
           </a:p>
@@ -6320,7 +6355,7 @@
           <a:p>
             <a:fld id="{C8D10983-EB2F-456F-97EB-2CC8398173EE}" type="datetimeFigureOut">
               <a:rPr lang="en-MY" smtClean="0"/>
-              <a:t>19/12/2023</a:t>
+              <a:t>27/12/2023</a:t>
             </a:fld>
             <a:endParaRPr lang="en-MY"/>
           </a:p>
@@ -6433,7 +6468,7 @@
           <a:p>
             <a:fld id="{C8D10983-EB2F-456F-97EB-2CC8398173EE}" type="datetimeFigureOut">
               <a:rPr lang="en-MY" smtClean="0"/>
-              <a:t>19/12/2023</a:t>
+              <a:t>27/12/2023</a:t>
             </a:fld>
             <a:endParaRPr lang="en-MY"/>
           </a:p>
@@ -6746,7 +6781,7 @@
           <a:p>
             <a:fld id="{C8D10983-EB2F-456F-97EB-2CC8398173EE}" type="datetimeFigureOut">
               <a:rPr lang="en-MY" smtClean="0"/>
-              <a:t>19/12/2023</a:t>
+              <a:t>27/12/2023</a:t>
             </a:fld>
             <a:endParaRPr lang="en-MY"/>
           </a:p>
@@ -7035,7 +7070,7 @@
           <a:p>
             <a:fld id="{C8D10983-EB2F-456F-97EB-2CC8398173EE}" type="datetimeFigureOut">
               <a:rPr lang="en-MY" smtClean="0"/>
-              <a:t>19/12/2023</a:t>
+              <a:t>27/12/2023</a:t>
             </a:fld>
             <a:endParaRPr lang="en-MY"/>
           </a:p>
@@ -7278,7 +7313,7 @@
           <a:p>
             <a:fld id="{C8D10983-EB2F-456F-97EB-2CC8398173EE}" type="datetimeFigureOut">
               <a:rPr lang="en-MY" smtClean="0"/>
-              <a:t>19/12/2023</a:t>
+              <a:t>27/12/2023</a:t>
             </a:fld>
             <a:endParaRPr lang="en-MY"/>
           </a:p>
@@ -7700,7 +7735,7 @@
           <p:cNvPr id="4" name="Diagram 3">
             <a:extLst>
               <a:ext uri="{FF2B5EF4-FFF2-40B4-BE49-F238E27FC236}">
-                <a16:creationId xmlns:a16="http://schemas.microsoft.com/office/drawing/2014/main" id="{365690F5-A4CA-6851-F3AA-B6F800545411}"/>
+                <a16:creationId xmlns:a16="http://schemas.microsoft.com/office/drawing/2014/main" id="{F2D54A51-B5FD-C2D6-C378-BE71A1E98C28}"/>
               </a:ext>
             </a:extLst>
           </p:cNvPr>
@@ -7708,14 +7743,14 @@
           <p:nvPr>
             <p:extLst>
               <p:ext uri="{D42A27DB-BD31-4B8C-83A1-F6EECF244321}">
-                <p14:modId xmlns:p14="http://schemas.microsoft.com/office/powerpoint/2010/main" val="1061360287"/>
+                <p14:modId xmlns:p14="http://schemas.microsoft.com/office/powerpoint/2010/main" val="2193415436"/>
               </p:ext>
             </p:extLst>
           </p:nvPr>
         </p:nvGraphicFramePr>
         <p:xfrm>
-          <a:off x="964163" y="219464"/>
-          <a:ext cx="10263673" cy="6419072"/>
+          <a:off x="2032000" y="719666"/>
+          <a:ext cx="8128000" cy="5418667"/>
         </p:xfrm>
         <a:graphic>
           <a:graphicData uri="http://schemas.openxmlformats.org/drawingml/2006/diagram">
@@ -7723,270 +7758,10 @@
           </a:graphicData>
         </a:graphic>
       </p:graphicFrame>
-      <p:sp>
-        <p:nvSpPr>
-          <p:cNvPr id="5" name="TextBox 4">
-            <a:extLst>
-              <a:ext uri="{FF2B5EF4-FFF2-40B4-BE49-F238E27FC236}">
-                <a16:creationId xmlns:a16="http://schemas.microsoft.com/office/drawing/2014/main" id="{F58D4D91-2D3A-BF09-4733-80E282FFD144}"/>
-              </a:ext>
-            </a:extLst>
-          </p:cNvPr>
-          <p:cNvSpPr txBox="1"/>
-          <p:nvPr/>
-        </p:nvSpPr>
-        <p:spPr>
-          <a:xfrm>
-            <a:off x="3180080" y="3264654"/>
-            <a:ext cx="1087120" cy="311666"/>
-          </a:xfrm>
-          <a:prstGeom prst="rect">
-            <a:avLst/>
-          </a:prstGeom>
-        </p:spPr>
-        <p:style>
-          <a:lnRef idx="2">
-            <a:schemeClr val="dk1"/>
-          </a:lnRef>
-          <a:fillRef idx="1">
-            <a:schemeClr val="lt1"/>
-          </a:fillRef>
-          <a:effectRef idx="0">
-            <a:schemeClr val="dk1"/>
-          </a:effectRef>
-          <a:fontRef idx="minor">
-            <a:schemeClr val="dk1"/>
-          </a:fontRef>
-        </p:style>
-        <p:txBody>
-          <a:bodyPr wrap="square" rtlCol="0">
-            <a:spAutoFit/>
-          </a:bodyPr>
-          <a:lstStyle/>
-          <a:p>
-            <a:pPr algn="ctr"/>
-            <a:r>
-              <a:rPr lang="en-MY" sz="1400" dirty="0">
-                <a:latin typeface="Times New Roman" panose="02020603050405020304" pitchFamily="18" charset="0"/>
-                <a:cs typeface="Times New Roman" panose="02020603050405020304" pitchFamily="18" charset="0"/>
-              </a:rPr>
-              <a:t>implements</a:t>
-            </a:r>
-          </a:p>
-        </p:txBody>
-      </p:sp>
-      <p:sp>
-        <p:nvSpPr>
-          <p:cNvPr id="6" name="TextBox 5">
-            <a:extLst>
-              <a:ext uri="{FF2B5EF4-FFF2-40B4-BE49-F238E27FC236}">
-                <a16:creationId xmlns:a16="http://schemas.microsoft.com/office/drawing/2014/main" id="{97999A20-9499-7CDC-A54F-185ABE510DCC}"/>
-              </a:ext>
-            </a:extLst>
-          </p:cNvPr>
-          <p:cNvSpPr txBox="1"/>
-          <p:nvPr/>
-        </p:nvSpPr>
-        <p:spPr>
-          <a:xfrm>
-            <a:off x="6837682" y="3264654"/>
-            <a:ext cx="1290318" cy="307777"/>
-          </a:xfrm>
-          <a:prstGeom prst="rect">
-            <a:avLst/>
-          </a:prstGeom>
-        </p:spPr>
-        <p:style>
-          <a:lnRef idx="2">
-            <a:schemeClr val="dk1"/>
-          </a:lnRef>
-          <a:fillRef idx="1">
-            <a:schemeClr val="lt1"/>
-          </a:fillRef>
-          <a:effectRef idx="0">
-            <a:schemeClr val="dk1"/>
-          </a:effectRef>
-          <a:fontRef idx="minor">
-            <a:schemeClr val="dk1"/>
-          </a:fontRef>
-        </p:style>
-        <p:txBody>
-          <a:bodyPr wrap="square" rtlCol="0">
-            <a:spAutoFit/>
-          </a:bodyPr>
-          <a:lstStyle/>
-          <a:p>
-            <a:pPr algn="ctr"/>
-            <a:r>
-              <a:rPr lang="en-MY" sz="1400" dirty="0">
-                <a:latin typeface="Times New Roman" panose="02020603050405020304" pitchFamily="18" charset="0"/>
-                <a:cs typeface="Times New Roman" panose="02020603050405020304" pitchFamily="18" charset="0"/>
-              </a:rPr>
-              <a:t>composed of</a:t>
-            </a:r>
-          </a:p>
-        </p:txBody>
-      </p:sp>
-      <p:sp>
-        <p:nvSpPr>
-          <p:cNvPr id="7" name="TextBox 6">
-            <a:extLst>
-              <a:ext uri="{FF2B5EF4-FFF2-40B4-BE49-F238E27FC236}">
-                <a16:creationId xmlns:a16="http://schemas.microsoft.com/office/drawing/2014/main" id="{7401AE9B-7188-A21B-EB96-9E85AA8274EB}"/>
-              </a:ext>
-            </a:extLst>
-          </p:cNvPr>
-          <p:cNvSpPr txBox="1"/>
-          <p:nvPr/>
-        </p:nvSpPr>
-        <p:spPr>
-          <a:xfrm>
-            <a:off x="9265920" y="3260765"/>
-            <a:ext cx="1178560" cy="307777"/>
-          </a:xfrm>
-          <a:prstGeom prst="rect">
-            <a:avLst/>
-          </a:prstGeom>
-        </p:spPr>
-        <p:style>
-          <a:lnRef idx="2">
-            <a:schemeClr val="dk1"/>
-          </a:lnRef>
-          <a:fillRef idx="1">
-            <a:schemeClr val="lt1"/>
-          </a:fillRef>
-          <a:effectRef idx="0">
-            <a:schemeClr val="dk1"/>
-          </a:effectRef>
-          <a:fontRef idx="minor">
-            <a:schemeClr val="dk1"/>
-          </a:fontRef>
-        </p:style>
-        <p:txBody>
-          <a:bodyPr wrap="square" rtlCol="0">
-            <a:spAutoFit/>
-          </a:bodyPr>
-          <a:lstStyle/>
-          <a:p>
-            <a:pPr algn="ctr"/>
-            <a:r>
-              <a:rPr lang="en-MY" sz="1400" dirty="0">
-                <a:latin typeface="Times New Roman" panose="02020603050405020304" pitchFamily="18" charset="0"/>
-                <a:cs typeface="Times New Roman" panose="02020603050405020304" pitchFamily="18" charset="0"/>
-              </a:rPr>
-              <a:t>composed of</a:t>
-            </a:r>
-          </a:p>
-        </p:txBody>
-      </p:sp>
-      <p:sp>
-        <p:nvSpPr>
-          <p:cNvPr id="8" name="TextBox 7">
-            <a:extLst>
-              <a:ext uri="{FF2B5EF4-FFF2-40B4-BE49-F238E27FC236}">
-                <a16:creationId xmlns:a16="http://schemas.microsoft.com/office/drawing/2014/main" id="{EF8308FB-61BE-16CD-E3BA-FFEA62C966EB}"/>
-              </a:ext>
-            </a:extLst>
-          </p:cNvPr>
-          <p:cNvSpPr txBox="1"/>
-          <p:nvPr/>
-        </p:nvSpPr>
-        <p:spPr>
-          <a:xfrm>
-            <a:off x="7955280" y="4951595"/>
-            <a:ext cx="1087120" cy="307777"/>
-          </a:xfrm>
-          <a:prstGeom prst="rect">
-            <a:avLst/>
-          </a:prstGeom>
-        </p:spPr>
-        <p:style>
-          <a:lnRef idx="2">
-            <a:schemeClr val="dk1"/>
-          </a:lnRef>
-          <a:fillRef idx="1">
-            <a:schemeClr val="lt1"/>
-          </a:fillRef>
-          <a:effectRef idx="0">
-            <a:schemeClr val="dk1"/>
-          </a:effectRef>
-          <a:fontRef idx="minor">
-            <a:schemeClr val="dk1"/>
-          </a:fontRef>
-        </p:style>
-        <p:txBody>
-          <a:bodyPr wrap="square" rtlCol="0">
-            <a:spAutoFit/>
-          </a:bodyPr>
-          <a:lstStyle/>
-          <a:p>
-            <a:pPr algn="ctr"/>
-            <a:r>
-              <a:rPr lang="en-MY" sz="1400" dirty="0">
-                <a:latin typeface="Times New Roman" panose="02020603050405020304" pitchFamily="18" charset="0"/>
-                <a:cs typeface="Times New Roman" panose="02020603050405020304" pitchFamily="18" charset="0"/>
-              </a:rPr>
-              <a:t>extends</a:t>
-            </a:r>
-          </a:p>
-        </p:txBody>
-      </p:sp>
-      <p:sp>
-        <p:nvSpPr>
-          <p:cNvPr id="9" name="TextBox 8">
-            <a:extLst>
-              <a:ext uri="{FF2B5EF4-FFF2-40B4-BE49-F238E27FC236}">
-                <a16:creationId xmlns:a16="http://schemas.microsoft.com/office/drawing/2014/main" id="{45D7D2D7-98F4-6007-749F-F6C5328058F8}"/>
-              </a:ext>
-            </a:extLst>
-          </p:cNvPr>
-          <p:cNvSpPr txBox="1"/>
-          <p:nvPr/>
-        </p:nvSpPr>
-        <p:spPr>
-          <a:xfrm>
-            <a:off x="4378960" y="4951594"/>
-            <a:ext cx="1087120" cy="307777"/>
-          </a:xfrm>
-          <a:prstGeom prst="rect">
-            <a:avLst/>
-          </a:prstGeom>
-        </p:spPr>
-        <p:style>
-          <a:lnRef idx="2">
-            <a:schemeClr val="dk1"/>
-          </a:lnRef>
-          <a:fillRef idx="1">
-            <a:schemeClr val="lt1"/>
-          </a:fillRef>
-          <a:effectRef idx="0">
-            <a:schemeClr val="dk1"/>
-          </a:effectRef>
-          <a:fontRef idx="minor">
-            <a:schemeClr val="dk1"/>
-          </a:fontRef>
-        </p:style>
-        <p:txBody>
-          <a:bodyPr wrap="square" rtlCol="0">
-            <a:spAutoFit/>
-          </a:bodyPr>
-          <a:lstStyle/>
-          <a:p>
-            <a:pPr algn="ctr"/>
-            <a:r>
-              <a:rPr lang="en-MY" sz="1400" dirty="0">
-                <a:latin typeface="Times New Roman" panose="02020603050405020304" pitchFamily="18" charset="0"/>
-                <a:cs typeface="Times New Roman" panose="02020603050405020304" pitchFamily="18" charset="0"/>
-              </a:rPr>
-              <a:t>extends</a:t>
-            </a:r>
-          </a:p>
-        </p:txBody>
-      </p:sp>
     </p:spTree>
     <p:extLst>
       <p:ext uri="{BB962C8B-B14F-4D97-AF65-F5344CB8AC3E}">
-        <p14:creationId xmlns:p14="http://schemas.microsoft.com/office/powerpoint/2010/main" val="3105581600"/>
+        <p14:creationId xmlns:p14="http://schemas.microsoft.com/office/powerpoint/2010/main" val="3011655601"/>
       </p:ext>
     </p:extLst>
   </p:cSld>
